--- a/Big Data and Analytics/Azure HPC/Azure HPC.pptx
+++ b/Big Data and Analytics/Azure HPC/Azure HPC.pptx
@@ -6,7 +6,7 @@
     <p:sldMasterId id="2147483663" r:id="rId2"/>
   </p:sldMasterIdLst>
   <p:notesMasterIdLst>
-    <p:notesMasterId r:id="rId12"/>
+    <p:notesMasterId r:id="rId11"/>
   </p:notesMasterIdLst>
   <p:sldIdLst>
     <p:sldId id="256" r:id="rId3"/>
@@ -16,8 +16,7 @@
     <p:sldId id="304" r:id="rId7"/>
     <p:sldId id="305" r:id="rId8"/>
     <p:sldId id="306" r:id="rId9"/>
-    <p:sldId id="295" r:id="rId10"/>
-    <p:sldId id="299" r:id="rId11"/>
+    <p:sldId id="299" r:id="rId10"/>
   </p:sldIdLst>
   <p:sldSz cx="12192000" cy="6858000"/>
   <p:notesSz cx="6858000" cy="9144000"/>
@@ -206,7 +205,7 @@
           <a:p>
             <a:fld id="{49B60EF2-7028-489F-85D8-FE86CD7CF2A0}" type="datetimeFigureOut">
               <a:rPr lang="en-US" smtClean="0"/>
-              <a:t>9/26/2016</a:t>
+              <a:t>10/1/2016</a:t>
             </a:fld>
             <a:endParaRPr lang="en-US"/>
           </a:p>
@@ -1556,7 +1555,7 @@
           <a:p>
             <a:fld id="{0459C166-16D3-4A25-A2F8-C51E0E346B22}" type="datetimeFigureOut">
               <a:rPr lang="en-US" smtClean="0"/>
-              <a:t>9/26/2016</a:t>
+              <a:t>10/1/2016</a:t>
             </a:fld>
             <a:endParaRPr lang="en-US"/>
           </a:p>
@@ -1651,7 +1650,7 @@
           <a:p>
             <a:fld id="{0459C166-16D3-4A25-A2F8-C51E0E346B22}" type="datetimeFigureOut">
               <a:rPr lang="en-US" smtClean="0"/>
-              <a:t>9/26/2016</a:t>
+              <a:t>10/1/2016</a:t>
             </a:fld>
             <a:endParaRPr lang="en-US"/>
           </a:p>
@@ -1926,7 +1925,7 @@
           <a:p>
             <a:fld id="{0459C166-16D3-4A25-A2F8-C51E0E346B22}" type="datetimeFigureOut">
               <a:rPr lang="en-US" smtClean="0"/>
-              <a:t>9/26/2016</a:t>
+              <a:t>10/1/2016</a:t>
             </a:fld>
             <a:endParaRPr lang="en-US"/>
           </a:p>
@@ -2178,7 +2177,7 @@
           <a:p>
             <a:fld id="{0459C166-16D3-4A25-A2F8-C51E0E346B22}" type="datetimeFigureOut">
               <a:rPr lang="en-US" smtClean="0"/>
-              <a:t>9/26/2016</a:t>
+              <a:t>10/1/2016</a:t>
             </a:fld>
             <a:endParaRPr lang="en-US"/>
           </a:p>
@@ -2346,7 +2345,7 @@
           <a:p>
             <a:fld id="{0459C166-16D3-4A25-A2F8-C51E0E346B22}" type="datetimeFigureOut">
               <a:rPr lang="en-US" smtClean="0"/>
-              <a:t>9/26/2016</a:t>
+              <a:t>10/1/2016</a:t>
             </a:fld>
             <a:endParaRPr lang="en-US"/>
           </a:p>
@@ -2524,7 +2523,7 @@
           <a:p>
             <a:fld id="{0459C166-16D3-4A25-A2F8-C51E0E346B22}" type="datetimeFigureOut">
               <a:rPr lang="en-US" smtClean="0"/>
-              <a:t>9/26/2016</a:t>
+              <a:t>10/1/2016</a:t>
             </a:fld>
             <a:endParaRPr lang="en-US"/>
           </a:p>
@@ -4451,7 +4450,7 @@
           <a:p>
             <a:fld id="{0459C166-16D3-4A25-A2F8-C51E0E346B22}" type="datetimeFigureOut">
               <a:rPr lang="en-US" smtClean="0"/>
-              <a:t>9/26/2016</a:t>
+              <a:t>10/1/2016</a:t>
             </a:fld>
             <a:endParaRPr lang="en-US"/>
           </a:p>
@@ -10078,7 +10077,7 @@
             <a:fld id="{0459C166-16D3-4A25-A2F8-C51E0E346B22}" type="datetimeFigureOut">
               <a:rPr lang="en-US" smtClean="0"/>
               <a:pPr/>
-              <a:t>9/26/2016</a:t>
+              <a:t>10/1/2016</a:t>
             </a:fld>
             <a:endParaRPr lang="en-US"/>
           </a:p>
@@ -14140,7 +14139,7 @@
           <a:p>
             <a:fld id="{0459C166-16D3-4A25-A2F8-C51E0E346B22}" type="datetimeFigureOut">
               <a:rPr lang="en-US" smtClean="0"/>
-              <a:t>9/26/2016</a:t>
+              <a:t>10/1/2016</a:t>
             </a:fld>
             <a:endParaRPr lang="en-US"/>
           </a:p>
@@ -14504,7 +14503,7 @@
           <a:p>
             <a:fld id="{0459C166-16D3-4A25-A2F8-C51E0E346B22}" type="datetimeFigureOut">
               <a:rPr lang="en-US" smtClean="0"/>
-              <a:t>9/26/2016</a:t>
+              <a:t>10/1/2016</a:t>
             </a:fld>
             <a:endParaRPr lang="en-US"/>
           </a:p>
@@ -14621,7 +14620,7 @@
           <a:p>
             <a:fld id="{0459C166-16D3-4A25-A2F8-C51E0E346B22}" type="datetimeFigureOut">
               <a:rPr lang="en-US" smtClean="0"/>
-              <a:t>9/26/2016</a:t>
+              <a:t>10/1/2016</a:t>
             </a:fld>
             <a:endParaRPr lang="en-US"/>
           </a:p>
@@ -14832,7 +14831,7 @@
           <a:p>
             <a:fld id="{0459C166-16D3-4A25-A2F8-C51E0E346B22}" type="datetimeFigureOut">
               <a:rPr lang="en-US" smtClean="0"/>
-              <a:t>9/26/2016</a:t>
+              <a:t>10/1/2016</a:t>
             </a:fld>
             <a:endParaRPr lang="en-US"/>
           </a:p>
@@ -20666,86 +20665,6 @@
 </file>
 
 <file path=ppt/slides/slide8.xml><?xml version="1.0" encoding="utf-8"?>
-<p:sld xmlns:a="http://schemas.openxmlformats.org/drawingml/2006/main" xmlns:r="http://schemas.openxmlformats.org/officeDocument/2006/relationships" xmlns:p="http://schemas.openxmlformats.org/presentationml/2006/main">
-  <p:cSld>
-    <p:spTree>
-      <p:nvGrpSpPr>
-        <p:cNvPr id="1" name=""/>
-        <p:cNvGrpSpPr/>
-        <p:nvPr/>
-      </p:nvGrpSpPr>
-      <p:grpSpPr>
-        <a:xfrm>
-          <a:off x="0" y="0"/>
-          <a:ext cx="0" cy="0"/>
-          <a:chOff x="0" y="0"/>
-          <a:chExt cx="0" cy="0"/>
-        </a:xfrm>
-      </p:grpSpPr>
-      <p:sp>
-        <p:nvSpPr>
-          <p:cNvPr id="4" name="Title 3"/>
-          <p:cNvSpPr>
-            <a:spLocks noGrp="1"/>
-          </p:cNvSpPr>
-          <p:nvPr>
-            <p:ph type="title"/>
-          </p:nvPr>
-        </p:nvSpPr>
-        <p:spPr/>
-        <p:txBody>
-          <a:bodyPr/>
-          <a:lstStyle/>
-          <a:p>
-            <a:r>
-              <a:rPr lang="en-US" dirty="0" smtClean="0"/>
-              <a:t>Hands-On Lab</a:t>
-            </a:r>
-            <a:endParaRPr lang="en-US" dirty="0"/>
-          </a:p>
-        </p:txBody>
-      </p:sp>
-      <p:sp>
-        <p:nvSpPr>
-          <p:cNvPr id="5" name="Text Placeholder 4"/>
-          <p:cNvSpPr>
-            <a:spLocks noGrp="1"/>
-          </p:cNvSpPr>
-          <p:nvPr>
-            <p:ph type="body" idx="1"/>
-          </p:nvPr>
-        </p:nvSpPr>
-        <p:spPr/>
-        <p:txBody>
-          <a:bodyPr/>
-          <a:lstStyle/>
-          <a:p>
-            <a:r>
-              <a:rPr lang="en-US" dirty="0" smtClean="0"/>
-              <a:t>SLURM Linux Cluster </a:t>
-            </a:r>
-            <a:r>
-              <a:rPr lang="en-US" dirty="0" smtClean="0"/>
-              <a:t>HOL.html</a:t>
-            </a:r>
-            <a:endParaRPr lang="en-US" dirty="0" smtClean="0"/>
-          </a:p>
-        </p:txBody>
-      </p:sp>
-    </p:spTree>
-    <p:extLst>
-      <p:ext uri="{BB962C8B-B14F-4D97-AF65-F5344CB8AC3E}">
-        <p14:creationId xmlns:p14="http://schemas.microsoft.com/office/powerpoint/2010/main" val="3335184859"/>
-      </p:ext>
-    </p:extLst>
-  </p:cSld>
-  <p:clrMapOvr>
-    <a:masterClrMapping/>
-  </p:clrMapOvr>
-</p:sld>
-</file>
-
-<file path=ppt/slides/slide9.xml><?xml version="1.0" encoding="utf-8"?>
 <p:sld xmlns:a="http://schemas.openxmlformats.org/drawingml/2006/main" xmlns:r="http://schemas.openxmlformats.org/officeDocument/2006/relationships" xmlns:p="http://schemas.openxmlformats.org/presentationml/2006/main">
   <p:cSld>
     <p:spTree>

--- a/Big Data and Analytics/Azure HPC/Azure HPC.pptx
+++ b/Big Data and Analytics/Azure HPC/Azure HPC.pptx
@@ -6,17 +6,18 @@
     <p:sldMasterId id="2147483663" r:id="rId2"/>
   </p:sldMasterIdLst>
   <p:notesMasterIdLst>
-    <p:notesMasterId r:id="rId11"/>
+    <p:notesMasterId r:id="rId12"/>
   </p:notesMasterIdLst>
   <p:sldIdLst>
     <p:sldId id="256" r:id="rId3"/>
     <p:sldId id="301" r:id="rId4"/>
-    <p:sldId id="302" r:id="rId5"/>
-    <p:sldId id="303" r:id="rId6"/>
-    <p:sldId id="304" r:id="rId7"/>
-    <p:sldId id="305" r:id="rId8"/>
-    <p:sldId id="306" r:id="rId9"/>
-    <p:sldId id="299" r:id="rId10"/>
+    <p:sldId id="307" r:id="rId5"/>
+    <p:sldId id="308" r:id="rId6"/>
+    <p:sldId id="303" r:id="rId7"/>
+    <p:sldId id="304" r:id="rId8"/>
+    <p:sldId id="305" r:id="rId9"/>
+    <p:sldId id="306" r:id="rId10"/>
+    <p:sldId id="299" r:id="rId11"/>
   </p:sldIdLst>
   <p:sldSz cx="12192000" cy="6858000"/>
   <p:notesSz cx="6858000" cy="9144000"/>
@@ -205,7 +206,7 @@
           <a:p>
             <a:fld id="{49B60EF2-7028-489F-85D8-FE86CD7CF2A0}" type="datetimeFigureOut">
               <a:rPr lang="en-US" smtClean="0"/>
-              <a:t>10/1/2016</a:t>
+              <a:t>10/10/2016</a:t>
             </a:fld>
             <a:endParaRPr lang="en-US"/>
           </a:p>
@@ -773,6 +774,20 @@
               <a:t>Not all VM sizes are available in all data centers. For the latest pricing information and availability, see https://azure.microsoft.com/en-us/pricing/details/virtual-machines.</a:t>
             </a:r>
           </a:p>
+          <a:p>
+            <a:endParaRPr lang="en-US" dirty="0" smtClean="0"/>
+          </a:p>
+          <a:p>
+            <a:r>
+              <a:rPr lang="en-US" dirty="0" smtClean="0"/>
+              <a:t>N-series VMs are currently in preview</a:t>
+            </a:r>
+            <a:r>
+              <a:rPr lang="en-US" baseline="0" dirty="0" smtClean="0"/>
+              <a:t> and are an answer to researchers who need GPU power to perform complex calculations. They are equipped with NVIDIA Tesla GPUs.</a:t>
+            </a:r>
+            <a:endParaRPr lang="en-US" dirty="0" smtClean="0"/>
+          </a:p>
         </p:txBody>
       </p:sp>
       <p:sp>
@@ -801,7 +816,7 @@
     </p:spTree>
     <p:extLst>
       <p:ext uri="{BB962C8B-B14F-4D97-AF65-F5344CB8AC3E}">
-        <p14:creationId xmlns:p14="http://schemas.microsoft.com/office/powerpoint/2010/main" val="82150574"/>
+        <p14:creationId xmlns:p14="http://schemas.microsoft.com/office/powerpoint/2010/main" val="3163571352"/>
       </p:ext>
     </p:extLst>
   </p:cSld>
@@ -855,7 +870,7 @@
           <a:bodyPr/>
           <a:lstStyle/>
           <a:p>
-            <a:pPr marL="0" marR="0" indent="0" algn="l" defTabSz="914400" rtl="0" eaLnBrk="1" fontAlgn="auto" latinLnBrk="0" hangingPunct="1">
+            <a:pPr marL="0" marR="0" lvl="0" indent="0" algn="l" defTabSz="914400" rtl="0" eaLnBrk="1" fontAlgn="auto" latinLnBrk="0" hangingPunct="1">
               <a:lnSpc>
                 <a:spcPct val="100000"/>
               </a:lnSpc>
@@ -873,18 +888,13 @@
               <a:defRPr/>
             </a:pPr>
             <a:r>
-              <a:rPr lang="en-US" sz="1200" kern="1200" dirty="0" smtClean="0">
-                <a:solidFill>
-                  <a:schemeClr val="tx1"/>
-                </a:solidFill>
-                <a:effectLst/>
-                <a:latin typeface="+mn-lt"/>
-                <a:ea typeface="+mn-ea"/>
-                <a:cs typeface="+mn-cs"/>
-              </a:rPr>
-              <a:t>Here’s a quick look at three of the Azure VM sizes so you can see how they differ in cost and capability. One thing to keep in mind when deploying VMs is that you get charged for them whether they’re in use or not. When you’re finished using a VM or a cluster of VMs, it behooves you to go into the Azure portal and suspend each VM to avoid unnecessary charges. Once suspended, a VM is easily restarted so you can pick up where you left off and continue using it. I’ll show you how to start and stop VMs in the demo coming up shortly. I’ll also show you how to delete them so you can avoid even incurring storage charges for VMs that are no longer needed.</a:t>
-            </a:r>
-            <a:endParaRPr lang="en-US" dirty="0" smtClean="0"/>
+              <a:rPr lang="en-US" dirty="0" smtClean="0"/>
+              <a:t>For background,</a:t>
+            </a:r>
+            <a:r>
+              <a:rPr lang="en-US" baseline="0" dirty="0" smtClean="0"/>
+              <a:t> see https://blogs.msdn.microsoft.com/uk_faculty_connection/2016/09/12/choosing-the-most-appropiate-azure-virtual-machine-specification/?wt.mc_id=DX_873849. Not shown here are H machines, which are optimized for extremely heavy computing workloads.</a:t>
+            </a:r>
           </a:p>
         </p:txBody>
       </p:sp>
@@ -914,7 +924,7 @@
     </p:spTree>
     <p:extLst>
       <p:ext uri="{BB962C8B-B14F-4D97-AF65-F5344CB8AC3E}">
-        <p14:creationId xmlns:p14="http://schemas.microsoft.com/office/powerpoint/2010/main" val="3473641149"/>
+        <p14:creationId xmlns:p14="http://schemas.microsoft.com/office/powerpoint/2010/main" val="1935622843"/>
       </p:ext>
     </p:extLst>
   </p:cSld>
@@ -968,6 +978,23 @@
           <a:bodyPr/>
           <a:lstStyle/>
           <a:p>
+            <a:pPr marL="0" marR="0" indent="0" algn="l" defTabSz="914400" rtl="0" eaLnBrk="1" fontAlgn="auto" latinLnBrk="0" hangingPunct="1">
+              <a:lnSpc>
+                <a:spcPct val="100000"/>
+              </a:lnSpc>
+              <a:spcBef>
+                <a:spcPts val="0"/>
+              </a:spcBef>
+              <a:spcAft>
+                <a:spcPts val="0"/>
+              </a:spcAft>
+              <a:buClrTx/>
+              <a:buSzTx/>
+              <a:buFontTx/>
+              <a:buNone/>
+              <a:tabLst/>
+              <a:defRPr/>
+            </a:pPr>
             <a:r>
               <a:rPr lang="en-US" sz="1200" kern="1200" dirty="0" smtClean="0">
                 <a:solidFill>
@@ -978,111 +1005,7 @@
                 <a:ea typeface="+mn-ea"/>
                 <a:cs typeface="+mn-cs"/>
               </a:rPr>
-              <a:t>An important element of HPC in Azure is the Azure Resource Manager. The Azure Resource Manager is a relatively recent addition to Azure. It lets you combine the resources that comprise an application – resources such as VMs, databases, virtual networks, and storage accounts – into </a:t>
-            </a:r>
-            <a:r>
-              <a:rPr lang="en-US" sz="1200" i="1" kern="1200" dirty="0" smtClean="0">
-                <a:solidFill>
-                  <a:schemeClr val="tx1"/>
-                </a:solidFill>
-                <a:effectLst/>
-                <a:latin typeface="+mn-lt"/>
-                <a:ea typeface="+mn-ea"/>
-                <a:cs typeface="+mn-cs"/>
-              </a:rPr>
-              <a:t>resource groups</a:t>
-            </a:r>
-            <a:r>
-              <a:rPr lang="en-US" sz="1200" kern="1200" dirty="0" smtClean="0">
-                <a:solidFill>
-                  <a:schemeClr val="tx1"/>
-                </a:solidFill>
-                <a:effectLst/>
-                <a:latin typeface="+mn-lt"/>
-                <a:ea typeface="+mn-ea"/>
-                <a:cs typeface="+mn-cs"/>
-              </a:rPr>
-              <a:t> so entire applications can be deployed, managed, and even deleted with a single step. Prior to Resource Manager, resources had to be created (and deleted) one by one, which quickly became onerous with large deployments.</a:t>
-            </a:r>
-          </a:p>
-          <a:p>
-            <a:r>
-              <a:rPr lang="en-US" sz="1200" kern="1200" dirty="0" smtClean="0">
-                <a:solidFill>
-                  <a:schemeClr val="tx1"/>
-                </a:solidFill>
-                <a:effectLst/>
-                <a:latin typeface="+mn-lt"/>
-                <a:ea typeface="+mn-ea"/>
-                <a:cs typeface="+mn-cs"/>
-              </a:rPr>
-              <a:t> </a:t>
-            </a:r>
-          </a:p>
-          <a:p>
-            <a:r>
-              <a:rPr lang="en-US" sz="1200" kern="1200" dirty="0" smtClean="0">
-                <a:solidFill>
-                  <a:schemeClr val="tx1"/>
-                </a:solidFill>
-                <a:effectLst/>
-                <a:latin typeface="+mn-lt"/>
-                <a:ea typeface="+mn-ea"/>
-                <a:cs typeface="+mn-cs"/>
-              </a:rPr>
-              <a:t>The Azure Resource Manager allows you to deploy applications using declarative templates called </a:t>
-            </a:r>
-            <a:r>
-              <a:rPr lang="en-US" sz="1200" i="1" kern="1200" dirty="0" smtClean="0">
-                <a:solidFill>
-                  <a:schemeClr val="tx1"/>
-                </a:solidFill>
-                <a:effectLst/>
-                <a:latin typeface="+mn-lt"/>
-                <a:ea typeface="+mn-ea"/>
-                <a:cs typeface="+mn-cs"/>
-              </a:rPr>
-              <a:t>deployment templates</a:t>
-            </a:r>
-            <a:r>
-              <a:rPr lang="en-US" sz="1200" kern="1200" dirty="0" smtClean="0">
-                <a:solidFill>
-                  <a:schemeClr val="tx1"/>
-                </a:solidFill>
-                <a:effectLst/>
-                <a:latin typeface="+mn-lt"/>
-                <a:ea typeface="+mn-ea"/>
-                <a:cs typeface="+mn-cs"/>
-              </a:rPr>
-              <a:t>. A template contains a complete description of all the resources that make up the application. Templates can include parameters that users will be prompted to fill in each time an application is deployed. Templates can also run scripts to initialize resources to a known and consistent state.</a:t>
-            </a:r>
-          </a:p>
-          <a:p>
-            <a:r>
-              <a:rPr lang="en-US" sz="1200" kern="1200" dirty="0" smtClean="0">
-                <a:solidFill>
-                  <a:schemeClr val="tx1"/>
-                </a:solidFill>
-                <a:effectLst/>
-                <a:latin typeface="+mn-lt"/>
-                <a:ea typeface="+mn-ea"/>
-                <a:cs typeface="+mn-cs"/>
-              </a:rPr>
-              <a:t> </a:t>
-            </a:r>
-          </a:p>
-          <a:p>
-            <a:r>
-              <a:rPr lang="en-US" sz="1200" kern="1200" dirty="0" smtClean="0">
-                <a:solidFill>
-                  <a:schemeClr val="tx1"/>
-                </a:solidFill>
-                <a:effectLst/>
-                <a:latin typeface="+mn-lt"/>
-                <a:ea typeface="+mn-ea"/>
-                <a:cs typeface="+mn-cs"/>
-              </a:rPr>
-              <a:t>As an example, suppose you have built an HPC cluster that includes virtual machines and other Azure resources. With a template, you can script the creation of the entire cluster and optionally the data that goes with it. This makes it easy for others to spin up instances of the cluster, or for you to recreate it if you deleted it thinking you wouldn’t be needing it again.</a:t>
+              <a:t>Here’s a quick look at three of the Azure VM sizes so you can see how they differ in cost and capability. One thing to keep in mind when deploying VMs is that you get charged for them whether they’re in use or not. When you’re finished using a VM or a cluster of VMs, it behooves you to go into the Azure portal and suspend each VM to avoid unnecessary charges. Once suspended, a VM is easily restarted so you can pick up where you left off and continue using it. I’ll show you how to start and stop VMs in the demo coming up shortly. I’ll also show you how to delete them so you can avoid even incurring storage charges for VMs that are no longer needed.</a:t>
             </a:r>
             <a:endParaRPr lang="en-US" dirty="0" smtClean="0"/>
           </a:p>
@@ -1114,7 +1037,7 @@
     </p:spTree>
     <p:extLst>
       <p:ext uri="{BB962C8B-B14F-4D97-AF65-F5344CB8AC3E}">
-        <p14:creationId xmlns:p14="http://schemas.microsoft.com/office/powerpoint/2010/main" val="988917755"/>
+        <p14:creationId xmlns:p14="http://schemas.microsoft.com/office/powerpoint/2010/main" val="3473641149"/>
       </p:ext>
     </p:extLst>
   </p:cSld>
@@ -1178,10 +1101,10 @@
                 <a:ea typeface="+mn-ea"/>
                 <a:cs typeface="+mn-cs"/>
               </a:rPr>
-              <a:t>You can build deployment templates of your own, or you can use ones that have already been built. An assortment of templates built by the Azure team and by others in the community can be found on the Azure </a:t>
-            </a:r>
-            <a:r>
-              <a:rPr lang="en-US" sz="1200" kern="1200" dirty="0" err="1" smtClean="0">
+              <a:t>An important element of HPC in Azure is the Azure Resource Manager. The Azure Resource Manager is a relatively recent addition to Azure. It lets you combine the resources that comprise an application – resources such as VMs, databases, virtual networks, and storage accounts – into </a:t>
+            </a:r>
+            <a:r>
+              <a:rPr lang="en-US" sz="1200" i="1" kern="1200" dirty="0" smtClean="0">
                 <a:solidFill>
                   <a:schemeClr val="tx1"/>
                 </a:solidFill>
@@ -1190,7 +1113,7 @@
                 <a:ea typeface="+mn-ea"/>
                 <a:cs typeface="+mn-cs"/>
               </a:rPr>
-              <a:t>Quickstart</a:t>
+              <a:t>resource groups</a:t>
             </a:r>
             <a:r>
               <a:rPr lang="en-US" sz="1200" kern="1200" dirty="0" smtClean="0">
@@ -1202,31 +1125,7 @@
                 <a:ea typeface="+mn-ea"/>
                 <a:cs typeface="+mn-cs"/>
               </a:rPr>
-              <a:t> Templates Web site or on GitHub. There are templates for creating clusters of Linux VMs, deploying </a:t>
-            </a:r>
-            <a:r>
-              <a:rPr lang="en-US" sz="1200" kern="1200" dirty="0" err="1" smtClean="0">
-                <a:solidFill>
-                  <a:schemeClr val="tx1"/>
-                </a:solidFill>
-                <a:effectLst/>
-                <a:latin typeface="+mn-lt"/>
-                <a:ea typeface="+mn-ea"/>
-                <a:cs typeface="+mn-cs"/>
-              </a:rPr>
-              <a:t>Redis</a:t>
-            </a:r>
-            <a:r>
-              <a:rPr lang="en-US" sz="1200" kern="1200" dirty="0" smtClean="0">
-                <a:solidFill>
-                  <a:schemeClr val="tx1"/>
-                </a:solidFill>
-                <a:effectLst/>
-                <a:latin typeface="+mn-lt"/>
-                <a:ea typeface="+mn-ea"/>
-                <a:cs typeface="+mn-cs"/>
-              </a:rPr>
-              <a:t> clusters of Ubuntu VMs, deploying MySQL servers, creating Windows VMs provisioned with IIS, and a whole lot more. There is even a template that deploys Minecraft Server in an Ubuntu VM.</a:t>
+              <a:t> so entire applications can be deployed, managed, and even deleted with a single step. Prior to Resource Manager, resources had to be created (and deleted) one by one, which quickly became onerous with large deployments.</a:t>
             </a:r>
           </a:p>
           <a:p>
@@ -1254,17 +1153,61 @@
                 <a:ea typeface="+mn-ea"/>
                 <a:cs typeface="+mn-cs"/>
               </a:rPr>
-              <a:t>Using any of these templates requires nothing more than a button click. Each template comes with documentation that tells you what parameters it requires and whether the template was created by Microsoft or by someone in the community. Best of all, you can view each template’s source code, which is little more than a JSON script, and customize it to fit your needs or even build upon it to create templates of your own.</a:t>
-            </a:r>
-          </a:p>
-          <a:p>
+              <a:t>The Azure Resource Manager allows you to deploy applications using declarative templates called </a:t>
+            </a:r>
+            <a:r>
+              <a:rPr lang="en-US" sz="1200" i="1" kern="1200" dirty="0" smtClean="0">
+                <a:solidFill>
+                  <a:schemeClr val="tx1"/>
+                </a:solidFill>
+                <a:effectLst/>
+                <a:latin typeface="+mn-lt"/>
+                <a:ea typeface="+mn-ea"/>
+                <a:cs typeface="+mn-cs"/>
+              </a:rPr>
+              <a:t>deployment templates</a:t>
+            </a:r>
+            <a:r>
+              <a:rPr lang="en-US" sz="1200" kern="1200" dirty="0" smtClean="0">
+                <a:solidFill>
+                  <a:schemeClr val="tx1"/>
+                </a:solidFill>
+                <a:effectLst/>
+                <a:latin typeface="+mn-lt"/>
+                <a:ea typeface="+mn-ea"/>
+                <a:cs typeface="+mn-cs"/>
+              </a:rPr>
+              <a:t>. A template contains a complete description of all the resources that make up the application. Templates can include parameters that users will be prompted to fill in each time an application is deployed. Templates can also run scripts to initialize resources to a known and consistent state.</a:t>
+            </a:r>
+          </a:p>
+          <a:p>
+            <a:r>
+              <a:rPr lang="en-US" sz="1200" kern="1200" dirty="0" smtClean="0">
+                <a:solidFill>
+                  <a:schemeClr val="tx1"/>
+                </a:solidFill>
+                <a:effectLst/>
+                <a:latin typeface="+mn-lt"/>
+                <a:ea typeface="+mn-ea"/>
+                <a:cs typeface="+mn-cs"/>
+              </a:rPr>
+              <a:t> </a:t>
+            </a:r>
+          </a:p>
+          <a:p>
+            <a:r>
+              <a:rPr lang="en-US" sz="1200" kern="1200" dirty="0" smtClean="0">
+                <a:solidFill>
+                  <a:schemeClr val="tx1"/>
+                </a:solidFill>
+                <a:effectLst/>
+                <a:latin typeface="+mn-lt"/>
+                <a:ea typeface="+mn-ea"/>
+                <a:cs typeface="+mn-cs"/>
+              </a:rPr>
+              <a:t>As an example, suppose you have built an HPC cluster that includes virtual machines and other Azure resources. With a template, you can script the creation of the entire cluster and optionally the data that goes with it. This makes it easy for others to spin up instances of the cluster, or for you to recreate it if you deleted it thinking you wouldn’t be needing it again.</a:t>
+            </a:r>
             <a:endParaRPr lang="en-US" dirty="0" smtClean="0"/>
-          </a:p>
-          <a:p>
-            <a:r>
-              <a:rPr lang="en-US" dirty="0" smtClean="0"/>
-              <a:t>The three templates pictured here are just a few of the many dozens of templates currently available.</a:t>
-            </a:r>
           </a:p>
         </p:txBody>
       </p:sp>
@@ -1294,7 +1237,7 @@
     </p:spTree>
     <p:extLst>
       <p:ext uri="{BB962C8B-B14F-4D97-AF65-F5344CB8AC3E}">
-        <p14:creationId xmlns:p14="http://schemas.microsoft.com/office/powerpoint/2010/main" val="3998187520"/>
+        <p14:creationId xmlns:p14="http://schemas.microsoft.com/office/powerpoint/2010/main" val="988917755"/>
       </p:ext>
     </p:extLst>
   </p:cSld>
@@ -1348,6 +1291,186 @@
           <a:bodyPr/>
           <a:lstStyle/>
           <a:p>
+            <a:r>
+              <a:rPr lang="en-US" sz="1200" kern="1200" dirty="0" smtClean="0">
+                <a:solidFill>
+                  <a:schemeClr val="tx1"/>
+                </a:solidFill>
+                <a:effectLst/>
+                <a:latin typeface="+mn-lt"/>
+                <a:ea typeface="+mn-ea"/>
+                <a:cs typeface="+mn-cs"/>
+              </a:rPr>
+              <a:t>You can build deployment templates of your own, or you can use ones that have already been built. An assortment of templates built by the Azure team and by others in the community can be found on the Azure </a:t>
+            </a:r>
+            <a:r>
+              <a:rPr lang="en-US" sz="1200" kern="1200" dirty="0" err="1" smtClean="0">
+                <a:solidFill>
+                  <a:schemeClr val="tx1"/>
+                </a:solidFill>
+                <a:effectLst/>
+                <a:latin typeface="+mn-lt"/>
+                <a:ea typeface="+mn-ea"/>
+                <a:cs typeface="+mn-cs"/>
+              </a:rPr>
+              <a:t>Quickstart</a:t>
+            </a:r>
+            <a:r>
+              <a:rPr lang="en-US" sz="1200" kern="1200" dirty="0" smtClean="0">
+                <a:solidFill>
+                  <a:schemeClr val="tx1"/>
+                </a:solidFill>
+                <a:effectLst/>
+                <a:latin typeface="+mn-lt"/>
+                <a:ea typeface="+mn-ea"/>
+                <a:cs typeface="+mn-cs"/>
+              </a:rPr>
+              <a:t> Templates Web site or on GitHub. There are templates for creating clusters of Linux VMs, deploying </a:t>
+            </a:r>
+            <a:r>
+              <a:rPr lang="en-US" sz="1200" kern="1200" dirty="0" err="1" smtClean="0">
+                <a:solidFill>
+                  <a:schemeClr val="tx1"/>
+                </a:solidFill>
+                <a:effectLst/>
+                <a:latin typeface="+mn-lt"/>
+                <a:ea typeface="+mn-ea"/>
+                <a:cs typeface="+mn-cs"/>
+              </a:rPr>
+              <a:t>Redis</a:t>
+            </a:r>
+            <a:r>
+              <a:rPr lang="en-US" sz="1200" kern="1200" dirty="0" smtClean="0">
+                <a:solidFill>
+                  <a:schemeClr val="tx1"/>
+                </a:solidFill>
+                <a:effectLst/>
+                <a:latin typeface="+mn-lt"/>
+                <a:ea typeface="+mn-ea"/>
+                <a:cs typeface="+mn-cs"/>
+              </a:rPr>
+              <a:t> clusters of Ubuntu VMs, deploying MySQL servers, creating Windows VMs provisioned with IIS, and a whole lot more. There is even a template that deploys Minecraft Server in an Ubuntu VM.</a:t>
+            </a:r>
+          </a:p>
+          <a:p>
+            <a:r>
+              <a:rPr lang="en-US" sz="1200" kern="1200" dirty="0" smtClean="0">
+                <a:solidFill>
+                  <a:schemeClr val="tx1"/>
+                </a:solidFill>
+                <a:effectLst/>
+                <a:latin typeface="+mn-lt"/>
+                <a:ea typeface="+mn-ea"/>
+                <a:cs typeface="+mn-cs"/>
+              </a:rPr>
+              <a:t> </a:t>
+            </a:r>
+          </a:p>
+          <a:p>
+            <a:r>
+              <a:rPr lang="en-US" sz="1200" kern="1200" dirty="0" smtClean="0">
+                <a:solidFill>
+                  <a:schemeClr val="tx1"/>
+                </a:solidFill>
+                <a:effectLst/>
+                <a:latin typeface="+mn-lt"/>
+                <a:ea typeface="+mn-ea"/>
+                <a:cs typeface="+mn-cs"/>
+              </a:rPr>
+              <a:t>Using any of these templates requires nothing more than a button click. Each template comes with documentation that tells you what parameters it requires and whether the template was created by Microsoft or by someone in the community. Best of all, you can view each template’s source code, which is little more than a JSON script, and customize it to fit your needs or even build upon it to create templates of your own.</a:t>
+            </a:r>
+          </a:p>
+          <a:p>
+            <a:endParaRPr lang="en-US" dirty="0" smtClean="0"/>
+          </a:p>
+          <a:p>
+            <a:r>
+              <a:rPr lang="en-US" dirty="0" smtClean="0"/>
+              <a:t>The three templates pictured here are just a few of the many dozens of templates currently available.</a:t>
+            </a:r>
+          </a:p>
+        </p:txBody>
+      </p:sp>
+      <p:sp>
+        <p:nvSpPr>
+          <p:cNvPr id="4" name="Slide Number Placeholder 3"/>
+          <p:cNvSpPr>
+            <a:spLocks noGrp="1"/>
+          </p:cNvSpPr>
+          <p:nvPr>
+            <p:ph type="sldNum" sz="quarter" idx="10"/>
+          </p:nvPr>
+        </p:nvSpPr>
+        <p:spPr/>
+        <p:txBody>
+          <a:bodyPr/>
+          <a:lstStyle/>
+          <a:p>
+            <a:fld id="{01283FAC-A721-45A3-BBDE-EAF2B09B7CD9}" type="slidenum">
+              <a:rPr lang="en-US" smtClean="0"/>
+              <a:t>7</a:t>
+            </a:fld>
+            <a:endParaRPr lang="en-US"/>
+          </a:p>
+        </p:txBody>
+      </p:sp>
+    </p:spTree>
+    <p:extLst>
+      <p:ext uri="{BB962C8B-B14F-4D97-AF65-F5344CB8AC3E}">
+        <p14:creationId xmlns:p14="http://schemas.microsoft.com/office/powerpoint/2010/main" val="3998187520"/>
+      </p:ext>
+    </p:extLst>
+  </p:cSld>
+  <p:clrMapOvr>
+    <a:masterClrMapping/>
+  </p:clrMapOvr>
+</p:notes>
+</file>
+
+<file path=ppt/notesSlides/notesSlide8.xml><?xml version="1.0" encoding="utf-8"?>
+<p:notes xmlns:a="http://schemas.openxmlformats.org/drawingml/2006/main" xmlns:r="http://schemas.openxmlformats.org/officeDocument/2006/relationships" xmlns:p="http://schemas.openxmlformats.org/presentationml/2006/main">
+  <p:cSld>
+    <p:spTree>
+      <p:nvGrpSpPr>
+        <p:cNvPr id="1" name=""/>
+        <p:cNvGrpSpPr/>
+        <p:nvPr/>
+      </p:nvGrpSpPr>
+      <p:grpSpPr>
+        <a:xfrm>
+          <a:off x="0" y="0"/>
+          <a:ext cx="0" cy="0"/>
+          <a:chOff x="0" y="0"/>
+          <a:chExt cx="0" cy="0"/>
+        </a:xfrm>
+      </p:grpSpPr>
+      <p:sp>
+        <p:nvSpPr>
+          <p:cNvPr id="2" name="Slide Image Placeholder 1"/>
+          <p:cNvSpPr>
+            <a:spLocks noGrp="1" noRot="1" noChangeAspect="1"/>
+          </p:cNvSpPr>
+          <p:nvPr>
+            <p:ph type="sldImg"/>
+          </p:nvPr>
+        </p:nvSpPr>
+        <p:spPr/>
+      </p:sp>
+      <p:sp>
+        <p:nvSpPr>
+          <p:cNvPr id="3" name="Notes Placeholder 2"/>
+          <p:cNvSpPr>
+            <a:spLocks noGrp="1"/>
+          </p:cNvSpPr>
+          <p:nvPr>
+            <p:ph type="body" idx="1"/>
+          </p:nvPr>
+        </p:nvSpPr>
+        <p:spPr/>
+        <p:txBody>
+          <a:bodyPr/>
+          <a:lstStyle/>
+          <a:p>
             <a:pPr marL="0" marR="0" indent="0" algn="l" defTabSz="914400" rtl="0" eaLnBrk="1" fontAlgn="auto" latinLnBrk="0" hangingPunct="1">
               <a:lnSpc>
                 <a:spcPct val="100000"/>
@@ -1389,7 +1512,7 @@
           <a:p>
             <a:fld id="{01283FAC-A721-45A3-BBDE-EAF2B09B7CD9}" type="slidenum">
               <a:rPr lang="en-US" smtClean="0"/>
-              <a:t>7</a:t>
+              <a:t>8</a:t>
             </a:fld>
             <a:endParaRPr lang="en-US"/>
           </a:p>
@@ -1555,7 +1678,7 @@
           <a:p>
             <a:fld id="{0459C166-16D3-4A25-A2F8-C51E0E346B22}" type="datetimeFigureOut">
               <a:rPr lang="en-US" smtClean="0"/>
-              <a:t>10/1/2016</a:t>
+              <a:t>10/10/2016</a:t>
             </a:fld>
             <a:endParaRPr lang="en-US"/>
           </a:p>
@@ -1650,7 +1773,7 @@
           <a:p>
             <a:fld id="{0459C166-16D3-4A25-A2F8-C51E0E346B22}" type="datetimeFigureOut">
               <a:rPr lang="en-US" smtClean="0"/>
-              <a:t>10/1/2016</a:t>
+              <a:t>10/10/2016</a:t>
             </a:fld>
             <a:endParaRPr lang="en-US"/>
           </a:p>
@@ -1925,7 +2048,7 @@
           <a:p>
             <a:fld id="{0459C166-16D3-4A25-A2F8-C51E0E346B22}" type="datetimeFigureOut">
               <a:rPr lang="en-US" smtClean="0"/>
-              <a:t>10/1/2016</a:t>
+              <a:t>10/10/2016</a:t>
             </a:fld>
             <a:endParaRPr lang="en-US"/>
           </a:p>
@@ -2177,7 +2300,7 @@
           <a:p>
             <a:fld id="{0459C166-16D3-4A25-A2F8-C51E0E346B22}" type="datetimeFigureOut">
               <a:rPr lang="en-US" smtClean="0"/>
-              <a:t>10/1/2016</a:t>
+              <a:t>10/10/2016</a:t>
             </a:fld>
             <a:endParaRPr lang="en-US"/>
           </a:p>
@@ -2345,7 +2468,7 @@
           <a:p>
             <a:fld id="{0459C166-16D3-4A25-A2F8-C51E0E346B22}" type="datetimeFigureOut">
               <a:rPr lang="en-US" smtClean="0"/>
-              <a:t>10/1/2016</a:t>
+              <a:t>10/10/2016</a:t>
             </a:fld>
             <a:endParaRPr lang="en-US"/>
           </a:p>
@@ -2523,7 +2646,7 @@
           <a:p>
             <a:fld id="{0459C166-16D3-4A25-A2F8-C51E0E346B22}" type="datetimeFigureOut">
               <a:rPr lang="en-US" smtClean="0"/>
-              <a:t>10/1/2016</a:t>
+              <a:t>10/10/2016</a:t>
             </a:fld>
             <a:endParaRPr lang="en-US"/>
           </a:p>
@@ -4450,7 +4573,7 @@
           <a:p>
             <a:fld id="{0459C166-16D3-4A25-A2F8-C51E0E346B22}" type="datetimeFigureOut">
               <a:rPr lang="en-US" smtClean="0"/>
-              <a:t>10/1/2016</a:t>
+              <a:t>10/10/2016</a:t>
             </a:fld>
             <a:endParaRPr lang="en-US"/>
           </a:p>
@@ -10077,7 +10200,7 @@
             <a:fld id="{0459C166-16D3-4A25-A2F8-C51E0E346B22}" type="datetimeFigureOut">
               <a:rPr lang="en-US" smtClean="0"/>
               <a:pPr/>
-              <a:t>10/1/2016</a:t>
+              <a:t>10/10/2016</a:t>
             </a:fld>
             <a:endParaRPr lang="en-US"/>
           </a:p>
@@ -14139,7 +14262,7 @@
           <a:p>
             <a:fld id="{0459C166-16D3-4A25-A2F8-C51E0E346B22}" type="datetimeFigureOut">
               <a:rPr lang="en-US" smtClean="0"/>
-              <a:t>10/1/2016</a:t>
+              <a:t>10/10/2016</a:t>
             </a:fld>
             <a:endParaRPr lang="en-US"/>
           </a:p>
@@ -14503,7 +14626,7 @@
           <a:p>
             <a:fld id="{0459C166-16D3-4A25-A2F8-C51E0E346B22}" type="datetimeFigureOut">
               <a:rPr lang="en-US" smtClean="0"/>
-              <a:t>10/1/2016</a:t>
+              <a:t>10/10/2016</a:t>
             </a:fld>
             <a:endParaRPr lang="en-US"/>
           </a:p>
@@ -14620,7 +14743,7 @@
           <a:p>
             <a:fld id="{0459C166-16D3-4A25-A2F8-C51E0E346B22}" type="datetimeFigureOut">
               <a:rPr lang="en-US" smtClean="0"/>
-              <a:t>10/1/2016</a:t>
+              <a:t>10/10/2016</a:t>
             </a:fld>
             <a:endParaRPr lang="en-US"/>
           </a:p>
@@ -14831,7 +14954,7 @@
           <a:p>
             <a:fld id="{0459C166-16D3-4A25-A2F8-C51E0E346B22}" type="datetimeFigureOut">
               <a:rPr lang="en-US" smtClean="0"/>
-              <a:t>10/1/2016</a:t>
+              <a:t>10/10/2016</a:t>
             </a:fld>
             <a:endParaRPr lang="en-US"/>
           </a:p>
@@ -16276,15 +16399,12 @@
           <a:p>
             <a:pPr lvl="1"/>
             <a:r>
+              <a:rPr lang="en-US" dirty="0" smtClean="0"/>
+              <a:t>Financial </a:t>
+            </a:r>
+            <a:r>
               <a:rPr lang="en-US" dirty="0"/>
-              <a:t>Engineering design and simulation</a:t>
-            </a:r>
-          </a:p>
-          <a:p>
-            <a:pPr lvl="1"/>
-            <a:r>
-              <a:rPr lang="en-US" dirty="0"/>
-              <a:t>Financial risk modeling, genomics research, and more</a:t>
+              <a:t>risk modeling, genomics research, and more</a:t>
             </a:r>
           </a:p>
           <a:p>
@@ -16313,6 +16433,12 @@
             <a:r>
               <a:rPr lang="en-US" dirty="0" smtClean="0"/>
               <a:t>)</a:t>
+            </a:r>
+          </a:p>
+          <a:p>
+            <a:r>
+              <a:rPr lang="en-US" dirty="0" smtClean="0"/>
+              <a:t>Linux or Windows</a:t>
             </a:r>
             <a:endParaRPr lang="en-US" dirty="0"/>
           </a:p>
@@ -16379,8 +16505,8 @@
         </p:nvSpPr>
         <p:spPr>
           <a:xfrm>
-            <a:off x="0" y="1690688"/>
-            <a:ext cx="4057441" cy="676980"/>
+            <a:off x="0" y="1493750"/>
+            <a:ext cx="3066413" cy="618631"/>
           </a:xfrm>
           <a:prstGeom prst="rect">
             <a:avLst/>
@@ -16399,18 +16525,18 @@
               <a:buSzPct val="90000"/>
             </a:pPr>
             <a:r>
-              <a:rPr lang="en-US" sz="3999" spc="-200" dirty="0" smtClean="0">
-                <a:solidFill>
-                  <a:srgbClr val="235888"/>
+              <a:rPr lang="en-US" sz="3600" spc="-200" dirty="0" smtClean="0">
+                <a:solidFill>
+                  <a:schemeClr val="accent2"/>
                 </a:solidFill>
                 <a:latin typeface="Segoe UI Light" panose="020B0502040204020203" pitchFamily="34" charset="0"/>
                 <a:cs typeface="Segoe UI Light" panose="020B0502040204020203" pitchFamily="34" charset="0"/>
               </a:rPr>
               <a:t>A-Series</a:t>
             </a:r>
-            <a:endParaRPr lang="en-US" sz="4799" spc="-294" dirty="0">
+            <a:endParaRPr lang="en-US" sz="4400" spc="-294" dirty="0">
               <a:solidFill>
-                <a:srgbClr val="235888"/>
+                <a:schemeClr val="accent2"/>
               </a:solidFill>
               <a:latin typeface="Segoe UI Light" panose="020B0502040204020203" pitchFamily="34" charset="0"/>
               <a:cs typeface="Segoe UI Light" panose="020B0502040204020203" pitchFamily="34" charset="0"/>
@@ -16426,8 +16552,8 @@
         </p:nvSpPr>
         <p:spPr>
           <a:xfrm>
-            <a:off x="4049092" y="1690688"/>
-            <a:ext cx="4057441" cy="676980"/>
+            <a:off x="3068798" y="1690688"/>
+            <a:ext cx="3064029" cy="618631"/>
           </a:xfrm>
           <a:prstGeom prst="rect">
             <a:avLst/>
@@ -16446,18 +16572,28 @@
               <a:buSzPct val="90000"/>
             </a:pPr>
             <a:r>
-              <a:rPr lang="en-US" sz="3999" spc="-200" dirty="0" smtClean="0">
-                <a:solidFill>
-                  <a:srgbClr val="235888"/>
+              <a:rPr lang="en-US" sz="3600" spc="-200" dirty="0">
+                <a:solidFill>
+                  <a:schemeClr val="accent2"/>
                 </a:solidFill>
                 <a:latin typeface="Segoe UI Light" panose="020B0502040204020203" pitchFamily="34" charset="0"/>
                 <a:cs typeface="Segoe UI Light" panose="020B0502040204020203" pitchFamily="34" charset="0"/>
               </a:rPr>
-              <a:t>D/DS/Dv2-Series</a:t>
-            </a:r>
-            <a:endParaRPr lang="en-US" sz="4799" spc="-294" dirty="0">
+              <a:t>D</a:t>
+            </a:r>
+            <a:r>
+              <a:rPr lang="en-US" sz="3600" spc="-200" dirty="0" smtClean="0">
+                <a:solidFill>
+                  <a:schemeClr val="accent2"/>
+                </a:solidFill>
+                <a:latin typeface="Segoe UI Light" panose="020B0502040204020203" pitchFamily="34" charset="0"/>
+                <a:cs typeface="Segoe UI Light" panose="020B0502040204020203" pitchFamily="34" charset="0"/>
+              </a:rPr>
+              <a:t>-Series</a:t>
+            </a:r>
+            <a:endParaRPr lang="en-US" sz="4400" spc="-294" dirty="0">
               <a:solidFill>
-                <a:srgbClr val="235888"/>
+                <a:schemeClr val="accent2"/>
               </a:solidFill>
               <a:latin typeface="Segoe UI Light" panose="020B0502040204020203" pitchFamily="34" charset="0"/>
               <a:cs typeface="Segoe UI Light" panose="020B0502040204020203" pitchFamily="34" charset="0"/>
@@ -16473,8 +16609,8 @@
         </p:nvSpPr>
         <p:spPr>
           <a:xfrm>
-            <a:off x="346841" y="2473320"/>
-            <a:ext cx="3710600" cy="1144929"/>
+            <a:off x="6148552" y="1690688"/>
+            <a:ext cx="3052031" cy="618631"/>
           </a:xfrm>
           <a:prstGeom prst="rect">
             <a:avLst/>
@@ -16486,58 +16622,29 @@
           </a:bodyPr>
           <a:lstStyle/>
           <a:p>
-            <a:pPr>
+            <a:pPr algn="ctr">
               <a:lnSpc>
                 <a:spcPct val="95000"/>
               </a:lnSpc>
               <a:buSzPct val="90000"/>
             </a:pPr>
             <a:r>
-              <a:rPr lang="en-US" sz="2400" spc="-200" dirty="0" smtClean="0">
-                <a:solidFill>
-                  <a:srgbClr val="235888"/>
+              <a:rPr lang="en-US" sz="3600" spc="-200" dirty="0" smtClean="0">
+                <a:solidFill>
+                  <a:schemeClr val="accent2"/>
                 </a:solidFill>
                 <a:latin typeface="Segoe UI Light" panose="020B0502040204020203" pitchFamily="34" charset="0"/>
                 <a:cs typeface="Segoe UI Light" panose="020B0502040204020203" pitchFamily="34" charset="0"/>
               </a:rPr>
-              <a:t>A8-A11 for  HPC</a:t>
-            </a:r>
-          </a:p>
-          <a:p>
-            <a:pPr>
-              <a:lnSpc>
-                <a:spcPct val="95000"/>
-              </a:lnSpc>
-              <a:buSzPct val="90000"/>
-            </a:pPr>
-            <a:r>
-              <a:rPr lang="en-US" sz="2400" spc="-200" dirty="0" smtClean="0">
-                <a:solidFill>
-                  <a:srgbClr val="235888"/>
-                </a:solidFill>
-                <a:latin typeface="Segoe UI Light" panose="020B0502040204020203" pitchFamily="34" charset="0"/>
-                <a:cs typeface="Segoe UI Light" panose="020B0502040204020203" pitchFamily="34" charset="0"/>
-              </a:rPr>
-              <a:t>Up to 112 GB RAM and 16 cores</a:t>
-            </a:r>
-          </a:p>
-          <a:p>
-            <a:pPr>
-              <a:lnSpc>
-                <a:spcPct val="95000"/>
-              </a:lnSpc>
-              <a:buSzPct val="90000"/>
-            </a:pPr>
-            <a:r>
-              <a:rPr lang="en-US" sz="2400" spc="-200" dirty="0" smtClean="0">
-                <a:solidFill>
-                  <a:srgbClr val="235888"/>
-                </a:solidFill>
-                <a:latin typeface="Segoe UI Light" panose="020B0502040204020203" pitchFamily="34" charset="0"/>
-                <a:cs typeface="Segoe UI Light" panose="020B0502040204020203" pitchFamily="34" charset="0"/>
-              </a:rPr>
-              <a:t>Up to 16 data disks (1 TB each)</a:t>
-            </a:r>
+              <a:t>F/G/H-Series</a:t>
+            </a:r>
+            <a:endParaRPr lang="en-US" sz="4400" spc="-294" dirty="0">
+              <a:solidFill>
+                <a:schemeClr val="accent2"/>
+              </a:solidFill>
+              <a:latin typeface="Segoe UI Light" panose="020B0502040204020203" pitchFamily="34" charset="0"/>
+              <a:cs typeface="Segoe UI Light" panose="020B0502040204020203" pitchFamily="34" charset="0"/>
+            </a:endParaRPr>
           </a:p>
         </p:txBody>
       </p:sp>
@@ -16549,8 +16656,528 @@
         </p:nvSpPr>
         <p:spPr bwMode="auto">
           <a:xfrm>
-            <a:off x="429540" y="5275264"/>
-            <a:ext cx="710005" cy="430306"/>
+            <a:off x="286632" y="2705579"/>
+            <a:ext cx="600473" cy="430306"/>
+          </a:xfrm>
+          <a:prstGeom prst="rect">
+            <a:avLst/>
+          </a:prstGeom>
+          <a:noFill/>
+          <a:ln w="19050">
+            <a:solidFill>
+              <a:schemeClr val="accent2"/>
+            </a:solidFill>
+            <a:headEnd type="none" w="med" len="med"/>
+            <a:tailEnd type="none" w="med" len="med"/>
+          </a:ln>
+          <a:effectLst/>
+        </p:spPr>
+        <p:style>
+          <a:lnRef idx="1">
+            <a:schemeClr val="accent2"/>
+          </a:lnRef>
+          <a:fillRef idx="3">
+            <a:schemeClr val="accent2"/>
+          </a:fillRef>
+          <a:effectRef idx="2">
+            <a:schemeClr val="accent2"/>
+          </a:effectRef>
+          <a:fontRef idx="minor">
+            <a:schemeClr val="lt1"/>
+          </a:fontRef>
+        </p:style>
+        <p:txBody>
+          <a:bodyPr vert="horz" wrap="none" lIns="91436" tIns="45718" rIns="91436" bIns="45718" numCol="1" rtlCol="0" anchor="ctr" anchorCtr="0" compatLnSpc="1">
+            <a:prstTxWarp prst="textNoShape">
+              <a:avLst/>
+            </a:prstTxWarp>
+          </a:bodyPr>
+          <a:lstStyle/>
+          <a:p>
+            <a:pPr algn="ctr" defTabSz="914099" fontAlgn="base">
+              <a:spcBef>
+                <a:spcPct val="0"/>
+              </a:spcBef>
+              <a:spcAft>
+                <a:spcPct val="0"/>
+              </a:spcAft>
+            </a:pPr>
+            <a:r>
+              <a:rPr lang="en-US" sz="1600" dirty="0" smtClean="0">
+                <a:solidFill>
+                  <a:schemeClr val="accent2"/>
+                </a:solidFill>
+              </a:rPr>
+              <a:t>A0</a:t>
+            </a:r>
+          </a:p>
+        </p:txBody>
+      </p:sp>
+      <p:sp>
+        <p:nvSpPr>
+          <p:cNvPr id="8" name="Rectangle 7"/>
+          <p:cNvSpPr/>
+          <p:nvPr/>
+        </p:nvSpPr>
+        <p:spPr bwMode="auto">
+          <a:xfrm>
+            <a:off x="939813" y="2705579"/>
+            <a:ext cx="600474" cy="430306"/>
+          </a:xfrm>
+          <a:prstGeom prst="rect">
+            <a:avLst/>
+          </a:prstGeom>
+          <a:noFill/>
+          <a:ln w="19050">
+            <a:solidFill>
+              <a:schemeClr val="accent2"/>
+            </a:solidFill>
+            <a:headEnd type="none" w="med" len="med"/>
+            <a:tailEnd type="none" w="med" len="med"/>
+          </a:ln>
+          <a:effectLst/>
+        </p:spPr>
+        <p:style>
+          <a:lnRef idx="1">
+            <a:schemeClr val="accent2"/>
+          </a:lnRef>
+          <a:fillRef idx="3">
+            <a:schemeClr val="accent2"/>
+          </a:fillRef>
+          <a:effectRef idx="2">
+            <a:schemeClr val="accent2"/>
+          </a:effectRef>
+          <a:fontRef idx="minor">
+            <a:schemeClr val="lt1"/>
+          </a:fontRef>
+        </p:style>
+        <p:txBody>
+          <a:bodyPr vert="horz" wrap="none" lIns="91436" tIns="45718" rIns="91436" bIns="45718" numCol="1" rtlCol="0" anchor="ctr" anchorCtr="0" compatLnSpc="1">
+            <a:prstTxWarp prst="textNoShape">
+              <a:avLst/>
+            </a:prstTxWarp>
+          </a:bodyPr>
+          <a:lstStyle/>
+          <a:p>
+            <a:pPr algn="ctr" defTabSz="914099" fontAlgn="base">
+              <a:spcBef>
+                <a:spcPct val="0"/>
+              </a:spcBef>
+              <a:spcAft>
+                <a:spcPct val="0"/>
+              </a:spcAft>
+            </a:pPr>
+            <a:r>
+              <a:rPr lang="en-US" sz="1600" dirty="0" smtClean="0">
+                <a:solidFill>
+                  <a:schemeClr val="accent2"/>
+                </a:solidFill>
+              </a:rPr>
+              <a:t>A1</a:t>
+            </a:r>
+          </a:p>
+        </p:txBody>
+      </p:sp>
+      <p:sp>
+        <p:nvSpPr>
+          <p:cNvPr id="9" name="Rectangle 8"/>
+          <p:cNvSpPr/>
+          <p:nvPr/>
+        </p:nvSpPr>
+        <p:spPr bwMode="auto">
+          <a:xfrm>
+            <a:off x="1592994" y="2705579"/>
+            <a:ext cx="600474" cy="430306"/>
+          </a:xfrm>
+          <a:prstGeom prst="rect">
+            <a:avLst/>
+          </a:prstGeom>
+          <a:noFill/>
+          <a:ln w="19050">
+            <a:solidFill>
+              <a:schemeClr val="accent2"/>
+            </a:solidFill>
+            <a:headEnd type="none" w="med" len="med"/>
+            <a:tailEnd type="none" w="med" len="med"/>
+          </a:ln>
+          <a:effectLst/>
+        </p:spPr>
+        <p:style>
+          <a:lnRef idx="1">
+            <a:schemeClr val="accent2"/>
+          </a:lnRef>
+          <a:fillRef idx="3">
+            <a:schemeClr val="accent2"/>
+          </a:fillRef>
+          <a:effectRef idx="2">
+            <a:schemeClr val="accent2"/>
+          </a:effectRef>
+          <a:fontRef idx="minor">
+            <a:schemeClr val="lt1"/>
+          </a:fontRef>
+        </p:style>
+        <p:txBody>
+          <a:bodyPr vert="horz" wrap="none" lIns="91436" tIns="45718" rIns="91436" bIns="45718" numCol="1" rtlCol="0" anchor="ctr" anchorCtr="0" compatLnSpc="1">
+            <a:prstTxWarp prst="textNoShape">
+              <a:avLst/>
+            </a:prstTxWarp>
+          </a:bodyPr>
+          <a:lstStyle/>
+          <a:p>
+            <a:pPr algn="ctr" defTabSz="914099" fontAlgn="base">
+              <a:spcBef>
+                <a:spcPct val="0"/>
+              </a:spcBef>
+              <a:spcAft>
+                <a:spcPct val="0"/>
+              </a:spcAft>
+            </a:pPr>
+            <a:r>
+              <a:rPr lang="en-US" sz="1600" dirty="0" smtClean="0">
+                <a:solidFill>
+                  <a:schemeClr val="accent2"/>
+                </a:solidFill>
+              </a:rPr>
+              <a:t>A2</a:t>
+            </a:r>
+          </a:p>
+        </p:txBody>
+      </p:sp>
+      <p:sp>
+        <p:nvSpPr>
+          <p:cNvPr id="10" name="Rectangle 9"/>
+          <p:cNvSpPr/>
+          <p:nvPr/>
+        </p:nvSpPr>
+        <p:spPr bwMode="auto">
+          <a:xfrm>
+            <a:off x="2246175" y="2705579"/>
+            <a:ext cx="600474" cy="430306"/>
+          </a:xfrm>
+          <a:prstGeom prst="rect">
+            <a:avLst/>
+          </a:prstGeom>
+          <a:noFill/>
+          <a:ln w="19050">
+            <a:solidFill>
+              <a:schemeClr val="accent2"/>
+            </a:solidFill>
+            <a:headEnd type="none" w="med" len="med"/>
+            <a:tailEnd type="none" w="med" len="med"/>
+          </a:ln>
+          <a:effectLst/>
+        </p:spPr>
+        <p:style>
+          <a:lnRef idx="1">
+            <a:schemeClr val="accent2"/>
+          </a:lnRef>
+          <a:fillRef idx="3">
+            <a:schemeClr val="accent2"/>
+          </a:fillRef>
+          <a:effectRef idx="2">
+            <a:schemeClr val="accent2"/>
+          </a:effectRef>
+          <a:fontRef idx="minor">
+            <a:schemeClr val="lt1"/>
+          </a:fontRef>
+        </p:style>
+        <p:txBody>
+          <a:bodyPr vert="horz" wrap="none" lIns="91436" tIns="45718" rIns="91436" bIns="45718" numCol="1" rtlCol="0" anchor="ctr" anchorCtr="0" compatLnSpc="1">
+            <a:prstTxWarp prst="textNoShape">
+              <a:avLst/>
+            </a:prstTxWarp>
+          </a:bodyPr>
+          <a:lstStyle/>
+          <a:p>
+            <a:pPr algn="ctr" defTabSz="914099" fontAlgn="base">
+              <a:spcBef>
+                <a:spcPct val="0"/>
+              </a:spcBef>
+              <a:spcAft>
+                <a:spcPct val="0"/>
+              </a:spcAft>
+            </a:pPr>
+            <a:r>
+              <a:rPr lang="en-US" sz="1600" dirty="0" smtClean="0">
+                <a:solidFill>
+                  <a:schemeClr val="accent2"/>
+                </a:solidFill>
+              </a:rPr>
+              <a:t>A3</a:t>
+            </a:r>
+          </a:p>
+        </p:txBody>
+      </p:sp>
+      <p:sp>
+        <p:nvSpPr>
+          <p:cNvPr id="11" name="Rectangle 10"/>
+          <p:cNvSpPr/>
+          <p:nvPr/>
+        </p:nvSpPr>
+        <p:spPr bwMode="auto">
+          <a:xfrm>
+            <a:off x="286632" y="3220586"/>
+            <a:ext cx="600474" cy="430306"/>
+          </a:xfrm>
+          <a:prstGeom prst="rect">
+            <a:avLst/>
+          </a:prstGeom>
+          <a:noFill/>
+          <a:ln w="19050">
+            <a:solidFill>
+              <a:schemeClr val="accent2"/>
+            </a:solidFill>
+            <a:headEnd type="none" w="med" len="med"/>
+            <a:tailEnd type="none" w="med" len="med"/>
+          </a:ln>
+          <a:effectLst/>
+        </p:spPr>
+        <p:style>
+          <a:lnRef idx="1">
+            <a:schemeClr val="accent2"/>
+          </a:lnRef>
+          <a:fillRef idx="3">
+            <a:schemeClr val="accent2"/>
+          </a:fillRef>
+          <a:effectRef idx="2">
+            <a:schemeClr val="accent2"/>
+          </a:effectRef>
+          <a:fontRef idx="minor">
+            <a:schemeClr val="lt1"/>
+          </a:fontRef>
+        </p:style>
+        <p:txBody>
+          <a:bodyPr vert="horz" wrap="none" lIns="91436" tIns="45718" rIns="91436" bIns="45718" numCol="1" rtlCol="0" anchor="ctr" anchorCtr="0" compatLnSpc="1">
+            <a:prstTxWarp prst="textNoShape">
+              <a:avLst/>
+            </a:prstTxWarp>
+          </a:bodyPr>
+          <a:lstStyle/>
+          <a:p>
+            <a:pPr algn="ctr" defTabSz="914099" fontAlgn="base">
+              <a:spcBef>
+                <a:spcPct val="0"/>
+              </a:spcBef>
+              <a:spcAft>
+                <a:spcPct val="0"/>
+              </a:spcAft>
+            </a:pPr>
+            <a:r>
+              <a:rPr lang="en-US" sz="1600" dirty="0" smtClean="0">
+                <a:solidFill>
+                  <a:schemeClr val="accent2"/>
+                </a:solidFill>
+              </a:rPr>
+              <a:t>A4</a:t>
+            </a:r>
+          </a:p>
+        </p:txBody>
+      </p:sp>
+      <p:sp>
+        <p:nvSpPr>
+          <p:cNvPr id="12" name="Rectangle 11"/>
+          <p:cNvSpPr/>
+          <p:nvPr/>
+        </p:nvSpPr>
+        <p:spPr bwMode="auto">
+          <a:xfrm>
+            <a:off x="939813" y="3220586"/>
+            <a:ext cx="600474" cy="430306"/>
+          </a:xfrm>
+          <a:prstGeom prst="rect">
+            <a:avLst/>
+          </a:prstGeom>
+          <a:noFill/>
+          <a:ln w="19050">
+            <a:solidFill>
+              <a:schemeClr val="accent2"/>
+            </a:solidFill>
+            <a:headEnd type="none" w="med" len="med"/>
+            <a:tailEnd type="none" w="med" len="med"/>
+          </a:ln>
+          <a:effectLst/>
+        </p:spPr>
+        <p:style>
+          <a:lnRef idx="1">
+            <a:schemeClr val="accent2"/>
+          </a:lnRef>
+          <a:fillRef idx="3">
+            <a:schemeClr val="accent2"/>
+          </a:fillRef>
+          <a:effectRef idx="2">
+            <a:schemeClr val="accent2"/>
+          </a:effectRef>
+          <a:fontRef idx="minor">
+            <a:schemeClr val="lt1"/>
+          </a:fontRef>
+        </p:style>
+        <p:txBody>
+          <a:bodyPr vert="horz" wrap="none" lIns="91436" tIns="45718" rIns="91436" bIns="45718" numCol="1" rtlCol="0" anchor="ctr" anchorCtr="0" compatLnSpc="1">
+            <a:prstTxWarp prst="textNoShape">
+              <a:avLst/>
+            </a:prstTxWarp>
+          </a:bodyPr>
+          <a:lstStyle/>
+          <a:p>
+            <a:pPr algn="ctr" defTabSz="914099" fontAlgn="base">
+              <a:spcBef>
+                <a:spcPct val="0"/>
+              </a:spcBef>
+              <a:spcAft>
+                <a:spcPct val="0"/>
+              </a:spcAft>
+            </a:pPr>
+            <a:r>
+              <a:rPr lang="en-US" sz="1600" dirty="0" smtClean="0">
+                <a:solidFill>
+                  <a:schemeClr val="accent2"/>
+                </a:solidFill>
+              </a:rPr>
+              <a:t>A5</a:t>
+            </a:r>
+          </a:p>
+        </p:txBody>
+      </p:sp>
+      <p:sp>
+        <p:nvSpPr>
+          <p:cNvPr id="13" name="Rectangle 12"/>
+          <p:cNvSpPr/>
+          <p:nvPr/>
+        </p:nvSpPr>
+        <p:spPr bwMode="auto">
+          <a:xfrm>
+            <a:off x="1592994" y="3220586"/>
+            <a:ext cx="600474" cy="430306"/>
+          </a:xfrm>
+          <a:prstGeom prst="rect">
+            <a:avLst/>
+          </a:prstGeom>
+          <a:noFill/>
+          <a:ln w="19050">
+            <a:solidFill>
+              <a:schemeClr val="accent2"/>
+            </a:solidFill>
+            <a:headEnd type="none" w="med" len="med"/>
+            <a:tailEnd type="none" w="med" len="med"/>
+          </a:ln>
+          <a:effectLst/>
+        </p:spPr>
+        <p:style>
+          <a:lnRef idx="1">
+            <a:schemeClr val="accent2"/>
+          </a:lnRef>
+          <a:fillRef idx="3">
+            <a:schemeClr val="accent2"/>
+          </a:fillRef>
+          <a:effectRef idx="2">
+            <a:schemeClr val="accent2"/>
+          </a:effectRef>
+          <a:fontRef idx="minor">
+            <a:schemeClr val="lt1"/>
+          </a:fontRef>
+        </p:style>
+        <p:txBody>
+          <a:bodyPr vert="horz" wrap="none" lIns="91436" tIns="45718" rIns="91436" bIns="45718" numCol="1" rtlCol="0" anchor="ctr" anchorCtr="0" compatLnSpc="1">
+            <a:prstTxWarp prst="textNoShape">
+              <a:avLst/>
+            </a:prstTxWarp>
+          </a:bodyPr>
+          <a:lstStyle/>
+          <a:p>
+            <a:pPr algn="ctr" defTabSz="914099" fontAlgn="base">
+              <a:spcBef>
+                <a:spcPct val="0"/>
+              </a:spcBef>
+              <a:spcAft>
+                <a:spcPct val="0"/>
+              </a:spcAft>
+            </a:pPr>
+            <a:r>
+              <a:rPr lang="en-US" sz="1600" dirty="0" smtClean="0">
+                <a:solidFill>
+                  <a:schemeClr val="accent2"/>
+                </a:solidFill>
+              </a:rPr>
+              <a:t>A6</a:t>
+            </a:r>
+          </a:p>
+        </p:txBody>
+      </p:sp>
+      <p:sp>
+        <p:nvSpPr>
+          <p:cNvPr id="14" name="Rectangle 13"/>
+          <p:cNvSpPr/>
+          <p:nvPr/>
+        </p:nvSpPr>
+        <p:spPr bwMode="auto">
+          <a:xfrm>
+            <a:off x="2246175" y="3220586"/>
+            <a:ext cx="600474" cy="430306"/>
+          </a:xfrm>
+          <a:prstGeom prst="rect">
+            <a:avLst/>
+          </a:prstGeom>
+          <a:noFill/>
+          <a:ln w="19050">
+            <a:solidFill>
+              <a:schemeClr val="accent2"/>
+            </a:solidFill>
+            <a:headEnd type="none" w="med" len="med"/>
+            <a:tailEnd type="none" w="med" len="med"/>
+          </a:ln>
+          <a:effectLst/>
+        </p:spPr>
+        <p:style>
+          <a:lnRef idx="1">
+            <a:schemeClr val="accent2"/>
+          </a:lnRef>
+          <a:fillRef idx="3">
+            <a:schemeClr val="accent2"/>
+          </a:fillRef>
+          <a:effectRef idx="2">
+            <a:schemeClr val="accent2"/>
+          </a:effectRef>
+          <a:fontRef idx="minor">
+            <a:schemeClr val="lt1"/>
+          </a:fontRef>
+        </p:style>
+        <p:txBody>
+          <a:bodyPr vert="horz" wrap="none" lIns="91436" tIns="45718" rIns="91436" bIns="45718" numCol="1" rtlCol="0" anchor="ctr" anchorCtr="0" compatLnSpc="1">
+            <a:prstTxWarp prst="textNoShape">
+              <a:avLst/>
+            </a:prstTxWarp>
+          </a:bodyPr>
+          <a:lstStyle/>
+          <a:p>
+            <a:pPr algn="ctr" defTabSz="914099" fontAlgn="base">
+              <a:spcBef>
+                <a:spcPct val="0"/>
+              </a:spcBef>
+              <a:spcAft>
+                <a:spcPct val="0"/>
+              </a:spcAft>
+            </a:pPr>
+            <a:r>
+              <a:rPr lang="en-US" sz="1600" dirty="0" smtClean="0">
+                <a:solidFill>
+                  <a:schemeClr val="accent2"/>
+                </a:solidFill>
+              </a:rPr>
+              <a:t>A7</a:t>
+            </a:r>
+          </a:p>
+        </p:txBody>
+      </p:sp>
+      <p:sp>
+        <p:nvSpPr>
+          <p:cNvPr id="15" name="Rectangle 14"/>
+          <p:cNvSpPr/>
+          <p:nvPr/>
+        </p:nvSpPr>
+        <p:spPr bwMode="auto">
+          <a:xfrm>
+            <a:off x="286632" y="4123850"/>
+            <a:ext cx="600474" cy="430306"/>
           </a:xfrm>
           <a:prstGeom prst="rect">
             <a:avLst/>
@@ -16596,7 +17223,7 @@
               </a:spcAft>
             </a:pPr>
             <a:r>
-              <a:rPr lang="en-US" sz="2000" dirty="0" smtClean="0">
+              <a:rPr lang="en-US" sz="1600" dirty="0">
                 <a:gradFill>
                   <a:gsLst>
                     <a:gs pos="0">
@@ -16616,14 +17243,14 @@
       </p:sp>
       <p:sp>
         <p:nvSpPr>
-          <p:cNvPr id="8" name="Rectangle 7"/>
+          <p:cNvPr id="16" name="Rectangle 15"/>
           <p:cNvSpPr/>
           <p:nvPr/>
         </p:nvSpPr>
         <p:spPr bwMode="auto">
           <a:xfrm>
-            <a:off x="1246348" y="5275264"/>
-            <a:ext cx="710005" cy="430306"/>
+            <a:off x="939813" y="4123850"/>
+            <a:ext cx="600474" cy="430306"/>
           </a:xfrm>
           <a:prstGeom prst="rect">
             <a:avLst/>
@@ -16669,7 +17296,7 @@
               </a:spcAft>
             </a:pPr>
             <a:r>
-              <a:rPr lang="en-US" sz="2000" dirty="0" smtClean="0">
+              <a:rPr lang="en-US" sz="1600" dirty="0">
                 <a:gradFill>
                   <a:gsLst>
                     <a:gs pos="0">
@@ -16689,14 +17316,14 @@
       </p:sp>
       <p:sp>
         <p:nvSpPr>
-          <p:cNvPr id="9" name="Rectangle 8"/>
+          <p:cNvPr id="17" name="Rectangle 16"/>
           <p:cNvSpPr/>
           <p:nvPr/>
         </p:nvSpPr>
         <p:spPr bwMode="auto">
           <a:xfrm>
-            <a:off x="2059987" y="5275264"/>
-            <a:ext cx="710005" cy="430306"/>
+            <a:off x="1592994" y="4123850"/>
+            <a:ext cx="600474" cy="430306"/>
           </a:xfrm>
           <a:prstGeom prst="rect">
             <a:avLst/>
@@ -16742,7 +17369,7 @@
               </a:spcAft>
             </a:pPr>
             <a:r>
-              <a:rPr lang="en-US" sz="2000" dirty="0" smtClean="0">
+              <a:rPr lang="en-US" sz="1600" dirty="0">
                 <a:gradFill>
                   <a:gsLst>
                     <a:gs pos="0">
@@ -16762,14 +17389,14 @@
       </p:sp>
       <p:sp>
         <p:nvSpPr>
-          <p:cNvPr id="10" name="Rectangle 9"/>
+          <p:cNvPr id="18" name="Rectangle 17"/>
           <p:cNvSpPr/>
           <p:nvPr/>
         </p:nvSpPr>
         <p:spPr bwMode="auto">
           <a:xfrm>
-            <a:off x="2873626" y="5275264"/>
-            <a:ext cx="710005" cy="430306"/>
+            <a:off x="2246175" y="4123850"/>
+            <a:ext cx="600474" cy="430306"/>
           </a:xfrm>
           <a:prstGeom prst="rect">
             <a:avLst/>
@@ -16815,7 +17442,7 @@
               </a:spcAft>
             </a:pPr>
             <a:r>
-              <a:rPr lang="en-US" sz="2000" dirty="0" smtClean="0">
+              <a:rPr lang="en-US" sz="1600" dirty="0">
                 <a:gradFill>
                   <a:gsLst>
                     <a:gs pos="0">
@@ -16835,14 +17462,3624 @@
       </p:sp>
       <p:sp>
         <p:nvSpPr>
-          <p:cNvPr id="11" name="Rectangle 10"/>
+          <p:cNvPr id="19" name="Rectangle 18"/>
           <p:cNvSpPr/>
           <p:nvPr/>
         </p:nvSpPr>
+        <p:spPr bwMode="auto">
+          <a:xfrm>
+            <a:off x="3324306" y="2705579"/>
+            <a:ext cx="600473" cy="430306"/>
+          </a:xfrm>
+          <a:prstGeom prst="rect">
+            <a:avLst/>
+          </a:prstGeom>
+          <a:noFill/>
+          <a:ln w="19050">
+            <a:solidFill>
+              <a:schemeClr val="accent3"/>
+            </a:solidFill>
+            <a:headEnd type="none" w="med" len="med"/>
+            <a:tailEnd type="none" w="med" len="med"/>
+          </a:ln>
+          <a:effectLst/>
+        </p:spPr>
+        <p:style>
+          <a:lnRef idx="1">
+            <a:schemeClr val="accent2"/>
+          </a:lnRef>
+          <a:fillRef idx="3">
+            <a:schemeClr val="accent2"/>
+          </a:fillRef>
+          <a:effectRef idx="2">
+            <a:schemeClr val="accent2"/>
+          </a:effectRef>
+          <a:fontRef idx="minor">
+            <a:schemeClr val="lt1"/>
+          </a:fontRef>
+        </p:style>
+        <p:txBody>
+          <a:bodyPr vert="horz" wrap="none" lIns="91436" tIns="45718" rIns="91436" bIns="45718" numCol="1" rtlCol="0" anchor="ctr" anchorCtr="0" compatLnSpc="1">
+            <a:prstTxWarp prst="textNoShape">
+              <a:avLst/>
+            </a:prstTxWarp>
+          </a:bodyPr>
+          <a:lstStyle/>
+          <a:p>
+            <a:pPr algn="ctr" defTabSz="914099" fontAlgn="base">
+              <a:spcBef>
+                <a:spcPct val="0"/>
+              </a:spcBef>
+              <a:spcAft>
+                <a:spcPct val="0"/>
+              </a:spcAft>
+            </a:pPr>
+            <a:r>
+              <a:rPr lang="en-US" sz="1600" dirty="0">
+                <a:solidFill>
+                  <a:schemeClr val="accent3"/>
+                </a:solidFill>
+              </a:rPr>
+              <a:t>D1</a:t>
+            </a:r>
+          </a:p>
+        </p:txBody>
+      </p:sp>
+      <p:sp>
+        <p:nvSpPr>
+          <p:cNvPr id="20" name="Rectangle 19"/>
+          <p:cNvSpPr/>
+          <p:nvPr/>
+        </p:nvSpPr>
+        <p:spPr bwMode="auto">
+          <a:xfrm>
+            <a:off x="3977487" y="2705579"/>
+            <a:ext cx="600474" cy="430306"/>
+          </a:xfrm>
+          <a:prstGeom prst="rect">
+            <a:avLst/>
+          </a:prstGeom>
+          <a:noFill/>
+          <a:ln w="19050">
+            <a:solidFill>
+              <a:schemeClr val="accent3"/>
+            </a:solidFill>
+            <a:headEnd type="none" w="med" len="med"/>
+            <a:tailEnd type="none" w="med" len="med"/>
+          </a:ln>
+          <a:effectLst/>
+        </p:spPr>
+        <p:style>
+          <a:lnRef idx="1">
+            <a:schemeClr val="accent2"/>
+          </a:lnRef>
+          <a:fillRef idx="3">
+            <a:schemeClr val="accent2"/>
+          </a:fillRef>
+          <a:effectRef idx="2">
+            <a:schemeClr val="accent2"/>
+          </a:effectRef>
+          <a:fontRef idx="minor">
+            <a:schemeClr val="lt1"/>
+          </a:fontRef>
+        </p:style>
+        <p:txBody>
+          <a:bodyPr vert="horz" wrap="none" lIns="91436" tIns="45718" rIns="91436" bIns="45718" numCol="1" rtlCol="0" anchor="ctr" anchorCtr="0" compatLnSpc="1">
+            <a:prstTxWarp prst="textNoShape">
+              <a:avLst/>
+            </a:prstTxWarp>
+          </a:bodyPr>
+          <a:lstStyle/>
+          <a:p>
+            <a:pPr algn="ctr" defTabSz="914099" fontAlgn="base">
+              <a:spcBef>
+                <a:spcPct val="0"/>
+              </a:spcBef>
+              <a:spcAft>
+                <a:spcPct val="0"/>
+              </a:spcAft>
+            </a:pPr>
+            <a:r>
+              <a:rPr lang="en-US" sz="1600" dirty="0">
+                <a:solidFill>
+                  <a:schemeClr val="accent3"/>
+                </a:solidFill>
+              </a:rPr>
+              <a:t>D2</a:t>
+            </a:r>
+          </a:p>
+        </p:txBody>
+      </p:sp>
+      <p:sp>
+        <p:nvSpPr>
+          <p:cNvPr id="21" name="Rectangle 20"/>
+          <p:cNvSpPr/>
+          <p:nvPr/>
+        </p:nvSpPr>
+        <p:spPr bwMode="auto">
+          <a:xfrm>
+            <a:off x="4630668" y="2705579"/>
+            <a:ext cx="600474" cy="430306"/>
+          </a:xfrm>
+          <a:prstGeom prst="rect">
+            <a:avLst/>
+          </a:prstGeom>
+          <a:noFill/>
+          <a:ln w="19050">
+            <a:solidFill>
+              <a:schemeClr val="accent3"/>
+            </a:solidFill>
+            <a:headEnd type="none" w="med" len="med"/>
+            <a:tailEnd type="none" w="med" len="med"/>
+          </a:ln>
+          <a:effectLst/>
+        </p:spPr>
+        <p:style>
+          <a:lnRef idx="1">
+            <a:schemeClr val="accent2"/>
+          </a:lnRef>
+          <a:fillRef idx="3">
+            <a:schemeClr val="accent2"/>
+          </a:fillRef>
+          <a:effectRef idx="2">
+            <a:schemeClr val="accent2"/>
+          </a:effectRef>
+          <a:fontRef idx="minor">
+            <a:schemeClr val="lt1"/>
+          </a:fontRef>
+        </p:style>
+        <p:txBody>
+          <a:bodyPr vert="horz" wrap="none" lIns="91436" tIns="45718" rIns="91436" bIns="45718" numCol="1" rtlCol="0" anchor="ctr" anchorCtr="0" compatLnSpc="1">
+            <a:prstTxWarp prst="textNoShape">
+              <a:avLst/>
+            </a:prstTxWarp>
+          </a:bodyPr>
+          <a:lstStyle/>
+          <a:p>
+            <a:pPr algn="ctr" defTabSz="914099" fontAlgn="base">
+              <a:spcBef>
+                <a:spcPct val="0"/>
+              </a:spcBef>
+              <a:spcAft>
+                <a:spcPct val="0"/>
+              </a:spcAft>
+            </a:pPr>
+            <a:r>
+              <a:rPr lang="en-US" sz="1600" dirty="0">
+                <a:solidFill>
+                  <a:schemeClr val="accent3"/>
+                </a:solidFill>
+              </a:rPr>
+              <a:t>D3</a:t>
+            </a:r>
+          </a:p>
+        </p:txBody>
+      </p:sp>
+      <p:sp>
+        <p:nvSpPr>
+          <p:cNvPr id="22" name="Rectangle 21"/>
+          <p:cNvSpPr/>
+          <p:nvPr/>
+        </p:nvSpPr>
+        <p:spPr bwMode="auto">
+          <a:xfrm>
+            <a:off x="5283849" y="2705579"/>
+            <a:ext cx="600474" cy="430306"/>
+          </a:xfrm>
+          <a:prstGeom prst="rect">
+            <a:avLst/>
+          </a:prstGeom>
+          <a:noFill/>
+          <a:ln w="19050">
+            <a:solidFill>
+              <a:schemeClr val="accent3"/>
+            </a:solidFill>
+            <a:headEnd type="none" w="med" len="med"/>
+            <a:tailEnd type="none" w="med" len="med"/>
+          </a:ln>
+          <a:effectLst/>
+        </p:spPr>
+        <p:style>
+          <a:lnRef idx="1">
+            <a:schemeClr val="accent2"/>
+          </a:lnRef>
+          <a:fillRef idx="3">
+            <a:schemeClr val="accent2"/>
+          </a:fillRef>
+          <a:effectRef idx="2">
+            <a:schemeClr val="accent2"/>
+          </a:effectRef>
+          <a:fontRef idx="minor">
+            <a:schemeClr val="lt1"/>
+          </a:fontRef>
+        </p:style>
+        <p:txBody>
+          <a:bodyPr vert="horz" wrap="none" lIns="91436" tIns="45718" rIns="91436" bIns="45718" numCol="1" rtlCol="0" anchor="ctr" anchorCtr="0" compatLnSpc="1">
+            <a:prstTxWarp prst="textNoShape">
+              <a:avLst/>
+            </a:prstTxWarp>
+          </a:bodyPr>
+          <a:lstStyle/>
+          <a:p>
+            <a:pPr algn="ctr" defTabSz="914099" fontAlgn="base">
+              <a:spcBef>
+                <a:spcPct val="0"/>
+              </a:spcBef>
+              <a:spcAft>
+                <a:spcPct val="0"/>
+              </a:spcAft>
+            </a:pPr>
+            <a:r>
+              <a:rPr lang="en-US" sz="1600" dirty="0">
+                <a:solidFill>
+                  <a:schemeClr val="accent3"/>
+                </a:solidFill>
+              </a:rPr>
+              <a:t>D4</a:t>
+            </a:r>
+          </a:p>
+        </p:txBody>
+      </p:sp>
+      <p:sp>
+        <p:nvSpPr>
+          <p:cNvPr id="23" name="Rectangle 22"/>
+          <p:cNvSpPr/>
+          <p:nvPr/>
+        </p:nvSpPr>
+        <p:spPr bwMode="auto">
+          <a:xfrm>
+            <a:off x="3324306" y="3220586"/>
+            <a:ext cx="600474" cy="430306"/>
+          </a:xfrm>
+          <a:prstGeom prst="rect">
+            <a:avLst/>
+          </a:prstGeom>
+          <a:noFill/>
+          <a:ln w="19050">
+            <a:solidFill>
+              <a:schemeClr val="accent3"/>
+            </a:solidFill>
+            <a:headEnd type="none" w="med" len="med"/>
+            <a:tailEnd type="none" w="med" len="med"/>
+          </a:ln>
+          <a:effectLst/>
+        </p:spPr>
+        <p:style>
+          <a:lnRef idx="1">
+            <a:schemeClr val="accent2"/>
+          </a:lnRef>
+          <a:fillRef idx="3">
+            <a:schemeClr val="accent2"/>
+          </a:fillRef>
+          <a:effectRef idx="2">
+            <a:schemeClr val="accent2"/>
+          </a:effectRef>
+          <a:fontRef idx="minor">
+            <a:schemeClr val="lt1"/>
+          </a:fontRef>
+        </p:style>
+        <p:txBody>
+          <a:bodyPr vert="horz" wrap="none" lIns="91436" tIns="45718" rIns="91436" bIns="45718" numCol="1" rtlCol="0" anchor="ctr" anchorCtr="0" compatLnSpc="1">
+            <a:prstTxWarp prst="textNoShape">
+              <a:avLst/>
+            </a:prstTxWarp>
+          </a:bodyPr>
+          <a:lstStyle/>
+          <a:p>
+            <a:pPr algn="ctr" defTabSz="914099" fontAlgn="base">
+              <a:spcBef>
+                <a:spcPct val="0"/>
+              </a:spcBef>
+              <a:spcAft>
+                <a:spcPct val="0"/>
+              </a:spcAft>
+            </a:pPr>
+            <a:r>
+              <a:rPr lang="en-US" sz="1600" dirty="0">
+                <a:solidFill>
+                  <a:schemeClr val="accent3"/>
+                </a:solidFill>
+              </a:rPr>
+              <a:t>D11</a:t>
+            </a:r>
+          </a:p>
+        </p:txBody>
+      </p:sp>
+      <p:sp>
+        <p:nvSpPr>
+          <p:cNvPr id="24" name="Rectangle 23"/>
+          <p:cNvSpPr/>
+          <p:nvPr/>
+        </p:nvSpPr>
+        <p:spPr bwMode="auto">
+          <a:xfrm>
+            <a:off x="3977487" y="3220586"/>
+            <a:ext cx="600474" cy="430306"/>
+          </a:xfrm>
+          <a:prstGeom prst="rect">
+            <a:avLst/>
+          </a:prstGeom>
+          <a:noFill/>
+          <a:ln w="19050">
+            <a:solidFill>
+              <a:schemeClr val="accent3"/>
+            </a:solidFill>
+            <a:headEnd type="none" w="med" len="med"/>
+            <a:tailEnd type="none" w="med" len="med"/>
+          </a:ln>
+          <a:effectLst/>
+        </p:spPr>
+        <p:style>
+          <a:lnRef idx="1">
+            <a:schemeClr val="accent2"/>
+          </a:lnRef>
+          <a:fillRef idx="3">
+            <a:schemeClr val="accent2"/>
+          </a:fillRef>
+          <a:effectRef idx="2">
+            <a:schemeClr val="accent2"/>
+          </a:effectRef>
+          <a:fontRef idx="minor">
+            <a:schemeClr val="lt1"/>
+          </a:fontRef>
+        </p:style>
+        <p:txBody>
+          <a:bodyPr vert="horz" wrap="none" lIns="91436" tIns="45718" rIns="91436" bIns="45718" numCol="1" rtlCol="0" anchor="ctr" anchorCtr="0" compatLnSpc="1">
+            <a:prstTxWarp prst="textNoShape">
+              <a:avLst/>
+            </a:prstTxWarp>
+          </a:bodyPr>
+          <a:lstStyle/>
+          <a:p>
+            <a:pPr algn="ctr" defTabSz="914099" fontAlgn="base">
+              <a:spcBef>
+                <a:spcPct val="0"/>
+              </a:spcBef>
+              <a:spcAft>
+                <a:spcPct val="0"/>
+              </a:spcAft>
+            </a:pPr>
+            <a:r>
+              <a:rPr lang="en-US" sz="1600" dirty="0">
+                <a:solidFill>
+                  <a:schemeClr val="accent3"/>
+                </a:solidFill>
+              </a:rPr>
+              <a:t>D12</a:t>
+            </a:r>
+          </a:p>
+        </p:txBody>
+      </p:sp>
+      <p:sp>
+        <p:nvSpPr>
+          <p:cNvPr id="25" name="Rectangle 24"/>
+          <p:cNvSpPr/>
+          <p:nvPr/>
+        </p:nvSpPr>
+        <p:spPr bwMode="auto">
+          <a:xfrm>
+            <a:off x="4630668" y="3220586"/>
+            <a:ext cx="600474" cy="430306"/>
+          </a:xfrm>
+          <a:prstGeom prst="rect">
+            <a:avLst/>
+          </a:prstGeom>
+          <a:noFill/>
+          <a:ln w="19050">
+            <a:solidFill>
+              <a:schemeClr val="accent3"/>
+            </a:solidFill>
+            <a:headEnd type="none" w="med" len="med"/>
+            <a:tailEnd type="none" w="med" len="med"/>
+          </a:ln>
+          <a:effectLst/>
+        </p:spPr>
+        <p:style>
+          <a:lnRef idx="1">
+            <a:schemeClr val="accent2"/>
+          </a:lnRef>
+          <a:fillRef idx="3">
+            <a:schemeClr val="accent2"/>
+          </a:fillRef>
+          <a:effectRef idx="2">
+            <a:schemeClr val="accent2"/>
+          </a:effectRef>
+          <a:fontRef idx="minor">
+            <a:schemeClr val="lt1"/>
+          </a:fontRef>
+        </p:style>
+        <p:txBody>
+          <a:bodyPr vert="horz" wrap="none" lIns="91436" tIns="45718" rIns="91436" bIns="45718" numCol="1" rtlCol="0" anchor="ctr" anchorCtr="0" compatLnSpc="1">
+            <a:prstTxWarp prst="textNoShape">
+              <a:avLst/>
+            </a:prstTxWarp>
+          </a:bodyPr>
+          <a:lstStyle/>
+          <a:p>
+            <a:pPr algn="ctr" defTabSz="914099" fontAlgn="base">
+              <a:spcBef>
+                <a:spcPct val="0"/>
+              </a:spcBef>
+              <a:spcAft>
+                <a:spcPct val="0"/>
+              </a:spcAft>
+            </a:pPr>
+            <a:r>
+              <a:rPr lang="en-US" sz="1600" dirty="0">
+                <a:solidFill>
+                  <a:schemeClr val="accent3"/>
+                </a:solidFill>
+              </a:rPr>
+              <a:t>D13</a:t>
+            </a:r>
+          </a:p>
+        </p:txBody>
+      </p:sp>
+      <p:sp>
+        <p:nvSpPr>
+          <p:cNvPr id="26" name="Rectangle 25"/>
+          <p:cNvSpPr/>
+          <p:nvPr/>
+        </p:nvSpPr>
+        <p:spPr bwMode="auto">
+          <a:xfrm>
+            <a:off x="5283849" y="3220586"/>
+            <a:ext cx="600474" cy="430306"/>
+          </a:xfrm>
+          <a:prstGeom prst="rect">
+            <a:avLst/>
+          </a:prstGeom>
+          <a:noFill/>
+          <a:ln w="19050">
+            <a:solidFill>
+              <a:schemeClr val="accent3"/>
+            </a:solidFill>
+            <a:headEnd type="none" w="med" len="med"/>
+            <a:tailEnd type="none" w="med" len="med"/>
+          </a:ln>
+          <a:effectLst/>
+        </p:spPr>
+        <p:style>
+          <a:lnRef idx="1">
+            <a:schemeClr val="accent2"/>
+          </a:lnRef>
+          <a:fillRef idx="3">
+            <a:schemeClr val="accent2"/>
+          </a:fillRef>
+          <a:effectRef idx="2">
+            <a:schemeClr val="accent2"/>
+          </a:effectRef>
+          <a:fontRef idx="minor">
+            <a:schemeClr val="lt1"/>
+          </a:fontRef>
+        </p:style>
+        <p:txBody>
+          <a:bodyPr vert="horz" wrap="none" lIns="91436" tIns="45718" rIns="91436" bIns="45718" numCol="1" rtlCol="0" anchor="ctr" anchorCtr="0" compatLnSpc="1">
+            <a:prstTxWarp prst="textNoShape">
+              <a:avLst/>
+            </a:prstTxWarp>
+          </a:bodyPr>
+          <a:lstStyle/>
+          <a:p>
+            <a:pPr algn="ctr" defTabSz="914099" fontAlgn="base">
+              <a:spcBef>
+                <a:spcPct val="0"/>
+              </a:spcBef>
+              <a:spcAft>
+                <a:spcPct val="0"/>
+              </a:spcAft>
+            </a:pPr>
+            <a:r>
+              <a:rPr lang="en-US" sz="1600" dirty="0">
+                <a:solidFill>
+                  <a:schemeClr val="accent3"/>
+                </a:solidFill>
+              </a:rPr>
+              <a:t>D14</a:t>
+            </a:r>
+          </a:p>
+        </p:txBody>
+      </p:sp>
+      <p:sp>
+        <p:nvSpPr>
+          <p:cNvPr id="27" name="TextBox 26"/>
+          <p:cNvSpPr txBox="1"/>
+          <p:nvPr/>
+        </p:nvSpPr>
         <p:spPr>
           <a:xfrm>
-            <a:off x="4235669" y="2473320"/>
-            <a:ext cx="3870863" cy="1495794"/>
+            <a:off x="9414995" y="2458339"/>
+            <a:ext cx="1829027" cy="221599"/>
+          </a:xfrm>
+          <a:prstGeom prst="rect">
+            <a:avLst/>
+          </a:prstGeom>
+          <a:noFill/>
+        </p:spPr>
+        <p:txBody>
+          <a:bodyPr wrap="none" lIns="0" tIns="0" rIns="0" bIns="0" rtlCol="0">
+            <a:spAutoFit/>
+          </a:bodyPr>
+          <a:lstStyle/>
+          <a:p>
+            <a:pPr>
+              <a:lnSpc>
+                <a:spcPct val="90000"/>
+              </a:lnSpc>
+              <a:spcBef>
+                <a:spcPct val="20000"/>
+              </a:spcBef>
+              <a:buSzPct val="80000"/>
+            </a:pPr>
+            <a:r>
+              <a:rPr lang="en-US" sz="1600" dirty="0" smtClean="0">
+                <a:gradFill>
+                  <a:gsLst>
+                    <a:gs pos="0">
+                      <a:srgbClr val="292929">
+                        <a:lumMod val="90000"/>
+                        <a:lumOff val="10000"/>
+                      </a:srgbClr>
+                    </a:gs>
+                    <a:gs pos="86000">
+                      <a:srgbClr val="292929">
+                        <a:lumMod val="90000"/>
+                        <a:lumOff val="10000"/>
+                      </a:srgbClr>
+                    </a:gs>
+                  </a:gsLst>
+                  <a:lin ang="5400000" scaled="0"/>
+                </a:gradFill>
+              </a:rPr>
+              <a:t>NVIDIA M60 x 1/2/4</a:t>
+            </a:r>
+            <a:endParaRPr lang="en-US" sz="1600" dirty="0">
+              <a:gradFill>
+                <a:gsLst>
+                  <a:gs pos="0">
+                    <a:srgbClr val="292929">
+                      <a:lumMod val="90000"/>
+                      <a:lumOff val="10000"/>
+                    </a:srgbClr>
+                  </a:gs>
+                  <a:gs pos="86000">
+                    <a:srgbClr val="292929">
+                      <a:lumMod val="90000"/>
+                      <a:lumOff val="10000"/>
+                    </a:srgbClr>
+                  </a:gs>
+                </a:gsLst>
+                <a:lin ang="5400000" scaled="0"/>
+              </a:gradFill>
+            </a:endParaRPr>
+          </a:p>
+        </p:txBody>
+      </p:sp>
+      <p:sp>
+        <p:nvSpPr>
+          <p:cNvPr id="28" name="TextBox 27"/>
+          <p:cNvSpPr txBox="1"/>
+          <p:nvPr/>
+        </p:nvSpPr>
+        <p:spPr>
+          <a:xfrm>
+            <a:off x="9414995" y="3544710"/>
+            <a:ext cx="1763303" cy="221599"/>
+          </a:xfrm>
+          <a:prstGeom prst="rect">
+            <a:avLst/>
+          </a:prstGeom>
+          <a:noFill/>
+        </p:spPr>
+        <p:txBody>
+          <a:bodyPr wrap="none" lIns="0" tIns="0" rIns="0" bIns="0" rtlCol="0">
+            <a:spAutoFit/>
+          </a:bodyPr>
+          <a:lstStyle/>
+          <a:p>
+            <a:pPr>
+              <a:lnSpc>
+                <a:spcPct val="90000"/>
+              </a:lnSpc>
+              <a:spcBef>
+                <a:spcPct val="20000"/>
+              </a:spcBef>
+              <a:buSzPct val="80000"/>
+            </a:pPr>
+            <a:r>
+              <a:rPr lang="en-US" sz="1600" dirty="0" smtClean="0">
+                <a:gradFill>
+                  <a:gsLst>
+                    <a:gs pos="0">
+                      <a:srgbClr val="292929">
+                        <a:lumMod val="90000"/>
+                        <a:lumOff val="10000"/>
+                      </a:srgbClr>
+                    </a:gs>
+                    <a:gs pos="86000">
+                      <a:srgbClr val="292929">
+                        <a:lumMod val="90000"/>
+                        <a:lumOff val="10000"/>
+                      </a:srgbClr>
+                    </a:gs>
+                  </a:gsLst>
+                  <a:lin ang="5400000" scaled="0"/>
+                </a:gradFill>
+              </a:rPr>
+              <a:t>NVIDIA K80 x 1/2/4</a:t>
+            </a:r>
+            <a:endParaRPr lang="en-US" sz="1600" dirty="0">
+              <a:gradFill>
+                <a:gsLst>
+                  <a:gs pos="0">
+                    <a:srgbClr val="292929">
+                      <a:lumMod val="90000"/>
+                      <a:lumOff val="10000"/>
+                    </a:srgbClr>
+                  </a:gs>
+                  <a:gs pos="86000">
+                    <a:srgbClr val="292929">
+                      <a:lumMod val="90000"/>
+                      <a:lumOff val="10000"/>
+                    </a:srgbClr>
+                  </a:gs>
+                </a:gsLst>
+                <a:lin ang="5400000" scaled="0"/>
+              </a:gradFill>
+            </a:endParaRPr>
+          </a:p>
+        </p:txBody>
+      </p:sp>
+      <p:sp>
+        <p:nvSpPr>
+          <p:cNvPr id="29" name="TextBox 28"/>
+          <p:cNvSpPr txBox="1"/>
+          <p:nvPr/>
+        </p:nvSpPr>
+        <p:spPr>
+          <a:xfrm>
+            <a:off x="286632" y="3887443"/>
+            <a:ext cx="1710789" cy="221599"/>
+          </a:xfrm>
+          <a:prstGeom prst="rect">
+            <a:avLst/>
+          </a:prstGeom>
+          <a:noFill/>
+        </p:spPr>
+        <p:txBody>
+          <a:bodyPr wrap="none" lIns="0" tIns="0" rIns="0" bIns="0" rtlCol="0">
+            <a:spAutoFit/>
+          </a:bodyPr>
+          <a:lstStyle/>
+          <a:p>
+            <a:pPr>
+              <a:lnSpc>
+                <a:spcPct val="90000"/>
+              </a:lnSpc>
+              <a:spcBef>
+                <a:spcPct val="20000"/>
+              </a:spcBef>
+              <a:buSzPct val="80000"/>
+            </a:pPr>
+            <a:r>
+              <a:rPr lang="en-US" sz="1600" dirty="0" smtClean="0">
+                <a:gradFill>
+                  <a:gsLst>
+                    <a:gs pos="0">
+                      <a:srgbClr val="292929">
+                        <a:lumMod val="90000"/>
+                        <a:lumOff val="10000"/>
+                      </a:srgbClr>
+                    </a:gs>
+                    <a:gs pos="86000">
+                      <a:srgbClr val="292929">
+                        <a:lumMod val="90000"/>
+                        <a:lumOff val="10000"/>
+                      </a:srgbClr>
+                    </a:gs>
+                  </a:gsLst>
+                  <a:lin ang="5400000" scaled="0"/>
+                </a:gradFill>
+              </a:rPr>
+              <a:t>Compute-intensive</a:t>
+            </a:r>
+            <a:endParaRPr lang="en-US" sz="1600" dirty="0">
+              <a:gradFill>
+                <a:gsLst>
+                  <a:gs pos="0">
+                    <a:srgbClr val="292929">
+                      <a:lumMod val="90000"/>
+                      <a:lumOff val="10000"/>
+                    </a:srgbClr>
+                  </a:gs>
+                  <a:gs pos="86000">
+                    <a:srgbClr val="292929">
+                      <a:lumMod val="90000"/>
+                      <a:lumOff val="10000"/>
+                    </a:srgbClr>
+                  </a:gs>
+                </a:gsLst>
+                <a:lin ang="5400000" scaled="0"/>
+              </a:gradFill>
+            </a:endParaRPr>
+          </a:p>
+        </p:txBody>
+      </p:sp>
+      <p:sp>
+        <p:nvSpPr>
+          <p:cNvPr id="30" name="Rectangle 29"/>
+          <p:cNvSpPr/>
+          <p:nvPr/>
+        </p:nvSpPr>
+        <p:spPr bwMode="auto">
+          <a:xfrm>
+            <a:off x="6399558" y="5554775"/>
+            <a:ext cx="600473" cy="430306"/>
+          </a:xfrm>
+          <a:prstGeom prst="rect">
+            <a:avLst/>
+          </a:prstGeom>
+          <a:solidFill>
+            <a:schemeClr val="bg2">
+              <a:lumMod val="50000"/>
+            </a:schemeClr>
+          </a:solidFill>
+          <a:ln w="19050">
+            <a:noFill/>
+            <a:headEnd type="none" w="med" len="med"/>
+            <a:tailEnd type="none" w="med" len="med"/>
+          </a:ln>
+          <a:effectLst/>
+        </p:spPr>
+        <p:style>
+          <a:lnRef idx="1">
+            <a:schemeClr val="accent2"/>
+          </a:lnRef>
+          <a:fillRef idx="3">
+            <a:schemeClr val="accent2"/>
+          </a:fillRef>
+          <a:effectRef idx="2">
+            <a:schemeClr val="accent2"/>
+          </a:effectRef>
+          <a:fontRef idx="minor">
+            <a:schemeClr val="lt1"/>
+          </a:fontRef>
+        </p:style>
+        <p:txBody>
+          <a:bodyPr vert="horz" wrap="none" lIns="91436" tIns="45718" rIns="91436" bIns="45718" numCol="1" rtlCol="0" anchor="ctr" anchorCtr="0" compatLnSpc="1">
+            <a:prstTxWarp prst="textNoShape">
+              <a:avLst/>
+            </a:prstTxWarp>
+          </a:bodyPr>
+          <a:lstStyle/>
+          <a:p>
+            <a:pPr algn="ctr" defTabSz="914099" fontAlgn="base">
+              <a:spcBef>
+                <a:spcPct val="0"/>
+              </a:spcBef>
+              <a:spcAft>
+                <a:spcPct val="0"/>
+              </a:spcAft>
+            </a:pPr>
+            <a:r>
+              <a:rPr lang="en-US" sz="1600" dirty="0">
+                <a:solidFill>
+                  <a:schemeClr val="bg1"/>
+                </a:solidFill>
+              </a:rPr>
+              <a:t>H8</a:t>
+            </a:r>
+          </a:p>
+        </p:txBody>
+      </p:sp>
+      <p:sp>
+        <p:nvSpPr>
+          <p:cNvPr id="31" name="Rectangle 30"/>
+          <p:cNvSpPr/>
+          <p:nvPr/>
+        </p:nvSpPr>
+        <p:spPr bwMode="auto">
+          <a:xfrm>
+            <a:off x="7052739" y="5554775"/>
+            <a:ext cx="600474" cy="430306"/>
+          </a:xfrm>
+          <a:prstGeom prst="rect">
+            <a:avLst/>
+          </a:prstGeom>
+          <a:solidFill>
+            <a:schemeClr val="bg2">
+              <a:lumMod val="50000"/>
+            </a:schemeClr>
+          </a:solidFill>
+          <a:ln w="19050">
+            <a:noFill/>
+            <a:headEnd type="none" w="med" len="med"/>
+            <a:tailEnd type="none" w="med" len="med"/>
+          </a:ln>
+          <a:effectLst/>
+        </p:spPr>
+        <p:style>
+          <a:lnRef idx="1">
+            <a:schemeClr val="accent2"/>
+          </a:lnRef>
+          <a:fillRef idx="3">
+            <a:schemeClr val="accent2"/>
+          </a:fillRef>
+          <a:effectRef idx="2">
+            <a:schemeClr val="accent2"/>
+          </a:effectRef>
+          <a:fontRef idx="minor">
+            <a:schemeClr val="lt1"/>
+          </a:fontRef>
+        </p:style>
+        <p:txBody>
+          <a:bodyPr vert="horz" wrap="none" lIns="91436" tIns="45718" rIns="91436" bIns="45718" numCol="1" rtlCol="0" anchor="ctr" anchorCtr="0" compatLnSpc="1">
+            <a:prstTxWarp prst="textNoShape">
+              <a:avLst/>
+            </a:prstTxWarp>
+          </a:bodyPr>
+          <a:lstStyle/>
+          <a:p>
+            <a:pPr algn="ctr" defTabSz="914099" fontAlgn="base">
+              <a:spcBef>
+                <a:spcPct val="0"/>
+              </a:spcBef>
+              <a:spcAft>
+                <a:spcPct val="0"/>
+              </a:spcAft>
+            </a:pPr>
+            <a:r>
+              <a:rPr lang="en-US" sz="1600" dirty="0">
+                <a:solidFill>
+                  <a:schemeClr val="bg1"/>
+                </a:solidFill>
+              </a:rPr>
+              <a:t>H16</a:t>
+            </a:r>
+          </a:p>
+        </p:txBody>
+      </p:sp>
+      <p:sp>
+        <p:nvSpPr>
+          <p:cNvPr id="32" name="Rectangle 31"/>
+          <p:cNvSpPr/>
+          <p:nvPr/>
+        </p:nvSpPr>
+        <p:spPr bwMode="auto">
+          <a:xfrm>
+            <a:off x="7705920" y="5554775"/>
+            <a:ext cx="600474" cy="430306"/>
+          </a:xfrm>
+          <a:prstGeom prst="rect">
+            <a:avLst/>
+          </a:prstGeom>
+          <a:solidFill>
+            <a:schemeClr val="bg2">
+              <a:lumMod val="50000"/>
+            </a:schemeClr>
+          </a:solidFill>
+          <a:ln w="19050">
+            <a:noFill/>
+            <a:headEnd type="none" w="med" len="med"/>
+            <a:tailEnd type="none" w="med" len="med"/>
+          </a:ln>
+          <a:effectLst/>
+        </p:spPr>
+        <p:style>
+          <a:lnRef idx="1">
+            <a:schemeClr val="accent2"/>
+          </a:lnRef>
+          <a:fillRef idx="3">
+            <a:schemeClr val="accent2"/>
+          </a:fillRef>
+          <a:effectRef idx="2">
+            <a:schemeClr val="accent2"/>
+          </a:effectRef>
+          <a:fontRef idx="minor">
+            <a:schemeClr val="lt1"/>
+          </a:fontRef>
+        </p:style>
+        <p:txBody>
+          <a:bodyPr vert="horz" wrap="none" lIns="91436" tIns="45718" rIns="91436" bIns="45718" numCol="1" rtlCol="0" anchor="ctr" anchorCtr="0" compatLnSpc="1">
+            <a:prstTxWarp prst="textNoShape">
+              <a:avLst/>
+            </a:prstTxWarp>
+          </a:bodyPr>
+          <a:lstStyle/>
+          <a:p>
+            <a:pPr algn="ctr" defTabSz="914099" fontAlgn="base">
+              <a:spcBef>
+                <a:spcPct val="0"/>
+              </a:spcBef>
+              <a:spcAft>
+                <a:spcPct val="0"/>
+              </a:spcAft>
+            </a:pPr>
+            <a:r>
+              <a:rPr lang="en-US" sz="1600" dirty="0">
+                <a:solidFill>
+                  <a:schemeClr val="bg1"/>
+                </a:solidFill>
+              </a:rPr>
+              <a:t>H8m</a:t>
+            </a:r>
+          </a:p>
+        </p:txBody>
+      </p:sp>
+      <p:sp>
+        <p:nvSpPr>
+          <p:cNvPr id="33" name="Rectangle 32"/>
+          <p:cNvSpPr/>
+          <p:nvPr/>
+        </p:nvSpPr>
+        <p:spPr bwMode="auto">
+          <a:xfrm>
+            <a:off x="8359100" y="5554775"/>
+            <a:ext cx="604425" cy="430306"/>
+          </a:xfrm>
+          <a:prstGeom prst="rect">
+            <a:avLst/>
+          </a:prstGeom>
+          <a:solidFill>
+            <a:schemeClr val="bg2">
+              <a:lumMod val="50000"/>
+            </a:schemeClr>
+          </a:solidFill>
+          <a:ln w="19050">
+            <a:noFill/>
+            <a:headEnd type="none" w="med" len="med"/>
+            <a:tailEnd type="none" w="med" len="med"/>
+          </a:ln>
+          <a:effectLst/>
+        </p:spPr>
+        <p:style>
+          <a:lnRef idx="1">
+            <a:schemeClr val="accent2"/>
+          </a:lnRef>
+          <a:fillRef idx="3">
+            <a:schemeClr val="accent2"/>
+          </a:fillRef>
+          <a:effectRef idx="2">
+            <a:schemeClr val="accent2"/>
+          </a:effectRef>
+          <a:fontRef idx="minor">
+            <a:schemeClr val="lt1"/>
+          </a:fontRef>
+        </p:style>
+        <p:txBody>
+          <a:bodyPr vert="horz" wrap="none" lIns="91436" tIns="45718" rIns="91436" bIns="45718" numCol="1" rtlCol="0" anchor="ctr" anchorCtr="0" compatLnSpc="1">
+            <a:prstTxWarp prst="textNoShape">
+              <a:avLst/>
+            </a:prstTxWarp>
+          </a:bodyPr>
+          <a:lstStyle/>
+          <a:p>
+            <a:pPr algn="ctr" defTabSz="914099" fontAlgn="base">
+              <a:spcBef>
+                <a:spcPct val="0"/>
+              </a:spcBef>
+              <a:spcAft>
+                <a:spcPct val="0"/>
+              </a:spcAft>
+            </a:pPr>
+            <a:r>
+              <a:rPr lang="en-US" sz="1600" dirty="0">
+                <a:solidFill>
+                  <a:schemeClr val="bg1"/>
+                </a:solidFill>
+              </a:rPr>
+              <a:t>H16m</a:t>
+            </a:r>
+          </a:p>
+        </p:txBody>
+      </p:sp>
+      <p:sp>
+        <p:nvSpPr>
+          <p:cNvPr id="34" name="Rectangle 33"/>
+          <p:cNvSpPr/>
+          <p:nvPr/>
+        </p:nvSpPr>
+        <p:spPr bwMode="auto">
+          <a:xfrm>
+            <a:off x="6399557" y="6069782"/>
+            <a:ext cx="1253655" cy="430306"/>
+          </a:xfrm>
+          <a:prstGeom prst="rect">
+            <a:avLst/>
+          </a:prstGeom>
+          <a:solidFill>
+            <a:schemeClr val="bg2">
+              <a:lumMod val="50000"/>
+            </a:schemeClr>
+          </a:solidFill>
+          <a:ln w="19050">
+            <a:noFill/>
+            <a:headEnd type="none" w="med" len="med"/>
+            <a:tailEnd type="none" w="med" len="med"/>
+          </a:ln>
+          <a:effectLst/>
+        </p:spPr>
+        <p:style>
+          <a:lnRef idx="1">
+            <a:schemeClr val="accent2"/>
+          </a:lnRef>
+          <a:fillRef idx="3">
+            <a:schemeClr val="accent2"/>
+          </a:fillRef>
+          <a:effectRef idx="2">
+            <a:schemeClr val="accent2"/>
+          </a:effectRef>
+          <a:fontRef idx="minor">
+            <a:schemeClr val="lt1"/>
+          </a:fontRef>
+        </p:style>
+        <p:txBody>
+          <a:bodyPr vert="horz" wrap="none" lIns="91436" tIns="45718" rIns="91436" bIns="45718" numCol="1" rtlCol="0" anchor="ctr" anchorCtr="0" compatLnSpc="1">
+            <a:prstTxWarp prst="textNoShape">
+              <a:avLst/>
+            </a:prstTxWarp>
+          </a:bodyPr>
+          <a:lstStyle/>
+          <a:p>
+            <a:pPr algn="ctr" defTabSz="914099" fontAlgn="base">
+              <a:spcBef>
+                <a:spcPct val="0"/>
+              </a:spcBef>
+              <a:spcAft>
+                <a:spcPct val="0"/>
+              </a:spcAft>
+            </a:pPr>
+            <a:r>
+              <a:rPr lang="en-US" sz="1600" dirty="0">
+                <a:solidFill>
+                  <a:schemeClr val="bg1"/>
+                </a:solidFill>
+              </a:rPr>
+              <a:t>H16r</a:t>
+            </a:r>
+          </a:p>
+        </p:txBody>
+      </p:sp>
+      <p:sp>
+        <p:nvSpPr>
+          <p:cNvPr id="35" name="Rectangle 34"/>
+          <p:cNvSpPr/>
+          <p:nvPr/>
+        </p:nvSpPr>
+        <p:spPr bwMode="auto">
+          <a:xfrm>
+            <a:off x="7709049" y="6069782"/>
+            <a:ext cx="1254477" cy="430306"/>
+          </a:xfrm>
+          <a:prstGeom prst="rect">
+            <a:avLst/>
+          </a:prstGeom>
+          <a:solidFill>
+            <a:schemeClr val="bg2">
+              <a:lumMod val="50000"/>
+            </a:schemeClr>
+          </a:solidFill>
+          <a:ln w="19050">
+            <a:noFill/>
+            <a:headEnd type="none" w="med" len="med"/>
+            <a:tailEnd type="none" w="med" len="med"/>
+          </a:ln>
+          <a:effectLst/>
+        </p:spPr>
+        <p:style>
+          <a:lnRef idx="1">
+            <a:schemeClr val="accent2"/>
+          </a:lnRef>
+          <a:fillRef idx="3">
+            <a:schemeClr val="accent2"/>
+          </a:fillRef>
+          <a:effectRef idx="2">
+            <a:schemeClr val="accent2"/>
+          </a:effectRef>
+          <a:fontRef idx="minor">
+            <a:schemeClr val="lt1"/>
+          </a:fontRef>
+        </p:style>
+        <p:txBody>
+          <a:bodyPr vert="horz" wrap="none" lIns="91436" tIns="45718" rIns="91436" bIns="45718" numCol="1" rtlCol="0" anchor="ctr" anchorCtr="0" compatLnSpc="1">
+            <a:prstTxWarp prst="textNoShape">
+              <a:avLst/>
+            </a:prstTxWarp>
+          </a:bodyPr>
+          <a:lstStyle/>
+          <a:p>
+            <a:pPr algn="ctr" defTabSz="914099" fontAlgn="base">
+              <a:spcBef>
+                <a:spcPct val="0"/>
+              </a:spcBef>
+              <a:spcAft>
+                <a:spcPct val="0"/>
+              </a:spcAft>
+            </a:pPr>
+            <a:r>
+              <a:rPr lang="en-US" sz="1600" dirty="0">
+                <a:solidFill>
+                  <a:schemeClr val="bg1"/>
+                </a:solidFill>
+              </a:rPr>
+              <a:t>H16mr</a:t>
+            </a:r>
+          </a:p>
+        </p:txBody>
+      </p:sp>
+      <p:sp>
+        <p:nvSpPr>
+          <p:cNvPr id="36" name="TextBox 35"/>
+          <p:cNvSpPr txBox="1"/>
+          <p:nvPr/>
+        </p:nvSpPr>
+        <p:spPr>
+          <a:xfrm>
+            <a:off x="3324306" y="2458339"/>
+            <a:ext cx="2238883" cy="221599"/>
+          </a:xfrm>
+          <a:prstGeom prst="rect">
+            <a:avLst/>
+          </a:prstGeom>
+          <a:noFill/>
+        </p:spPr>
+        <p:txBody>
+          <a:bodyPr wrap="none" lIns="0" tIns="0" rIns="0" bIns="0" rtlCol="0">
+            <a:spAutoFit/>
+          </a:bodyPr>
+          <a:lstStyle/>
+          <a:p>
+            <a:pPr>
+              <a:lnSpc>
+                <a:spcPct val="90000"/>
+              </a:lnSpc>
+              <a:spcBef>
+                <a:spcPct val="20000"/>
+              </a:spcBef>
+              <a:buSzPct val="80000"/>
+            </a:pPr>
+            <a:r>
+              <a:rPr lang="en-US" sz="1600" dirty="0" smtClean="0">
+                <a:gradFill>
+                  <a:gsLst>
+                    <a:gs pos="0">
+                      <a:srgbClr val="292929">
+                        <a:lumMod val="90000"/>
+                        <a:lumOff val="10000"/>
+                      </a:srgbClr>
+                    </a:gs>
+                    <a:gs pos="86000">
+                      <a:srgbClr val="292929">
+                        <a:lumMod val="90000"/>
+                        <a:lumOff val="10000"/>
+                      </a:srgbClr>
+                    </a:gs>
+                  </a:gsLst>
+                  <a:lin ang="5400000" scaled="0"/>
+                </a:gradFill>
+              </a:rPr>
+              <a:t>Also available in DS sizes</a:t>
+            </a:r>
+            <a:endParaRPr lang="en-US" sz="1600" dirty="0">
+              <a:gradFill>
+                <a:gsLst>
+                  <a:gs pos="0">
+                    <a:srgbClr val="292929">
+                      <a:lumMod val="90000"/>
+                      <a:lumOff val="10000"/>
+                    </a:srgbClr>
+                  </a:gs>
+                  <a:gs pos="86000">
+                    <a:srgbClr val="292929">
+                      <a:lumMod val="90000"/>
+                      <a:lumOff val="10000"/>
+                    </a:srgbClr>
+                  </a:gs>
+                </a:gsLst>
+                <a:lin ang="5400000" scaled="0"/>
+              </a:gradFill>
+            </a:endParaRPr>
+          </a:p>
+        </p:txBody>
+      </p:sp>
+      <p:sp>
+        <p:nvSpPr>
+          <p:cNvPr id="37" name="Rectangle 36"/>
+          <p:cNvSpPr/>
+          <p:nvPr/>
+        </p:nvSpPr>
+        <p:spPr bwMode="auto">
+          <a:xfrm>
+            <a:off x="3324305" y="5554775"/>
+            <a:ext cx="1239428" cy="430306"/>
+          </a:xfrm>
+          <a:prstGeom prst="rect">
+            <a:avLst/>
+          </a:prstGeom>
+          <a:solidFill>
+            <a:schemeClr val="accent3"/>
+          </a:solidFill>
+          <a:ln w="19050">
+            <a:noFill/>
+            <a:headEnd type="none" w="med" len="med"/>
+            <a:tailEnd type="none" w="med" len="med"/>
+          </a:ln>
+          <a:effectLst/>
+        </p:spPr>
+        <p:style>
+          <a:lnRef idx="1">
+            <a:schemeClr val="accent2"/>
+          </a:lnRef>
+          <a:fillRef idx="3">
+            <a:schemeClr val="accent2"/>
+          </a:fillRef>
+          <a:effectRef idx="2">
+            <a:schemeClr val="accent2"/>
+          </a:effectRef>
+          <a:fontRef idx="minor">
+            <a:schemeClr val="lt1"/>
+          </a:fontRef>
+        </p:style>
+        <p:txBody>
+          <a:bodyPr vert="horz" wrap="none" lIns="91436" tIns="45718" rIns="91436" bIns="45718" numCol="1" rtlCol="0" anchor="ctr" anchorCtr="0" compatLnSpc="1">
+            <a:prstTxWarp prst="textNoShape">
+              <a:avLst/>
+            </a:prstTxWarp>
+          </a:bodyPr>
+          <a:lstStyle/>
+          <a:p>
+            <a:pPr algn="ctr" defTabSz="914099" fontAlgn="base">
+              <a:spcBef>
+                <a:spcPct val="0"/>
+              </a:spcBef>
+              <a:spcAft>
+                <a:spcPct val="0"/>
+              </a:spcAft>
+            </a:pPr>
+            <a:r>
+              <a:rPr lang="en-US" sz="1600" dirty="0" smtClean="0">
+                <a:solidFill>
+                  <a:schemeClr val="bg1"/>
+                </a:solidFill>
+              </a:rPr>
+              <a:t>D15v2</a:t>
+            </a:r>
+            <a:endParaRPr lang="en-US" sz="1600" dirty="0">
+              <a:solidFill>
+                <a:schemeClr val="bg1"/>
+              </a:solidFill>
+            </a:endParaRPr>
+          </a:p>
+        </p:txBody>
+      </p:sp>
+      <p:sp>
+        <p:nvSpPr>
+          <p:cNvPr id="38" name="Rectangle 37"/>
+          <p:cNvSpPr/>
+          <p:nvPr/>
+        </p:nvSpPr>
+        <p:spPr bwMode="auto">
+          <a:xfrm>
+            <a:off x="9420456" y="2701192"/>
+            <a:ext cx="813307" cy="430306"/>
+          </a:xfrm>
+          <a:prstGeom prst="rect">
+            <a:avLst/>
+          </a:prstGeom>
+          <a:solidFill>
+            <a:srgbClr val="5095D1"/>
+          </a:solidFill>
+          <a:ln>
+            <a:noFill/>
+            <a:headEnd type="none" w="med" len="med"/>
+            <a:tailEnd type="none" w="med" len="med"/>
+          </a:ln>
+          <a:effectLst/>
+        </p:spPr>
+        <p:style>
+          <a:lnRef idx="1">
+            <a:schemeClr val="accent2"/>
+          </a:lnRef>
+          <a:fillRef idx="3">
+            <a:schemeClr val="accent2"/>
+          </a:fillRef>
+          <a:effectRef idx="2">
+            <a:schemeClr val="accent2"/>
+          </a:effectRef>
+          <a:fontRef idx="minor">
+            <a:schemeClr val="lt1"/>
+          </a:fontRef>
+        </p:style>
+        <p:txBody>
+          <a:bodyPr vert="horz" wrap="square" lIns="91436" tIns="45718" rIns="91436" bIns="45718" numCol="1" rtlCol="0" anchor="ctr" anchorCtr="0" compatLnSpc="1">
+            <a:prstTxWarp prst="textNoShape">
+              <a:avLst/>
+            </a:prstTxWarp>
+          </a:bodyPr>
+          <a:lstStyle/>
+          <a:p>
+            <a:pPr algn="ctr" defTabSz="914099" fontAlgn="base">
+              <a:spcBef>
+                <a:spcPct val="0"/>
+              </a:spcBef>
+              <a:spcAft>
+                <a:spcPct val="0"/>
+              </a:spcAft>
+            </a:pPr>
+            <a:r>
+              <a:rPr lang="en-US" sz="1600" dirty="0">
+                <a:gradFill>
+                  <a:gsLst>
+                    <a:gs pos="0">
+                      <a:srgbClr val="FFFFFF"/>
+                    </a:gs>
+                    <a:gs pos="100000">
+                      <a:srgbClr val="FFFFFF"/>
+                    </a:gs>
+                  </a:gsLst>
+                  <a:lin ang="5400000" scaled="0"/>
+                </a:gradFill>
+              </a:rPr>
+              <a:t>NV6</a:t>
+            </a:r>
+          </a:p>
+        </p:txBody>
+      </p:sp>
+      <p:sp>
+        <p:nvSpPr>
+          <p:cNvPr id="39" name="Rectangle 38"/>
+          <p:cNvSpPr/>
+          <p:nvPr/>
+        </p:nvSpPr>
+        <p:spPr bwMode="auto">
+          <a:xfrm>
+            <a:off x="10293920" y="2701192"/>
+            <a:ext cx="813307" cy="430306"/>
+          </a:xfrm>
+          <a:prstGeom prst="rect">
+            <a:avLst/>
+          </a:prstGeom>
+          <a:solidFill>
+            <a:srgbClr val="5095D1"/>
+          </a:solidFill>
+          <a:ln>
+            <a:noFill/>
+            <a:headEnd type="none" w="med" len="med"/>
+            <a:tailEnd type="none" w="med" len="med"/>
+          </a:ln>
+          <a:effectLst/>
+        </p:spPr>
+        <p:style>
+          <a:lnRef idx="1">
+            <a:schemeClr val="accent2"/>
+          </a:lnRef>
+          <a:fillRef idx="3">
+            <a:schemeClr val="accent2"/>
+          </a:fillRef>
+          <a:effectRef idx="2">
+            <a:schemeClr val="accent2"/>
+          </a:effectRef>
+          <a:fontRef idx="minor">
+            <a:schemeClr val="lt1"/>
+          </a:fontRef>
+        </p:style>
+        <p:txBody>
+          <a:bodyPr vert="horz" wrap="square" lIns="91436" tIns="45718" rIns="91436" bIns="45718" numCol="1" rtlCol="0" anchor="ctr" anchorCtr="0" compatLnSpc="1">
+            <a:prstTxWarp prst="textNoShape">
+              <a:avLst/>
+            </a:prstTxWarp>
+          </a:bodyPr>
+          <a:lstStyle/>
+          <a:p>
+            <a:pPr algn="ctr" defTabSz="914099" fontAlgn="base">
+              <a:spcBef>
+                <a:spcPct val="0"/>
+              </a:spcBef>
+              <a:spcAft>
+                <a:spcPct val="0"/>
+              </a:spcAft>
+            </a:pPr>
+            <a:r>
+              <a:rPr lang="en-US" sz="1600" dirty="0">
+                <a:gradFill>
+                  <a:gsLst>
+                    <a:gs pos="0">
+                      <a:srgbClr val="FFFFFF"/>
+                    </a:gs>
+                    <a:gs pos="100000">
+                      <a:srgbClr val="FFFFFF"/>
+                    </a:gs>
+                  </a:gsLst>
+                  <a:lin ang="5400000" scaled="0"/>
+                </a:gradFill>
+              </a:rPr>
+              <a:t>NV12</a:t>
+            </a:r>
+          </a:p>
+        </p:txBody>
+      </p:sp>
+      <p:sp>
+        <p:nvSpPr>
+          <p:cNvPr id="40" name="Rectangle 39"/>
+          <p:cNvSpPr/>
+          <p:nvPr/>
+        </p:nvSpPr>
+        <p:spPr bwMode="auto">
+          <a:xfrm>
+            <a:off x="11167384" y="2701192"/>
+            <a:ext cx="813307" cy="430306"/>
+          </a:xfrm>
+          <a:prstGeom prst="rect">
+            <a:avLst/>
+          </a:prstGeom>
+          <a:solidFill>
+            <a:srgbClr val="5095D1"/>
+          </a:solidFill>
+          <a:ln>
+            <a:noFill/>
+            <a:headEnd type="none" w="med" len="med"/>
+            <a:tailEnd type="none" w="med" len="med"/>
+          </a:ln>
+          <a:effectLst/>
+        </p:spPr>
+        <p:style>
+          <a:lnRef idx="1">
+            <a:schemeClr val="accent2"/>
+          </a:lnRef>
+          <a:fillRef idx="3">
+            <a:schemeClr val="accent2"/>
+          </a:fillRef>
+          <a:effectRef idx="2">
+            <a:schemeClr val="accent2"/>
+          </a:effectRef>
+          <a:fontRef idx="minor">
+            <a:schemeClr val="lt1"/>
+          </a:fontRef>
+        </p:style>
+        <p:txBody>
+          <a:bodyPr vert="horz" wrap="square" lIns="91436" tIns="45718" rIns="91436" bIns="45718" numCol="1" rtlCol="0" anchor="ctr" anchorCtr="0" compatLnSpc="1">
+            <a:prstTxWarp prst="textNoShape">
+              <a:avLst/>
+            </a:prstTxWarp>
+          </a:bodyPr>
+          <a:lstStyle/>
+          <a:p>
+            <a:pPr algn="ctr" defTabSz="914099" fontAlgn="base">
+              <a:spcBef>
+                <a:spcPct val="0"/>
+              </a:spcBef>
+              <a:spcAft>
+                <a:spcPct val="0"/>
+              </a:spcAft>
+            </a:pPr>
+            <a:r>
+              <a:rPr lang="en-US" sz="1600" dirty="0">
+                <a:gradFill>
+                  <a:gsLst>
+                    <a:gs pos="0">
+                      <a:srgbClr val="FFFFFF"/>
+                    </a:gs>
+                    <a:gs pos="100000">
+                      <a:srgbClr val="FFFFFF"/>
+                    </a:gs>
+                  </a:gsLst>
+                  <a:lin ang="5400000" scaled="0"/>
+                </a:gradFill>
+              </a:rPr>
+              <a:t>NV24</a:t>
+            </a:r>
+          </a:p>
+        </p:txBody>
+      </p:sp>
+      <p:sp>
+        <p:nvSpPr>
+          <p:cNvPr id="41" name="Rectangle 40"/>
+          <p:cNvSpPr/>
+          <p:nvPr/>
+        </p:nvSpPr>
+        <p:spPr bwMode="auto">
+          <a:xfrm>
+            <a:off x="9420456" y="3786066"/>
+            <a:ext cx="813307" cy="430306"/>
+          </a:xfrm>
+          <a:prstGeom prst="rect">
+            <a:avLst/>
+          </a:prstGeom>
+          <a:solidFill>
+            <a:srgbClr val="5095D1"/>
+          </a:solidFill>
+          <a:ln>
+            <a:noFill/>
+            <a:headEnd type="none" w="med" len="med"/>
+            <a:tailEnd type="none" w="med" len="med"/>
+          </a:ln>
+          <a:effectLst/>
+        </p:spPr>
+        <p:style>
+          <a:lnRef idx="1">
+            <a:schemeClr val="accent2"/>
+          </a:lnRef>
+          <a:fillRef idx="3">
+            <a:schemeClr val="accent2"/>
+          </a:fillRef>
+          <a:effectRef idx="2">
+            <a:schemeClr val="accent2"/>
+          </a:effectRef>
+          <a:fontRef idx="minor">
+            <a:schemeClr val="lt1"/>
+          </a:fontRef>
+        </p:style>
+        <p:txBody>
+          <a:bodyPr vert="horz" wrap="square" lIns="91436" tIns="45718" rIns="91436" bIns="45718" numCol="1" rtlCol="0" anchor="ctr" anchorCtr="0" compatLnSpc="1">
+            <a:prstTxWarp prst="textNoShape">
+              <a:avLst/>
+            </a:prstTxWarp>
+          </a:bodyPr>
+          <a:lstStyle/>
+          <a:p>
+            <a:pPr algn="ctr" defTabSz="914099" fontAlgn="base">
+              <a:spcBef>
+                <a:spcPct val="0"/>
+              </a:spcBef>
+              <a:spcAft>
+                <a:spcPct val="0"/>
+              </a:spcAft>
+            </a:pPr>
+            <a:r>
+              <a:rPr lang="en-US" sz="1600" dirty="0">
+                <a:gradFill>
+                  <a:gsLst>
+                    <a:gs pos="0">
+                      <a:srgbClr val="FFFFFF"/>
+                    </a:gs>
+                    <a:gs pos="100000">
+                      <a:srgbClr val="FFFFFF"/>
+                    </a:gs>
+                  </a:gsLst>
+                  <a:lin ang="5400000" scaled="0"/>
+                </a:gradFill>
+              </a:rPr>
+              <a:t>NC6</a:t>
+            </a:r>
+          </a:p>
+        </p:txBody>
+      </p:sp>
+      <p:sp>
+        <p:nvSpPr>
+          <p:cNvPr id="42" name="Rectangle 41"/>
+          <p:cNvSpPr/>
+          <p:nvPr/>
+        </p:nvSpPr>
+        <p:spPr bwMode="auto">
+          <a:xfrm>
+            <a:off x="10293920" y="3786066"/>
+            <a:ext cx="813307" cy="430306"/>
+          </a:xfrm>
+          <a:prstGeom prst="rect">
+            <a:avLst/>
+          </a:prstGeom>
+          <a:solidFill>
+            <a:srgbClr val="5095D1"/>
+          </a:solidFill>
+          <a:ln>
+            <a:noFill/>
+            <a:headEnd type="none" w="med" len="med"/>
+            <a:tailEnd type="none" w="med" len="med"/>
+          </a:ln>
+          <a:effectLst/>
+        </p:spPr>
+        <p:style>
+          <a:lnRef idx="1">
+            <a:schemeClr val="accent2"/>
+          </a:lnRef>
+          <a:fillRef idx="3">
+            <a:schemeClr val="accent2"/>
+          </a:fillRef>
+          <a:effectRef idx="2">
+            <a:schemeClr val="accent2"/>
+          </a:effectRef>
+          <a:fontRef idx="minor">
+            <a:schemeClr val="lt1"/>
+          </a:fontRef>
+        </p:style>
+        <p:txBody>
+          <a:bodyPr vert="horz" wrap="square" lIns="91436" tIns="45718" rIns="91436" bIns="45718" numCol="1" rtlCol="0" anchor="ctr" anchorCtr="0" compatLnSpc="1">
+            <a:prstTxWarp prst="textNoShape">
+              <a:avLst/>
+            </a:prstTxWarp>
+          </a:bodyPr>
+          <a:lstStyle/>
+          <a:p>
+            <a:pPr algn="ctr" defTabSz="914099" fontAlgn="base">
+              <a:spcBef>
+                <a:spcPct val="0"/>
+              </a:spcBef>
+              <a:spcAft>
+                <a:spcPct val="0"/>
+              </a:spcAft>
+            </a:pPr>
+            <a:r>
+              <a:rPr lang="en-US" sz="1600" dirty="0">
+                <a:gradFill>
+                  <a:gsLst>
+                    <a:gs pos="0">
+                      <a:srgbClr val="FFFFFF"/>
+                    </a:gs>
+                    <a:gs pos="100000">
+                      <a:srgbClr val="FFFFFF"/>
+                    </a:gs>
+                  </a:gsLst>
+                  <a:lin ang="5400000" scaled="0"/>
+                </a:gradFill>
+              </a:rPr>
+              <a:t>NC12</a:t>
+            </a:r>
+          </a:p>
+        </p:txBody>
+      </p:sp>
+      <p:sp>
+        <p:nvSpPr>
+          <p:cNvPr id="43" name="Rectangle 42"/>
+          <p:cNvSpPr/>
+          <p:nvPr/>
+        </p:nvSpPr>
+        <p:spPr bwMode="auto">
+          <a:xfrm>
+            <a:off x="11167384" y="3786066"/>
+            <a:ext cx="813307" cy="430306"/>
+          </a:xfrm>
+          <a:prstGeom prst="rect">
+            <a:avLst/>
+          </a:prstGeom>
+          <a:solidFill>
+            <a:srgbClr val="5095D1"/>
+          </a:solidFill>
+          <a:ln>
+            <a:noFill/>
+            <a:headEnd type="none" w="med" len="med"/>
+            <a:tailEnd type="none" w="med" len="med"/>
+          </a:ln>
+          <a:effectLst/>
+        </p:spPr>
+        <p:style>
+          <a:lnRef idx="1">
+            <a:schemeClr val="accent2"/>
+          </a:lnRef>
+          <a:fillRef idx="3">
+            <a:schemeClr val="accent2"/>
+          </a:fillRef>
+          <a:effectRef idx="2">
+            <a:schemeClr val="accent2"/>
+          </a:effectRef>
+          <a:fontRef idx="minor">
+            <a:schemeClr val="lt1"/>
+          </a:fontRef>
+        </p:style>
+        <p:txBody>
+          <a:bodyPr vert="horz" wrap="square" lIns="91436" tIns="45718" rIns="91436" bIns="45718" numCol="1" rtlCol="0" anchor="ctr" anchorCtr="0" compatLnSpc="1">
+            <a:prstTxWarp prst="textNoShape">
+              <a:avLst/>
+            </a:prstTxWarp>
+          </a:bodyPr>
+          <a:lstStyle/>
+          <a:p>
+            <a:pPr algn="ctr" defTabSz="914099" fontAlgn="base">
+              <a:spcBef>
+                <a:spcPct val="0"/>
+              </a:spcBef>
+              <a:spcAft>
+                <a:spcPct val="0"/>
+              </a:spcAft>
+            </a:pPr>
+            <a:r>
+              <a:rPr lang="en-US" sz="1600" dirty="0">
+                <a:gradFill>
+                  <a:gsLst>
+                    <a:gs pos="0">
+                      <a:srgbClr val="FFFFFF"/>
+                    </a:gs>
+                    <a:gs pos="100000">
+                      <a:srgbClr val="FFFFFF"/>
+                    </a:gs>
+                  </a:gsLst>
+                  <a:lin ang="5400000" scaled="0"/>
+                </a:gradFill>
+              </a:rPr>
+              <a:t>NC24</a:t>
+            </a:r>
+          </a:p>
+        </p:txBody>
+      </p:sp>
+      <p:sp>
+        <p:nvSpPr>
+          <p:cNvPr id="44" name="Rectangle 43"/>
+          <p:cNvSpPr/>
+          <p:nvPr/>
+        </p:nvSpPr>
+        <p:spPr bwMode="auto">
+          <a:xfrm>
+            <a:off x="6406290" y="2705579"/>
+            <a:ext cx="600473" cy="430306"/>
+          </a:xfrm>
+          <a:prstGeom prst="rect">
+            <a:avLst/>
+          </a:prstGeom>
+          <a:noFill/>
+          <a:ln w="19050">
+            <a:solidFill>
+              <a:schemeClr val="bg2">
+                <a:lumMod val="50000"/>
+              </a:schemeClr>
+            </a:solidFill>
+            <a:headEnd type="none" w="med" len="med"/>
+            <a:tailEnd type="none" w="med" len="med"/>
+          </a:ln>
+          <a:effectLst/>
+        </p:spPr>
+        <p:style>
+          <a:lnRef idx="1">
+            <a:schemeClr val="accent2"/>
+          </a:lnRef>
+          <a:fillRef idx="3">
+            <a:schemeClr val="accent2"/>
+          </a:fillRef>
+          <a:effectRef idx="2">
+            <a:schemeClr val="accent2"/>
+          </a:effectRef>
+          <a:fontRef idx="minor">
+            <a:schemeClr val="lt1"/>
+          </a:fontRef>
+        </p:style>
+        <p:txBody>
+          <a:bodyPr vert="horz" wrap="none" lIns="91436" tIns="45718" rIns="91436" bIns="45718" numCol="1" rtlCol="0" anchor="ctr" anchorCtr="0" compatLnSpc="1">
+            <a:prstTxWarp prst="textNoShape">
+              <a:avLst/>
+            </a:prstTxWarp>
+          </a:bodyPr>
+          <a:lstStyle/>
+          <a:p>
+            <a:pPr algn="ctr" defTabSz="914099" fontAlgn="base">
+              <a:spcBef>
+                <a:spcPct val="0"/>
+              </a:spcBef>
+              <a:spcAft>
+                <a:spcPct val="0"/>
+              </a:spcAft>
+            </a:pPr>
+            <a:r>
+              <a:rPr lang="en-US" sz="1600" dirty="0">
+                <a:solidFill>
+                  <a:schemeClr val="bg2">
+                    <a:lumMod val="50000"/>
+                  </a:schemeClr>
+                </a:solidFill>
+              </a:rPr>
+              <a:t>F1</a:t>
+            </a:r>
+          </a:p>
+        </p:txBody>
+      </p:sp>
+      <p:sp>
+        <p:nvSpPr>
+          <p:cNvPr id="45" name="Rectangle 44"/>
+          <p:cNvSpPr/>
+          <p:nvPr/>
+        </p:nvSpPr>
+        <p:spPr bwMode="auto">
+          <a:xfrm>
+            <a:off x="7059471" y="2705579"/>
+            <a:ext cx="600474" cy="430306"/>
+          </a:xfrm>
+          <a:prstGeom prst="rect">
+            <a:avLst/>
+          </a:prstGeom>
+          <a:noFill/>
+          <a:ln w="19050">
+            <a:solidFill>
+              <a:schemeClr val="bg2">
+                <a:lumMod val="50000"/>
+              </a:schemeClr>
+            </a:solidFill>
+            <a:headEnd type="none" w="med" len="med"/>
+            <a:tailEnd type="none" w="med" len="med"/>
+          </a:ln>
+          <a:effectLst/>
+        </p:spPr>
+        <p:style>
+          <a:lnRef idx="1">
+            <a:schemeClr val="accent2"/>
+          </a:lnRef>
+          <a:fillRef idx="3">
+            <a:schemeClr val="accent2"/>
+          </a:fillRef>
+          <a:effectRef idx="2">
+            <a:schemeClr val="accent2"/>
+          </a:effectRef>
+          <a:fontRef idx="minor">
+            <a:schemeClr val="lt1"/>
+          </a:fontRef>
+        </p:style>
+        <p:txBody>
+          <a:bodyPr vert="horz" wrap="none" lIns="91436" tIns="45718" rIns="91436" bIns="45718" numCol="1" rtlCol="0" anchor="ctr" anchorCtr="0" compatLnSpc="1">
+            <a:prstTxWarp prst="textNoShape">
+              <a:avLst/>
+            </a:prstTxWarp>
+          </a:bodyPr>
+          <a:lstStyle/>
+          <a:p>
+            <a:pPr algn="ctr" defTabSz="914099" fontAlgn="base">
+              <a:spcBef>
+                <a:spcPct val="0"/>
+              </a:spcBef>
+              <a:spcAft>
+                <a:spcPct val="0"/>
+              </a:spcAft>
+            </a:pPr>
+            <a:r>
+              <a:rPr lang="en-US" sz="1600" dirty="0">
+                <a:solidFill>
+                  <a:schemeClr val="bg2">
+                    <a:lumMod val="50000"/>
+                  </a:schemeClr>
+                </a:solidFill>
+              </a:rPr>
+              <a:t>F2</a:t>
+            </a:r>
+          </a:p>
+        </p:txBody>
+      </p:sp>
+      <p:sp>
+        <p:nvSpPr>
+          <p:cNvPr id="46" name="Rectangle 45"/>
+          <p:cNvSpPr/>
+          <p:nvPr/>
+        </p:nvSpPr>
+        <p:spPr bwMode="auto">
+          <a:xfrm>
+            <a:off x="7712652" y="2705579"/>
+            <a:ext cx="600474" cy="430306"/>
+          </a:xfrm>
+          <a:prstGeom prst="rect">
+            <a:avLst/>
+          </a:prstGeom>
+          <a:noFill/>
+          <a:ln w="19050">
+            <a:solidFill>
+              <a:schemeClr val="bg2">
+                <a:lumMod val="50000"/>
+              </a:schemeClr>
+            </a:solidFill>
+            <a:headEnd type="none" w="med" len="med"/>
+            <a:tailEnd type="none" w="med" len="med"/>
+          </a:ln>
+          <a:effectLst/>
+        </p:spPr>
+        <p:style>
+          <a:lnRef idx="1">
+            <a:schemeClr val="accent2"/>
+          </a:lnRef>
+          <a:fillRef idx="3">
+            <a:schemeClr val="accent2"/>
+          </a:fillRef>
+          <a:effectRef idx="2">
+            <a:schemeClr val="accent2"/>
+          </a:effectRef>
+          <a:fontRef idx="minor">
+            <a:schemeClr val="lt1"/>
+          </a:fontRef>
+        </p:style>
+        <p:txBody>
+          <a:bodyPr vert="horz" wrap="none" lIns="91436" tIns="45718" rIns="91436" bIns="45718" numCol="1" rtlCol="0" anchor="ctr" anchorCtr="0" compatLnSpc="1">
+            <a:prstTxWarp prst="textNoShape">
+              <a:avLst/>
+            </a:prstTxWarp>
+          </a:bodyPr>
+          <a:lstStyle/>
+          <a:p>
+            <a:pPr algn="ctr" defTabSz="914099" fontAlgn="base">
+              <a:spcBef>
+                <a:spcPct val="0"/>
+              </a:spcBef>
+              <a:spcAft>
+                <a:spcPct val="0"/>
+              </a:spcAft>
+            </a:pPr>
+            <a:r>
+              <a:rPr lang="en-US" sz="1600" dirty="0">
+                <a:solidFill>
+                  <a:schemeClr val="bg2">
+                    <a:lumMod val="50000"/>
+                  </a:schemeClr>
+                </a:solidFill>
+              </a:rPr>
+              <a:t>F4</a:t>
+            </a:r>
+          </a:p>
+        </p:txBody>
+      </p:sp>
+      <p:sp>
+        <p:nvSpPr>
+          <p:cNvPr id="47" name="Rectangle 46"/>
+          <p:cNvSpPr/>
+          <p:nvPr/>
+        </p:nvSpPr>
+        <p:spPr bwMode="auto">
+          <a:xfrm>
+            <a:off x="8365833" y="2705579"/>
+            <a:ext cx="600474" cy="430306"/>
+          </a:xfrm>
+          <a:prstGeom prst="rect">
+            <a:avLst/>
+          </a:prstGeom>
+          <a:noFill/>
+          <a:ln w="19050">
+            <a:solidFill>
+              <a:schemeClr val="bg2">
+                <a:lumMod val="50000"/>
+              </a:schemeClr>
+            </a:solidFill>
+            <a:headEnd type="none" w="med" len="med"/>
+            <a:tailEnd type="none" w="med" len="med"/>
+          </a:ln>
+          <a:effectLst/>
+        </p:spPr>
+        <p:style>
+          <a:lnRef idx="1">
+            <a:schemeClr val="accent2"/>
+          </a:lnRef>
+          <a:fillRef idx="3">
+            <a:schemeClr val="accent2"/>
+          </a:fillRef>
+          <a:effectRef idx="2">
+            <a:schemeClr val="accent2"/>
+          </a:effectRef>
+          <a:fontRef idx="minor">
+            <a:schemeClr val="lt1"/>
+          </a:fontRef>
+        </p:style>
+        <p:txBody>
+          <a:bodyPr vert="horz" wrap="none" lIns="91436" tIns="45718" rIns="91436" bIns="45718" numCol="1" rtlCol="0" anchor="ctr" anchorCtr="0" compatLnSpc="1">
+            <a:prstTxWarp prst="textNoShape">
+              <a:avLst/>
+            </a:prstTxWarp>
+          </a:bodyPr>
+          <a:lstStyle/>
+          <a:p>
+            <a:pPr algn="ctr" defTabSz="914099" fontAlgn="base">
+              <a:spcBef>
+                <a:spcPct val="0"/>
+              </a:spcBef>
+              <a:spcAft>
+                <a:spcPct val="0"/>
+              </a:spcAft>
+            </a:pPr>
+            <a:r>
+              <a:rPr lang="en-US" sz="1600" dirty="0">
+                <a:solidFill>
+                  <a:schemeClr val="bg2">
+                    <a:lumMod val="50000"/>
+                  </a:schemeClr>
+                </a:solidFill>
+              </a:rPr>
+              <a:t>F8</a:t>
+            </a:r>
+          </a:p>
+        </p:txBody>
+      </p:sp>
+      <p:sp>
+        <p:nvSpPr>
+          <p:cNvPr id="48" name="Rectangle 47"/>
+          <p:cNvSpPr/>
+          <p:nvPr/>
+        </p:nvSpPr>
+        <p:spPr bwMode="auto">
+          <a:xfrm>
+            <a:off x="6406290" y="3220586"/>
+            <a:ext cx="600473" cy="430306"/>
+          </a:xfrm>
+          <a:prstGeom prst="rect">
+            <a:avLst/>
+          </a:prstGeom>
+          <a:noFill/>
+          <a:ln w="19050">
+            <a:solidFill>
+              <a:schemeClr val="bg2">
+                <a:lumMod val="50000"/>
+              </a:schemeClr>
+            </a:solidFill>
+            <a:headEnd type="none" w="med" len="med"/>
+            <a:tailEnd type="none" w="med" len="med"/>
+          </a:ln>
+          <a:effectLst/>
+        </p:spPr>
+        <p:style>
+          <a:lnRef idx="1">
+            <a:schemeClr val="accent2"/>
+          </a:lnRef>
+          <a:fillRef idx="3">
+            <a:schemeClr val="accent2"/>
+          </a:fillRef>
+          <a:effectRef idx="2">
+            <a:schemeClr val="accent2"/>
+          </a:effectRef>
+          <a:fontRef idx="minor">
+            <a:schemeClr val="lt1"/>
+          </a:fontRef>
+        </p:style>
+        <p:txBody>
+          <a:bodyPr vert="horz" wrap="none" lIns="91436" tIns="45718" rIns="91436" bIns="45718" numCol="1" rtlCol="0" anchor="ctr" anchorCtr="0" compatLnSpc="1">
+            <a:prstTxWarp prst="textNoShape">
+              <a:avLst/>
+            </a:prstTxWarp>
+          </a:bodyPr>
+          <a:lstStyle/>
+          <a:p>
+            <a:pPr algn="ctr" defTabSz="914099" fontAlgn="base">
+              <a:spcBef>
+                <a:spcPct val="0"/>
+              </a:spcBef>
+              <a:spcAft>
+                <a:spcPct val="0"/>
+              </a:spcAft>
+            </a:pPr>
+            <a:r>
+              <a:rPr lang="en-US" sz="1600" dirty="0">
+                <a:solidFill>
+                  <a:schemeClr val="bg2">
+                    <a:lumMod val="50000"/>
+                  </a:schemeClr>
+                </a:solidFill>
+              </a:rPr>
+              <a:t>F16</a:t>
+            </a:r>
+          </a:p>
+        </p:txBody>
+      </p:sp>
+      <p:sp>
+        <p:nvSpPr>
+          <p:cNvPr id="49" name="TextBox 48"/>
+          <p:cNvSpPr txBox="1"/>
+          <p:nvPr/>
+        </p:nvSpPr>
+        <p:spPr>
+          <a:xfrm>
+            <a:off x="6406290" y="2458339"/>
+            <a:ext cx="2173159" cy="221599"/>
+          </a:xfrm>
+          <a:prstGeom prst="rect">
+            <a:avLst/>
+          </a:prstGeom>
+          <a:noFill/>
+        </p:spPr>
+        <p:txBody>
+          <a:bodyPr wrap="none" lIns="0" tIns="0" rIns="0" bIns="0" rtlCol="0">
+            <a:spAutoFit/>
+          </a:bodyPr>
+          <a:lstStyle/>
+          <a:p>
+            <a:pPr>
+              <a:lnSpc>
+                <a:spcPct val="90000"/>
+              </a:lnSpc>
+              <a:spcBef>
+                <a:spcPct val="20000"/>
+              </a:spcBef>
+              <a:buSzPct val="80000"/>
+            </a:pPr>
+            <a:r>
+              <a:rPr lang="en-US" sz="1600" dirty="0" smtClean="0">
+                <a:gradFill>
+                  <a:gsLst>
+                    <a:gs pos="0">
+                      <a:srgbClr val="292929">
+                        <a:lumMod val="90000"/>
+                        <a:lumOff val="10000"/>
+                      </a:srgbClr>
+                    </a:gs>
+                    <a:gs pos="86000">
+                      <a:srgbClr val="292929">
+                        <a:lumMod val="90000"/>
+                        <a:lumOff val="10000"/>
+                      </a:srgbClr>
+                    </a:gs>
+                  </a:gsLst>
+                  <a:lin ang="5400000" scaled="0"/>
+                </a:gradFill>
+              </a:rPr>
+              <a:t>Also available in Fs sizes</a:t>
+            </a:r>
+            <a:endParaRPr lang="en-US" sz="1600" dirty="0">
+              <a:gradFill>
+                <a:gsLst>
+                  <a:gs pos="0">
+                    <a:srgbClr val="292929">
+                      <a:lumMod val="90000"/>
+                      <a:lumOff val="10000"/>
+                    </a:srgbClr>
+                  </a:gs>
+                  <a:gs pos="86000">
+                    <a:srgbClr val="292929">
+                      <a:lumMod val="90000"/>
+                      <a:lumOff val="10000"/>
+                    </a:srgbClr>
+                  </a:gs>
+                </a:gsLst>
+                <a:lin ang="5400000" scaled="0"/>
+              </a:gradFill>
+            </a:endParaRPr>
+          </a:p>
+        </p:txBody>
+      </p:sp>
+      <p:sp>
+        <p:nvSpPr>
+          <p:cNvPr id="50" name="Rectangle 49"/>
+          <p:cNvSpPr/>
+          <p:nvPr/>
+        </p:nvSpPr>
+        <p:spPr bwMode="auto">
+          <a:xfrm>
+            <a:off x="6406290" y="4130177"/>
+            <a:ext cx="600473" cy="430306"/>
+          </a:xfrm>
+          <a:prstGeom prst="rect">
+            <a:avLst/>
+          </a:prstGeom>
+          <a:solidFill>
+            <a:schemeClr val="bg2">
+              <a:lumMod val="90000"/>
+            </a:schemeClr>
+          </a:solidFill>
+          <a:ln w="19050">
+            <a:solidFill>
+              <a:schemeClr val="bg2">
+                <a:lumMod val="50000"/>
+              </a:schemeClr>
+            </a:solidFill>
+            <a:headEnd type="none" w="med" len="med"/>
+            <a:tailEnd type="none" w="med" len="med"/>
+          </a:ln>
+          <a:effectLst/>
+        </p:spPr>
+        <p:style>
+          <a:lnRef idx="1">
+            <a:schemeClr val="accent2"/>
+          </a:lnRef>
+          <a:fillRef idx="3">
+            <a:schemeClr val="accent2"/>
+          </a:fillRef>
+          <a:effectRef idx="2">
+            <a:schemeClr val="accent2"/>
+          </a:effectRef>
+          <a:fontRef idx="minor">
+            <a:schemeClr val="lt1"/>
+          </a:fontRef>
+        </p:style>
+        <p:txBody>
+          <a:bodyPr vert="horz" wrap="none" lIns="91436" tIns="45718" rIns="91436" bIns="45718" numCol="1" rtlCol="0" anchor="ctr" anchorCtr="0" compatLnSpc="1">
+            <a:prstTxWarp prst="textNoShape">
+              <a:avLst/>
+            </a:prstTxWarp>
+          </a:bodyPr>
+          <a:lstStyle/>
+          <a:p>
+            <a:pPr algn="ctr" defTabSz="914099" fontAlgn="base">
+              <a:spcBef>
+                <a:spcPct val="0"/>
+              </a:spcBef>
+              <a:spcAft>
+                <a:spcPct val="0"/>
+              </a:spcAft>
+            </a:pPr>
+            <a:r>
+              <a:rPr lang="en-US" sz="1600" dirty="0">
+                <a:solidFill>
+                  <a:schemeClr val="bg2">
+                    <a:lumMod val="50000"/>
+                  </a:schemeClr>
+                </a:solidFill>
+              </a:rPr>
+              <a:t>G1</a:t>
+            </a:r>
+          </a:p>
+        </p:txBody>
+      </p:sp>
+      <p:sp>
+        <p:nvSpPr>
+          <p:cNvPr id="51" name="Rectangle 50"/>
+          <p:cNvSpPr/>
+          <p:nvPr/>
+        </p:nvSpPr>
+        <p:spPr bwMode="auto">
+          <a:xfrm>
+            <a:off x="7059471" y="4130177"/>
+            <a:ext cx="600474" cy="430306"/>
+          </a:xfrm>
+          <a:prstGeom prst="rect">
+            <a:avLst/>
+          </a:prstGeom>
+          <a:solidFill>
+            <a:schemeClr val="bg2">
+              <a:lumMod val="90000"/>
+            </a:schemeClr>
+          </a:solidFill>
+          <a:ln w="19050">
+            <a:solidFill>
+              <a:schemeClr val="bg2">
+                <a:lumMod val="50000"/>
+              </a:schemeClr>
+            </a:solidFill>
+            <a:headEnd type="none" w="med" len="med"/>
+            <a:tailEnd type="none" w="med" len="med"/>
+          </a:ln>
+          <a:effectLst/>
+        </p:spPr>
+        <p:style>
+          <a:lnRef idx="1">
+            <a:schemeClr val="accent2"/>
+          </a:lnRef>
+          <a:fillRef idx="3">
+            <a:schemeClr val="accent2"/>
+          </a:fillRef>
+          <a:effectRef idx="2">
+            <a:schemeClr val="accent2"/>
+          </a:effectRef>
+          <a:fontRef idx="minor">
+            <a:schemeClr val="lt1"/>
+          </a:fontRef>
+        </p:style>
+        <p:txBody>
+          <a:bodyPr vert="horz" wrap="none" lIns="91436" tIns="45718" rIns="91436" bIns="45718" numCol="1" rtlCol="0" anchor="ctr" anchorCtr="0" compatLnSpc="1">
+            <a:prstTxWarp prst="textNoShape">
+              <a:avLst/>
+            </a:prstTxWarp>
+          </a:bodyPr>
+          <a:lstStyle/>
+          <a:p>
+            <a:pPr algn="ctr" defTabSz="914099" fontAlgn="base">
+              <a:spcBef>
+                <a:spcPct val="0"/>
+              </a:spcBef>
+              <a:spcAft>
+                <a:spcPct val="0"/>
+              </a:spcAft>
+            </a:pPr>
+            <a:r>
+              <a:rPr lang="en-US" sz="1600" dirty="0">
+                <a:solidFill>
+                  <a:schemeClr val="bg2">
+                    <a:lumMod val="50000"/>
+                  </a:schemeClr>
+                </a:solidFill>
+              </a:rPr>
+              <a:t>G2</a:t>
+            </a:r>
+          </a:p>
+        </p:txBody>
+      </p:sp>
+      <p:sp>
+        <p:nvSpPr>
+          <p:cNvPr id="52" name="Rectangle 51"/>
+          <p:cNvSpPr/>
+          <p:nvPr/>
+        </p:nvSpPr>
+        <p:spPr bwMode="auto">
+          <a:xfrm>
+            <a:off x="7712652" y="4130177"/>
+            <a:ext cx="600474" cy="430306"/>
+          </a:xfrm>
+          <a:prstGeom prst="rect">
+            <a:avLst/>
+          </a:prstGeom>
+          <a:solidFill>
+            <a:schemeClr val="bg2">
+              <a:lumMod val="90000"/>
+            </a:schemeClr>
+          </a:solidFill>
+          <a:ln w="19050">
+            <a:solidFill>
+              <a:schemeClr val="bg2">
+                <a:lumMod val="50000"/>
+              </a:schemeClr>
+            </a:solidFill>
+            <a:headEnd type="none" w="med" len="med"/>
+            <a:tailEnd type="none" w="med" len="med"/>
+          </a:ln>
+          <a:effectLst/>
+        </p:spPr>
+        <p:style>
+          <a:lnRef idx="1">
+            <a:schemeClr val="accent2"/>
+          </a:lnRef>
+          <a:fillRef idx="3">
+            <a:schemeClr val="accent2"/>
+          </a:fillRef>
+          <a:effectRef idx="2">
+            <a:schemeClr val="accent2"/>
+          </a:effectRef>
+          <a:fontRef idx="minor">
+            <a:schemeClr val="lt1"/>
+          </a:fontRef>
+        </p:style>
+        <p:txBody>
+          <a:bodyPr vert="horz" wrap="none" lIns="91436" tIns="45718" rIns="91436" bIns="45718" numCol="1" rtlCol="0" anchor="ctr" anchorCtr="0" compatLnSpc="1">
+            <a:prstTxWarp prst="textNoShape">
+              <a:avLst/>
+            </a:prstTxWarp>
+          </a:bodyPr>
+          <a:lstStyle/>
+          <a:p>
+            <a:pPr algn="ctr" defTabSz="914099" fontAlgn="base">
+              <a:spcBef>
+                <a:spcPct val="0"/>
+              </a:spcBef>
+              <a:spcAft>
+                <a:spcPct val="0"/>
+              </a:spcAft>
+            </a:pPr>
+            <a:r>
+              <a:rPr lang="en-US" sz="1600" dirty="0">
+                <a:solidFill>
+                  <a:schemeClr val="bg2">
+                    <a:lumMod val="50000"/>
+                  </a:schemeClr>
+                </a:solidFill>
+              </a:rPr>
+              <a:t>G3</a:t>
+            </a:r>
+          </a:p>
+        </p:txBody>
+      </p:sp>
+      <p:sp>
+        <p:nvSpPr>
+          <p:cNvPr id="53" name="Rectangle 52"/>
+          <p:cNvSpPr/>
+          <p:nvPr/>
+        </p:nvSpPr>
+        <p:spPr bwMode="auto">
+          <a:xfrm>
+            <a:off x="8365833" y="4130177"/>
+            <a:ext cx="600474" cy="430306"/>
+          </a:xfrm>
+          <a:prstGeom prst="rect">
+            <a:avLst/>
+          </a:prstGeom>
+          <a:solidFill>
+            <a:schemeClr val="bg2">
+              <a:lumMod val="90000"/>
+            </a:schemeClr>
+          </a:solidFill>
+          <a:ln w="19050">
+            <a:solidFill>
+              <a:schemeClr val="bg2">
+                <a:lumMod val="50000"/>
+              </a:schemeClr>
+            </a:solidFill>
+            <a:headEnd type="none" w="med" len="med"/>
+            <a:tailEnd type="none" w="med" len="med"/>
+          </a:ln>
+          <a:effectLst/>
+        </p:spPr>
+        <p:style>
+          <a:lnRef idx="1">
+            <a:schemeClr val="accent2"/>
+          </a:lnRef>
+          <a:fillRef idx="3">
+            <a:schemeClr val="accent2"/>
+          </a:fillRef>
+          <a:effectRef idx="2">
+            <a:schemeClr val="accent2"/>
+          </a:effectRef>
+          <a:fontRef idx="minor">
+            <a:schemeClr val="lt1"/>
+          </a:fontRef>
+        </p:style>
+        <p:txBody>
+          <a:bodyPr vert="horz" wrap="none" lIns="91436" tIns="45718" rIns="91436" bIns="45718" numCol="1" rtlCol="0" anchor="ctr" anchorCtr="0" compatLnSpc="1">
+            <a:prstTxWarp prst="textNoShape">
+              <a:avLst/>
+            </a:prstTxWarp>
+          </a:bodyPr>
+          <a:lstStyle/>
+          <a:p>
+            <a:pPr algn="ctr" defTabSz="914099" fontAlgn="base">
+              <a:spcBef>
+                <a:spcPct val="0"/>
+              </a:spcBef>
+              <a:spcAft>
+                <a:spcPct val="0"/>
+              </a:spcAft>
+            </a:pPr>
+            <a:r>
+              <a:rPr lang="en-US" sz="1600" dirty="0">
+                <a:solidFill>
+                  <a:schemeClr val="bg2">
+                    <a:lumMod val="50000"/>
+                  </a:schemeClr>
+                </a:solidFill>
+              </a:rPr>
+              <a:t>G4</a:t>
+            </a:r>
+          </a:p>
+        </p:txBody>
+      </p:sp>
+      <p:sp>
+        <p:nvSpPr>
+          <p:cNvPr id="54" name="Rectangle 53"/>
+          <p:cNvSpPr/>
+          <p:nvPr/>
+        </p:nvSpPr>
+        <p:spPr bwMode="auto">
+          <a:xfrm>
+            <a:off x="6406290" y="4645184"/>
+            <a:ext cx="600473" cy="430306"/>
+          </a:xfrm>
+          <a:prstGeom prst="rect">
+            <a:avLst/>
+          </a:prstGeom>
+          <a:solidFill>
+            <a:schemeClr val="bg2">
+              <a:lumMod val="90000"/>
+            </a:schemeClr>
+          </a:solidFill>
+          <a:ln w="19050">
+            <a:solidFill>
+              <a:schemeClr val="bg2">
+                <a:lumMod val="50000"/>
+              </a:schemeClr>
+            </a:solidFill>
+            <a:headEnd type="none" w="med" len="med"/>
+            <a:tailEnd type="none" w="med" len="med"/>
+          </a:ln>
+          <a:effectLst/>
+        </p:spPr>
+        <p:style>
+          <a:lnRef idx="1">
+            <a:schemeClr val="accent2"/>
+          </a:lnRef>
+          <a:fillRef idx="3">
+            <a:schemeClr val="accent2"/>
+          </a:fillRef>
+          <a:effectRef idx="2">
+            <a:schemeClr val="accent2"/>
+          </a:effectRef>
+          <a:fontRef idx="minor">
+            <a:schemeClr val="lt1"/>
+          </a:fontRef>
+        </p:style>
+        <p:txBody>
+          <a:bodyPr vert="horz" wrap="none" lIns="91436" tIns="45718" rIns="91436" bIns="45718" numCol="1" rtlCol="0" anchor="ctr" anchorCtr="0" compatLnSpc="1">
+            <a:prstTxWarp prst="textNoShape">
+              <a:avLst/>
+            </a:prstTxWarp>
+          </a:bodyPr>
+          <a:lstStyle/>
+          <a:p>
+            <a:pPr algn="ctr" defTabSz="914099" fontAlgn="base">
+              <a:spcBef>
+                <a:spcPct val="0"/>
+              </a:spcBef>
+              <a:spcAft>
+                <a:spcPct val="0"/>
+              </a:spcAft>
+            </a:pPr>
+            <a:r>
+              <a:rPr lang="en-US" sz="1600" dirty="0">
+                <a:solidFill>
+                  <a:schemeClr val="bg2">
+                    <a:lumMod val="50000"/>
+                  </a:schemeClr>
+                </a:solidFill>
+              </a:rPr>
+              <a:t>G5</a:t>
+            </a:r>
+          </a:p>
+        </p:txBody>
+      </p:sp>
+      <p:sp>
+        <p:nvSpPr>
+          <p:cNvPr id="55" name="TextBox 54"/>
+          <p:cNvSpPr txBox="1"/>
+          <p:nvPr/>
+        </p:nvSpPr>
+        <p:spPr>
+          <a:xfrm>
+            <a:off x="6406290" y="3882937"/>
+            <a:ext cx="2235677" cy="221599"/>
+          </a:xfrm>
+          <a:prstGeom prst="rect">
+            <a:avLst/>
+          </a:prstGeom>
+          <a:noFill/>
+        </p:spPr>
+        <p:txBody>
+          <a:bodyPr wrap="none" lIns="0" tIns="0" rIns="0" bIns="0" rtlCol="0">
+            <a:spAutoFit/>
+          </a:bodyPr>
+          <a:lstStyle/>
+          <a:p>
+            <a:pPr>
+              <a:lnSpc>
+                <a:spcPct val="90000"/>
+              </a:lnSpc>
+              <a:spcBef>
+                <a:spcPct val="20000"/>
+              </a:spcBef>
+              <a:buSzPct val="80000"/>
+            </a:pPr>
+            <a:r>
+              <a:rPr lang="en-US" sz="1600" dirty="0" smtClean="0">
+                <a:gradFill>
+                  <a:gsLst>
+                    <a:gs pos="0">
+                      <a:srgbClr val="292929">
+                        <a:lumMod val="90000"/>
+                        <a:lumOff val="10000"/>
+                      </a:srgbClr>
+                    </a:gs>
+                    <a:gs pos="86000">
+                      <a:srgbClr val="292929">
+                        <a:lumMod val="90000"/>
+                        <a:lumOff val="10000"/>
+                      </a:srgbClr>
+                    </a:gs>
+                  </a:gsLst>
+                  <a:lin ang="5400000" scaled="0"/>
+                </a:gradFill>
+              </a:rPr>
+              <a:t>Also available in GS sizes</a:t>
+            </a:r>
+            <a:endParaRPr lang="en-US" sz="1600" dirty="0">
+              <a:gradFill>
+                <a:gsLst>
+                  <a:gs pos="0">
+                    <a:srgbClr val="292929">
+                      <a:lumMod val="90000"/>
+                      <a:lumOff val="10000"/>
+                    </a:srgbClr>
+                  </a:gs>
+                  <a:gs pos="86000">
+                    <a:srgbClr val="292929">
+                      <a:lumMod val="90000"/>
+                      <a:lumOff val="10000"/>
+                    </a:srgbClr>
+                  </a:gs>
+                </a:gsLst>
+                <a:lin ang="5400000" scaled="0"/>
+              </a:gradFill>
+            </a:endParaRPr>
+          </a:p>
+        </p:txBody>
+      </p:sp>
+      <p:sp>
+        <p:nvSpPr>
+          <p:cNvPr id="56" name="Rectangle 55"/>
+          <p:cNvSpPr/>
+          <p:nvPr/>
+        </p:nvSpPr>
+        <p:spPr bwMode="auto">
+          <a:xfrm>
+            <a:off x="3324306" y="4123850"/>
+            <a:ext cx="600473" cy="430306"/>
+          </a:xfrm>
+          <a:prstGeom prst="rect">
+            <a:avLst/>
+          </a:prstGeom>
+          <a:solidFill>
+            <a:schemeClr val="accent3"/>
+          </a:solidFill>
+          <a:ln w="19050">
+            <a:noFill/>
+            <a:headEnd type="none" w="med" len="med"/>
+            <a:tailEnd type="none" w="med" len="med"/>
+          </a:ln>
+          <a:effectLst/>
+        </p:spPr>
+        <p:style>
+          <a:lnRef idx="1">
+            <a:schemeClr val="accent2"/>
+          </a:lnRef>
+          <a:fillRef idx="3">
+            <a:schemeClr val="accent2"/>
+          </a:fillRef>
+          <a:effectRef idx="2">
+            <a:schemeClr val="accent2"/>
+          </a:effectRef>
+          <a:fontRef idx="minor">
+            <a:schemeClr val="lt1"/>
+          </a:fontRef>
+        </p:style>
+        <p:txBody>
+          <a:bodyPr vert="horz" wrap="none" lIns="91436" tIns="45718" rIns="91436" bIns="45718" numCol="1" rtlCol="0" anchor="ctr" anchorCtr="0" compatLnSpc="1">
+            <a:prstTxWarp prst="textNoShape">
+              <a:avLst/>
+            </a:prstTxWarp>
+          </a:bodyPr>
+          <a:lstStyle/>
+          <a:p>
+            <a:pPr algn="ctr" defTabSz="914099" fontAlgn="base">
+              <a:spcBef>
+                <a:spcPct val="0"/>
+              </a:spcBef>
+              <a:spcAft>
+                <a:spcPct val="0"/>
+              </a:spcAft>
+            </a:pPr>
+            <a:r>
+              <a:rPr lang="en-US" sz="1600" dirty="0" smtClean="0">
+                <a:solidFill>
+                  <a:schemeClr val="bg1"/>
+                </a:solidFill>
+              </a:rPr>
+              <a:t>D1v2</a:t>
+            </a:r>
+            <a:endParaRPr lang="en-US" sz="1600" dirty="0">
+              <a:solidFill>
+                <a:schemeClr val="bg1"/>
+              </a:solidFill>
+            </a:endParaRPr>
+          </a:p>
+        </p:txBody>
+      </p:sp>
+      <p:sp>
+        <p:nvSpPr>
+          <p:cNvPr id="57" name="Rectangle 56"/>
+          <p:cNvSpPr/>
+          <p:nvPr/>
+        </p:nvSpPr>
+        <p:spPr bwMode="auto">
+          <a:xfrm>
+            <a:off x="3977487" y="4123850"/>
+            <a:ext cx="600474" cy="430306"/>
+          </a:xfrm>
+          <a:prstGeom prst="rect">
+            <a:avLst/>
+          </a:prstGeom>
+          <a:solidFill>
+            <a:schemeClr val="accent3"/>
+          </a:solidFill>
+          <a:ln w="19050">
+            <a:noFill/>
+            <a:headEnd type="none" w="med" len="med"/>
+            <a:tailEnd type="none" w="med" len="med"/>
+          </a:ln>
+          <a:effectLst/>
+        </p:spPr>
+        <p:style>
+          <a:lnRef idx="1">
+            <a:schemeClr val="accent2"/>
+          </a:lnRef>
+          <a:fillRef idx="3">
+            <a:schemeClr val="accent2"/>
+          </a:fillRef>
+          <a:effectRef idx="2">
+            <a:schemeClr val="accent2"/>
+          </a:effectRef>
+          <a:fontRef idx="minor">
+            <a:schemeClr val="lt1"/>
+          </a:fontRef>
+        </p:style>
+        <p:txBody>
+          <a:bodyPr vert="horz" wrap="none" lIns="91436" tIns="45718" rIns="91436" bIns="45718" numCol="1" rtlCol="0" anchor="ctr" anchorCtr="0" compatLnSpc="1">
+            <a:prstTxWarp prst="textNoShape">
+              <a:avLst/>
+            </a:prstTxWarp>
+          </a:bodyPr>
+          <a:lstStyle/>
+          <a:p>
+            <a:pPr algn="ctr" defTabSz="914099" fontAlgn="base">
+              <a:spcBef>
+                <a:spcPct val="0"/>
+              </a:spcBef>
+              <a:spcAft>
+                <a:spcPct val="0"/>
+              </a:spcAft>
+            </a:pPr>
+            <a:r>
+              <a:rPr lang="en-US" sz="1600" dirty="0" smtClean="0">
+                <a:solidFill>
+                  <a:schemeClr val="bg1"/>
+                </a:solidFill>
+              </a:rPr>
+              <a:t>D2v2</a:t>
+            </a:r>
+            <a:endParaRPr lang="en-US" sz="1600" dirty="0">
+              <a:solidFill>
+                <a:schemeClr val="bg1"/>
+              </a:solidFill>
+            </a:endParaRPr>
+          </a:p>
+        </p:txBody>
+      </p:sp>
+      <p:sp>
+        <p:nvSpPr>
+          <p:cNvPr id="58" name="Rectangle 57"/>
+          <p:cNvSpPr/>
+          <p:nvPr/>
+        </p:nvSpPr>
+        <p:spPr bwMode="auto">
+          <a:xfrm>
+            <a:off x="4630668" y="4123850"/>
+            <a:ext cx="600474" cy="430306"/>
+          </a:xfrm>
+          <a:prstGeom prst="rect">
+            <a:avLst/>
+          </a:prstGeom>
+          <a:solidFill>
+            <a:schemeClr val="accent3"/>
+          </a:solidFill>
+          <a:ln w="19050">
+            <a:noFill/>
+            <a:headEnd type="none" w="med" len="med"/>
+            <a:tailEnd type="none" w="med" len="med"/>
+          </a:ln>
+          <a:effectLst/>
+        </p:spPr>
+        <p:style>
+          <a:lnRef idx="1">
+            <a:schemeClr val="accent2"/>
+          </a:lnRef>
+          <a:fillRef idx="3">
+            <a:schemeClr val="accent2"/>
+          </a:fillRef>
+          <a:effectRef idx="2">
+            <a:schemeClr val="accent2"/>
+          </a:effectRef>
+          <a:fontRef idx="minor">
+            <a:schemeClr val="lt1"/>
+          </a:fontRef>
+        </p:style>
+        <p:txBody>
+          <a:bodyPr vert="horz" wrap="none" lIns="91436" tIns="45718" rIns="91436" bIns="45718" numCol="1" rtlCol="0" anchor="ctr" anchorCtr="0" compatLnSpc="1">
+            <a:prstTxWarp prst="textNoShape">
+              <a:avLst/>
+            </a:prstTxWarp>
+          </a:bodyPr>
+          <a:lstStyle/>
+          <a:p>
+            <a:pPr algn="ctr" defTabSz="914099" fontAlgn="base">
+              <a:spcBef>
+                <a:spcPct val="0"/>
+              </a:spcBef>
+              <a:spcAft>
+                <a:spcPct val="0"/>
+              </a:spcAft>
+            </a:pPr>
+            <a:r>
+              <a:rPr lang="en-US" sz="1600" dirty="0" smtClean="0">
+                <a:solidFill>
+                  <a:schemeClr val="bg1"/>
+                </a:solidFill>
+              </a:rPr>
+              <a:t>D3v2</a:t>
+            </a:r>
+            <a:endParaRPr lang="en-US" sz="1600" dirty="0">
+              <a:solidFill>
+                <a:schemeClr val="bg1"/>
+              </a:solidFill>
+            </a:endParaRPr>
+          </a:p>
+        </p:txBody>
+      </p:sp>
+      <p:sp>
+        <p:nvSpPr>
+          <p:cNvPr id="59" name="Rectangle 58"/>
+          <p:cNvSpPr/>
+          <p:nvPr/>
+        </p:nvSpPr>
+        <p:spPr bwMode="auto">
+          <a:xfrm>
+            <a:off x="5283849" y="4123850"/>
+            <a:ext cx="600474" cy="430306"/>
+          </a:xfrm>
+          <a:prstGeom prst="rect">
+            <a:avLst/>
+          </a:prstGeom>
+          <a:solidFill>
+            <a:schemeClr val="accent3"/>
+          </a:solidFill>
+          <a:ln w="19050">
+            <a:noFill/>
+            <a:headEnd type="none" w="med" len="med"/>
+            <a:tailEnd type="none" w="med" len="med"/>
+          </a:ln>
+          <a:effectLst/>
+        </p:spPr>
+        <p:style>
+          <a:lnRef idx="1">
+            <a:schemeClr val="accent2"/>
+          </a:lnRef>
+          <a:fillRef idx="3">
+            <a:schemeClr val="accent2"/>
+          </a:fillRef>
+          <a:effectRef idx="2">
+            <a:schemeClr val="accent2"/>
+          </a:effectRef>
+          <a:fontRef idx="minor">
+            <a:schemeClr val="lt1"/>
+          </a:fontRef>
+        </p:style>
+        <p:txBody>
+          <a:bodyPr vert="horz" wrap="none" lIns="91436" tIns="45718" rIns="91436" bIns="45718" numCol="1" rtlCol="0" anchor="ctr" anchorCtr="0" compatLnSpc="1">
+            <a:prstTxWarp prst="textNoShape">
+              <a:avLst/>
+            </a:prstTxWarp>
+          </a:bodyPr>
+          <a:lstStyle/>
+          <a:p>
+            <a:pPr algn="ctr" defTabSz="914099" fontAlgn="base">
+              <a:spcBef>
+                <a:spcPct val="0"/>
+              </a:spcBef>
+              <a:spcAft>
+                <a:spcPct val="0"/>
+              </a:spcAft>
+            </a:pPr>
+            <a:r>
+              <a:rPr lang="en-US" sz="1600" dirty="0" smtClean="0">
+                <a:solidFill>
+                  <a:schemeClr val="bg1"/>
+                </a:solidFill>
+              </a:rPr>
+              <a:t>D4v2</a:t>
+            </a:r>
+            <a:endParaRPr lang="en-US" sz="1600" dirty="0">
+              <a:solidFill>
+                <a:schemeClr val="bg1"/>
+              </a:solidFill>
+            </a:endParaRPr>
+          </a:p>
+        </p:txBody>
+      </p:sp>
+      <p:sp>
+        <p:nvSpPr>
+          <p:cNvPr id="60" name="Rectangle 59"/>
+          <p:cNvSpPr/>
+          <p:nvPr/>
+        </p:nvSpPr>
+        <p:spPr bwMode="auto">
+          <a:xfrm>
+            <a:off x="3324306" y="4638857"/>
+            <a:ext cx="600474" cy="430306"/>
+          </a:xfrm>
+          <a:prstGeom prst="rect">
+            <a:avLst/>
+          </a:prstGeom>
+          <a:solidFill>
+            <a:schemeClr val="accent3"/>
+          </a:solidFill>
+          <a:ln w="19050">
+            <a:noFill/>
+            <a:headEnd type="none" w="med" len="med"/>
+            <a:tailEnd type="none" w="med" len="med"/>
+          </a:ln>
+          <a:effectLst/>
+        </p:spPr>
+        <p:style>
+          <a:lnRef idx="1">
+            <a:schemeClr val="accent2"/>
+          </a:lnRef>
+          <a:fillRef idx="3">
+            <a:schemeClr val="accent2"/>
+          </a:fillRef>
+          <a:effectRef idx="2">
+            <a:schemeClr val="accent2"/>
+          </a:effectRef>
+          <a:fontRef idx="minor">
+            <a:schemeClr val="lt1"/>
+          </a:fontRef>
+        </p:style>
+        <p:txBody>
+          <a:bodyPr vert="horz" wrap="none" lIns="91436" tIns="45718" rIns="91436" bIns="45718" numCol="1" rtlCol="0" anchor="ctr" anchorCtr="0" compatLnSpc="1">
+            <a:prstTxWarp prst="textNoShape">
+              <a:avLst/>
+            </a:prstTxWarp>
+          </a:bodyPr>
+          <a:lstStyle/>
+          <a:p>
+            <a:pPr algn="ctr" defTabSz="914099" fontAlgn="base">
+              <a:spcBef>
+                <a:spcPct val="0"/>
+              </a:spcBef>
+              <a:spcAft>
+                <a:spcPct val="0"/>
+              </a:spcAft>
+            </a:pPr>
+            <a:r>
+              <a:rPr lang="en-US" sz="1500" dirty="0" smtClean="0">
+                <a:solidFill>
+                  <a:schemeClr val="bg1"/>
+                </a:solidFill>
+              </a:rPr>
+              <a:t>D11v2</a:t>
+            </a:r>
+            <a:endParaRPr lang="en-US" sz="1500" dirty="0">
+              <a:solidFill>
+                <a:schemeClr val="bg1"/>
+              </a:solidFill>
+            </a:endParaRPr>
+          </a:p>
+        </p:txBody>
+      </p:sp>
+      <p:sp>
+        <p:nvSpPr>
+          <p:cNvPr id="61" name="Rectangle 60"/>
+          <p:cNvSpPr/>
+          <p:nvPr/>
+        </p:nvSpPr>
+        <p:spPr bwMode="auto">
+          <a:xfrm>
+            <a:off x="3977487" y="4638857"/>
+            <a:ext cx="600474" cy="430306"/>
+          </a:xfrm>
+          <a:prstGeom prst="rect">
+            <a:avLst/>
+          </a:prstGeom>
+          <a:solidFill>
+            <a:schemeClr val="accent3"/>
+          </a:solidFill>
+          <a:ln w="19050">
+            <a:noFill/>
+            <a:headEnd type="none" w="med" len="med"/>
+            <a:tailEnd type="none" w="med" len="med"/>
+          </a:ln>
+          <a:effectLst/>
+        </p:spPr>
+        <p:style>
+          <a:lnRef idx="1">
+            <a:schemeClr val="accent2"/>
+          </a:lnRef>
+          <a:fillRef idx="3">
+            <a:schemeClr val="accent2"/>
+          </a:fillRef>
+          <a:effectRef idx="2">
+            <a:schemeClr val="accent2"/>
+          </a:effectRef>
+          <a:fontRef idx="minor">
+            <a:schemeClr val="lt1"/>
+          </a:fontRef>
+        </p:style>
+        <p:txBody>
+          <a:bodyPr vert="horz" wrap="none" lIns="91436" tIns="45718" rIns="91436" bIns="45718" numCol="1" rtlCol="0" anchor="ctr" anchorCtr="0" compatLnSpc="1">
+            <a:prstTxWarp prst="textNoShape">
+              <a:avLst/>
+            </a:prstTxWarp>
+          </a:bodyPr>
+          <a:lstStyle/>
+          <a:p>
+            <a:pPr algn="ctr" defTabSz="914099" fontAlgn="base">
+              <a:spcBef>
+                <a:spcPct val="0"/>
+              </a:spcBef>
+              <a:spcAft>
+                <a:spcPct val="0"/>
+              </a:spcAft>
+            </a:pPr>
+            <a:r>
+              <a:rPr lang="en-US" sz="1500" dirty="0" smtClean="0">
+                <a:solidFill>
+                  <a:schemeClr val="bg1"/>
+                </a:solidFill>
+              </a:rPr>
+              <a:t>D12v2</a:t>
+            </a:r>
+            <a:endParaRPr lang="en-US" sz="1500" dirty="0">
+              <a:solidFill>
+                <a:schemeClr val="bg1"/>
+              </a:solidFill>
+            </a:endParaRPr>
+          </a:p>
+        </p:txBody>
+      </p:sp>
+      <p:sp>
+        <p:nvSpPr>
+          <p:cNvPr id="62" name="Rectangle 61"/>
+          <p:cNvSpPr/>
+          <p:nvPr/>
+        </p:nvSpPr>
+        <p:spPr bwMode="auto">
+          <a:xfrm>
+            <a:off x="4630668" y="4638857"/>
+            <a:ext cx="600474" cy="430306"/>
+          </a:xfrm>
+          <a:prstGeom prst="rect">
+            <a:avLst/>
+          </a:prstGeom>
+          <a:solidFill>
+            <a:schemeClr val="accent3"/>
+          </a:solidFill>
+          <a:ln w="19050">
+            <a:noFill/>
+            <a:headEnd type="none" w="med" len="med"/>
+            <a:tailEnd type="none" w="med" len="med"/>
+          </a:ln>
+          <a:effectLst/>
+        </p:spPr>
+        <p:style>
+          <a:lnRef idx="1">
+            <a:schemeClr val="accent2"/>
+          </a:lnRef>
+          <a:fillRef idx="3">
+            <a:schemeClr val="accent2"/>
+          </a:fillRef>
+          <a:effectRef idx="2">
+            <a:schemeClr val="accent2"/>
+          </a:effectRef>
+          <a:fontRef idx="minor">
+            <a:schemeClr val="lt1"/>
+          </a:fontRef>
+        </p:style>
+        <p:txBody>
+          <a:bodyPr vert="horz" wrap="none" lIns="91436" tIns="45718" rIns="91436" bIns="45718" numCol="1" rtlCol="0" anchor="ctr" anchorCtr="0" compatLnSpc="1">
+            <a:prstTxWarp prst="textNoShape">
+              <a:avLst/>
+            </a:prstTxWarp>
+          </a:bodyPr>
+          <a:lstStyle/>
+          <a:p>
+            <a:pPr algn="ctr" defTabSz="914099" fontAlgn="base">
+              <a:spcBef>
+                <a:spcPct val="0"/>
+              </a:spcBef>
+              <a:spcAft>
+                <a:spcPct val="0"/>
+              </a:spcAft>
+            </a:pPr>
+            <a:r>
+              <a:rPr lang="en-US" sz="1500" dirty="0" smtClean="0">
+                <a:solidFill>
+                  <a:schemeClr val="bg1"/>
+                </a:solidFill>
+              </a:rPr>
+              <a:t>D13v2</a:t>
+            </a:r>
+            <a:endParaRPr lang="en-US" sz="1500" dirty="0">
+              <a:solidFill>
+                <a:schemeClr val="bg1"/>
+              </a:solidFill>
+            </a:endParaRPr>
+          </a:p>
+        </p:txBody>
+      </p:sp>
+      <p:sp>
+        <p:nvSpPr>
+          <p:cNvPr id="63" name="Rectangle 62"/>
+          <p:cNvSpPr/>
+          <p:nvPr/>
+        </p:nvSpPr>
+        <p:spPr bwMode="auto">
+          <a:xfrm>
+            <a:off x="5283849" y="4638857"/>
+            <a:ext cx="600474" cy="430306"/>
+          </a:xfrm>
+          <a:prstGeom prst="rect">
+            <a:avLst/>
+          </a:prstGeom>
+          <a:solidFill>
+            <a:schemeClr val="accent3"/>
+          </a:solidFill>
+          <a:ln w="19050">
+            <a:noFill/>
+            <a:headEnd type="none" w="med" len="med"/>
+            <a:tailEnd type="none" w="med" len="med"/>
+          </a:ln>
+          <a:effectLst/>
+        </p:spPr>
+        <p:style>
+          <a:lnRef idx="1">
+            <a:schemeClr val="accent2"/>
+          </a:lnRef>
+          <a:fillRef idx="3">
+            <a:schemeClr val="accent2"/>
+          </a:fillRef>
+          <a:effectRef idx="2">
+            <a:schemeClr val="accent2"/>
+          </a:effectRef>
+          <a:fontRef idx="minor">
+            <a:schemeClr val="lt1"/>
+          </a:fontRef>
+        </p:style>
+        <p:txBody>
+          <a:bodyPr vert="horz" wrap="none" lIns="91436" tIns="45718" rIns="91436" bIns="45718" numCol="1" rtlCol="0" anchor="ctr" anchorCtr="0" compatLnSpc="1">
+            <a:prstTxWarp prst="textNoShape">
+              <a:avLst/>
+            </a:prstTxWarp>
+          </a:bodyPr>
+          <a:lstStyle/>
+          <a:p>
+            <a:pPr algn="ctr" defTabSz="914099" fontAlgn="base">
+              <a:spcBef>
+                <a:spcPct val="0"/>
+              </a:spcBef>
+              <a:spcAft>
+                <a:spcPct val="0"/>
+              </a:spcAft>
+            </a:pPr>
+            <a:r>
+              <a:rPr lang="en-US" sz="1500" dirty="0" smtClean="0">
+                <a:solidFill>
+                  <a:schemeClr val="bg1"/>
+                </a:solidFill>
+              </a:rPr>
+              <a:t>D14v2</a:t>
+            </a:r>
+            <a:endParaRPr lang="en-US" sz="1500" dirty="0">
+              <a:solidFill>
+                <a:schemeClr val="bg1"/>
+              </a:solidFill>
+            </a:endParaRPr>
+          </a:p>
+        </p:txBody>
+      </p:sp>
+      <p:sp>
+        <p:nvSpPr>
+          <p:cNvPr id="64" name="TextBox 63"/>
+          <p:cNvSpPr txBox="1"/>
+          <p:nvPr/>
+        </p:nvSpPr>
+        <p:spPr>
+          <a:xfrm>
+            <a:off x="3324306" y="3888355"/>
+            <a:ext cx="2238883" cy="221599"/>
+          </a:xfrm>
+          <a:prstGeom prst="rect">
+            <a:avLst/>
+          </a:prstGeom>
+          <a:noFill/>
+        </p:spPr>
+        <p:txBody>
+          <a:bodyPr wrap="none" lIns="0" tIns="0" rIns="0" bIns="0" rtlCol="0">
+            <a:spAutoFit/>
+          </a:bodyPr>
+          <a:lstStyle/>
+          <a:p>
+            <a:pPr>
+              <a:lnSpc>
+                <a:spcPct val="90000"/>
+              </a:lnSpc>
+              <a:spcBef>
+                <a:spcPct val="20000"/>
+              </a:spcBef>
+              <a:buSzPct val="80000"/>
+            </a:pPr>
+            <a:r>
+              <a:rPr lang="en-US" sz="1600" dirty="0" smtClean="0">
+                <a:gradFill>
+                  <a:gsLst>
+                    <a:gs pos="0">
+                      <a:srgbClr val="292929">
+                        <a:lumMod val="90000"/>
+                        <a:lumOff val="10000"/>
+                      </a:srgbClr>
+                    </a:gs>
+                    <a:gs pos="86000">
+                      <a:srgbClr val="292929">
+                        <a:lumMod val="90000"/>
+                        <a:lumOff val="10000"/>
+                      </a:srgbClr>
+                    </a:gs>
+                  </a:gsLst>
+                  <a:lin ang="5400000" scaled="0"/>
+                </a:gradFill>
+              </a:rPr>
+              <a:t>Also available in DS sizes</a:t>
+            </a:r>
+            <a:endParaRPr lang="en-US" sz="1600" dirty="0">
+              <a:gradFill>
+                <a:gsLst>
+                  <a:gs pos="0">
+                    <a:srgbClr val="292929">
+                      <a:lumMod val="90000"/>
+                      <a:lumOff val="10000"/>
+                    </a:srgbClr>
+                  </a:gs>
+                  <a:gs pos="86000">
+                    <a:srgbClr val="292929">
+                      <a:lumMod val="90000"/>
+                      <a:lumOff val="10000"/>
+                    </a:srgbClr>
+                  </a:gs>
+                </a:gsLst>
+                <a:lin ang="5400000" scaled="0"/>
+              </a:gradFill>
+            </a:endParaRPr>
+          </a:p>
+        </p:txBody>
+      </p:sp>
+      <p:sp>
+        <p:nvSpPr>
+          <p:cNvPr id="65" name="Rectangle 64"/>
+          <p:cNvSpPr/>
+          <p:nvPr/>
+        </p:nvSpPr>
+        <p:spPr bwMode="auto">
+          <a:xfrm>
+            <a:off x="4624517" y="5554775"/>
+            <a:ext cx="1242773" cy="430306"/>
+          </a:xfrm>
+          <a:prstGeom prst="rect">
+            <a:avLst/>
+          </a:prstGeom>
+          <a:solidFill>
+            <a:schemeClr val="accent3"/>
+          </a:solidFill>
+          <a:ln w="19050">
+            <a:noFill/>
+            <a:headEnd type="none" w="med" len="med"/>
+            <a:tailEnd type="none" w="med" len="med"/>
+          </a:ln>
+          <a:effectLst/>
+        </p:spPr>
+        <p:style>
+          <a:lnRef idx="1">
+            <a:schemeClr val="accent2"/>
+          </a:lnRef>
+          <a:fillRef idx="3">
+            <a:schemeClr val="accent2"/>
+          </a:fillRef>
+          <a:effectRef idx="2">
+            <a:schemeClr val="accent2"/>
+          </a:effectRef>
+          <a:fontRef idx="minor">
+            <a:schemeClr val="lt1"/>
+          </a:fontRef>
+        </p:style>
+        <p:txBody>
+          <a:bodyPr vert="horz" wrap="none" lIns="91436" tIns="45718" rIns="91436" bIns="45718" numCol="1" rtlCol="0" anchor="ctr" anchorCtr="0" compatLnSpc="1">
+            <a:prstTxWarp prst="textNoShape">
+              <a:avLst/>
+            </a:prstTxWarp>
+          </a:bodyPr>
+          <a:lstStyle/>
+          <a:p>
+            <a:pPr algn="ctr" defTabSz="914099" fontAlgn="base">
+              <a:spcBef>
+                <a:spcPct val="0"/>
+              </a:spcBef>
+              <a:spcAft>
+                <a:spcPct val="0"/>
+              </a:spcAft>
+            </a:pPr>
+            <a:r>
+              <a:rPr lang="en-US" sz="1600" dirty="0" smtClean="0">
+                <a:solidFill>
+                  <a:schemeClr val="bg1"/>
+                </a:solidFill>
+              </a:rPr>
+              <a:t>DS15v2</a:t>
+            </a:r>
+            <a:endParaRPr lang="en-US" sz="1600" dirty="0">
+              <a:solidFill>
+                <a:schemeClr val="bg1"/>
+              </a:solidFill>
+            </a:endParaRPr>
+          </a:p>
+        </p:txBody>
+      </p:sp>
+      <p:sp>
+        <p:nvSpPr>
+          <p:cNvPr id="66" name="TextBox 65"/>
+          <p:cNvSpPr txBox="1"/>
+          <p:nvPr/>
+        </p:nvSpPr>
+        <p:spPr>
+          <a:xfrm>
+            <a:off x="6406290" y="5324079"/>
+            <a:ext cx="2182200" cy="221599"/>
+          </a:xfrm>
+          <a:prstGeom prst="rect">
+            <a:avLst/>
+          </a:prstGeom>
+          <a:noFill/>
+        </p:spPr>
+        <p:txBody>
+          <a:bodyPr wrap="none" lIns="0" tIns="0" rIns="0" bIns="0" rtlCol="0">
+            <a:spAutoFit/>
+          </a:bodyPr>
+          <a:lstStyle/>
+          <a:p>
+            <a:pPr>
+              <a:lnSpc>
+                <a:spcPct val="90000"/>
+              </a:lnSpc>
+              <a:spcBef>
+                <a:spcPct val="20000"/>
+              </a:spcBef>
+              <a:buSzPct val="80000"/>
+            </a:pPr>
+            <a:r>
+              <a:rPr lang="en-US" sz="1600" dirty="0" smtClean="0">
+                <a:gradFill>
+                  <a:gsLst>
+                    <a:gs pos="0">
+                      <a:srgbClr val="292929">
+                        <a:lumMod val="90000"/>
+                        <a:lumOff val="10000"/>
+                      </a:srgbClr>
+                    </a:gs>
+                    <a:gs pos="86000">
+                      <a:srgbClr val="292929">
+                        <a:lumMod val="90000"/>
+                        <a:lumOff val="10000"/>
+                      </a:srgbClr>
+                    </a:gs>
+                  </a:gsLst>
+                  <a:lin ang="5400000" scaled="0"/>
+                </a:gradFill>
+              </a:rPr>
+              <a:t>Molecular modeling etc.</a:t>
+            </a:r>
+            <a:endParaRPr lang="en-US" sz="1600" dirty="0">
+              <a:gradFill>
+                <a:gsLst>
+                  <a:gs pos="0">
+                    <a:srgbClr val="292929">
+                      <a:lumMod val="90000"/>
+                      <a:lumOff val="10000"/>
+                    </a:srgbClr>
+                  </a:gs>
+                  <a:gs pos="86000">
+                    <a:srgbClr val="292929">
+                      <a:lumMod val="90000"/>
+                      <a:lumOff val="10000"/>
+                    </a:srgbClr>
+                  </a:gs>
+                </a:gsLst>
+                <a:lin ang="5400000" scaled="0"/>
+              </a:gradFill>
+            </a:endParaRPr>
+          </a:p>
+        </p:txBody>
+      </p:sp>
+      <p:sp>
+        <p:nvSpPr>
+          <p:cNvPr id="67" name="TextBox 66"/>
+          <p:cNvSpPr txBox="1"/>
+          <p:nvPr/>
+        </p:nvSpPr>
+        <p:spPr>
+          <a:xfrm>
+            <a:off x="3324305" y="5324079"/>
+            <a:ext cx="2007473" cy="221599"/>
+          </a:xfrm>
+          <a:prstGeom prst="rect">
+            <a:avLst/>
+          </a:prstGeom>
+          <a:noFill/>
+        </p:spPr>
+        <p:txBody>
+          <a:bodyPr wrap="none" lIns="0" tIns="0" rIns="0" bIns="0" rtlCol="0">
+            <a:spAutoFit/>
+          </a:bodyPr>
+          <a:lstStyle/>
+          <a:p>
+            <a:pPr>
+              <a:lnSpc>
+                <a:spcPct val="90000"/>
+              </a:lnSpc>
+              <a:spcBef>
+                <a:spcPct val="20000"/>
+              </a:spcBef>
+              <a:buSzPct val="80000"/>
+            </a:pPr>
+            <a:r>
+              <a:rPr lang="en-US" sz="1600" dirty="0" smtClean="0">
+                <a:gradFill>
+                  <a:gsLst>
+                    <a:gs pos="0">
+                      <a:srgbClr val="292929">
+                        <a:lumMod val="90000"/>
+                        <a:lumOff val="10000"/>
+                      </a:srgbClr>
+                    </a:gs>
+                    <a:gs pos="86000">
+                      <a:srgbClr val="292929">
+                        <a:lumMod val="90000"/>
+                        <a:lumOff val="10000"/>
+                      </a:srgbClr>
+                    </a:gs>
+                  </a:gsLst>
+                  <a:lin ang="5400000" scaled="0"/>
+                </a:gradFill>
+              </a:rPr>
+              <a:t>20 cores, 140 GB Ram</a:t>
+            </a:r>
+            <a:endParaRPr lang="en-US" sz="1600" dirty="0">
+              <a:gradFill>
+                <a:gsLst>
+                  <a:gs pos="0">
+                    <a:srgbClr val="292929">
+                      <a:lumMod val="90000"/>
+                      <a:lumOff val="10000"/>
+                    </a:srgbClr>
+                  </a:gs>
+                  <a:gs pos="86000">
+                    <a:srgbClr val="292929">
+                      <a:lumMod val="90000"/>
+                      <a:lumOff val="10000"/>
+                    </a:srgbClr>
+                  </a:gs>
+                </a:gsLst>
+                <a:lin ang="5400000" scaled="0"/>
+              </a:gradFill>
+            </a:endParaRPr>
+          </a:p>
+        </p:txBody>
+      </p:sp>
+      <p:sp>
+        <p:nvSpPr>
+          <p:cNvPr id="68" name="TextBox 67"/>
+          <p:cNvSpPr txBox="1"/>
+          <p:nvPr/>
+        </p:nvSpPr>
+        <p:spPr>
+          <a:xfrm>
+            <a:off x="280724" y="2458339"/>
+            <a:ext cx="2690352" cy="221599"/>
+          </a:xfrm>
+          <a:prstGeom prst="rect">
+            <a:avLst/>
+          </a:prstGeom>
+          <a:noFill/>
+        </p:spPr>
+        <p:txBody>
+          <a:bodyPr wrap="none" lIns="0" tIns="0" rIns="0" bIns="0" rtlCol="0">
+            <a:spAutoFit/>
+          </a:bodyPr>
+          <a:lstStyle/>
+          <a:p>
+            <a:pPr>
+              <a:lnSpc>
+                <a:spcPct val="90000"/>
+              </a:lnSpc>
+              <a:spcBef>
+                <a:spcPct val="20000"/>
+              </a:spcBef>
+              <a:buSzPct val="80000"/>
+            </a:pPr>
+            <a:r>
+              <a:rPr lang="en-US" sz="1600" dirty="0" smtClean="0">
+                <a:gradFill>
+                  <a:gsLst>
+                    <a:gs pos="0">
+                      <a:srgbClr val="292929">
+                        <a:lumMod val="90000"/>
+                        <a:lumOff val="10000"/>
+                      </a:srgbClr>
+                    </a:gs>
+                    <a:gs pos="86000">
+                      <a:srgbClr val="292929">
+                        <a:lumMod val="90000"/>
+                        <a:lumOff val="10000"/>
+                      </a:srgbClr>
+                    </a:gs>
+                  </a:gsLst>
+                  <a:lin ang="5400000" scaled="0"/>
+                </a:gradFill>
+              </a:rPr>
+              <a:t>Up to 8 cores and 56 GB RAM</a:t>
+            </a:r>
+            <a:endParaRPr lang="en-US" sz="1600" dirty="0">
+              <a:gradFill>
+                <a:gsLst>
+                  <a:gs pos="0">
+                    <a:srgbClr val="292929">
+                      <a:lumMod val="90000"/>
+                      <a:lumOff val="10000"/>
+                    </a:srgbClr>
+                  </a:gs>
+                  <a:gs pos="86000">
+                    <a:srgbClr val="292929">
+                      <a:lumMod val="90000"/>
+                      <a:lumOff val="10000"/>
+                    </a:srgbClr>
+                  </a:gs>
+                </a:gsLst>
+                <a:lin ang="5400000" scaled="0"/>
+              </a:gradFill>
+            </a:endParaRPr>
+          </a:p>
+        </p:txBody>
+      </p:sp>
+      <p:sp>
+        <p:nvSpPr>
+          <p:cNvPr id="69" name="TextBox 68"/>
+          <p:cNvSpPr txBox="1"/>
+          <p:nvPr/>
+        </p:nvSpPr>
+        <p:spPr>
+          <a:xfrm>
+            <a:off x="9414995" y="6272999"/>
+            <a:ext cx="1943865" cy="221599"/>
+          </a:xfrm>
+          <a:prstGeom prst="rect">
+            <a:avLst/>
+          </a:prstGeom>
+          <a:noFill/>
+        </p:spPr>
+        <p:txBody>
+          <a:bodyPr wrap="none" lIns="0" tIns="0" rIns="0" bIns="0" rtlCol="0">
+            <a:spAutoFit/>
+          </a:bodyPr>
+          <a:lstStyle/>
+          <a:p>
+            <a:pPr>
+              <a:lnSpc>
+                <a:spcPct val="90000"/>
+              </a:lnSpc>
+              <a:spcBef>
+                <a:spcPct val="20000"/>
+              </a:spcBef>
+              <a:buSzPct val="80000"/>
+            </a:pPr>
+            <a:r>
+              <a:rPr lang="en-US" sz="1600" dirty="0" smtClean="0">
+                <a:solidFill>
+                  <a:schemeClr val="accent2"/>
+                </a:solidFill>
+              </a:rPr>
+              <a:t>* </a:t>
+            </a:r>
+            <a:r>
+              <a:rPr lang="en-US" sz="1600" i="1" dirty="0" smtClean="0">
+                <a:solidFill>
+                  <a:schemeClr val="accent2"/>
+                </a:solidFill>
+              </a:rPr>
+              <a:t>Currently in preview</a:t>
+            </a:r>
+            <a:endParaRPr lang="en-US" sz="1600" i="1" dirty="0">
+              <a:solidFill>
+                <a:schemeClr val="accent2"/>
+              </a:solidFill>
+            </a:endParaRPr>
+          </a:p>
+        </p:txBody>
+      </p:sp>
+      <p:cxnSp>
+        <p:nvCxnSpPr>
+          <p:cNvPr id="70" name="Straight Connector 69"/>
+          <p:cNvCxnSpPr/>
+          <p:nvPr/>
+        </p:nvCxnSpPr>
+        <p:spPr>
+          <a:xfrm flipH="1">
+            <a:off x="3068799" y="1587561"/>
+            <a:ext cx="11967" cy="5270439"/>
+          </a:xfrm>
+          <a:prstGeom prst="line">
+            <a:avLst/>
+          </a:prstGeom>
+          <a:ln>
+            <a:solidFill>
+              <a:srgbClr val="5095D1"/>
+            </a:solidFill>
+          </a:ln>
+        </p:spPr>
+        <p:style>
+          <a:lnRef idx="1">
+            <a:schemeClr val="accent1"/>
+          </a:lnRef>
+          <a:fillRef idx="0">
+            <a:schemeClr val="accent1"/>
+          </a:fillRef>
+          <a:effectRef idx="0">
+            <a:schemeClr val="accent1"/>
+          </a:effectRef>
+          <a:fontRef idx="minor">
+            <a:schemeClr val="tx1"/>
+          </a:fontRef>
+        </p:style>
+      </p:cxnSp>
+      <p:sp>
+        <p:nvSpPr>
+          <p:cNvPr id="73" name="Rectangle 72"/>
+          <p:cNvSpPr/>
+          <p:nvPr/>
+        </p:nvSpPr>
+        <p:spPr>
+          <a:xfrm>
+            <a:off x="9204231" y="1690688"/>
+            <a:ext cx="2987769" cy="618631"/>
           </a:xfrm>
           <a:prstGeom prst="rect">
             <a:avLst/>
@@ -16854,89 +21091,165 @@
           </a:bodyPr>
           <a:lstStyle/>
           <a:p>
-            <a:pPr>
+            <a:pPr algn="ctr">
               <a:lnSpc>
                 <a:spcPct val="95000"/>
               </a:lnSpc>
               <a:buSzPct val="90000"/>
             </a:pPr>
             <a:r>
-              <a:rPr lang="en-US" sz="2400" spc="-200" dirty="0" smtClean="0">
-                <a:solidFill>
-                  <a:srgbClr val="235888"/>
+              <a:rPr lang="en-US" sz="3600" spc="-200" dirty="0" smtClean="0">
+                <a:solidFill>
+                  <a:schemeClr val="accent2"/>
                 </a:solidFill>
                 <a:latin typeface="Segoe UI Light" panose="020B0502040204020203" pitchFamily="34" charset="0"/>
                 <a:cs typeface="Segoe UI Light" panose="020B0502040204020203" pitchFamily="34" charset="0"/>
               </a:rPr>
-              <a:t>Up to 100% faster than A-series</a:t>
-            </a:r>
-          </a:p>
-          <a:p>
-            <a:pPr>
-              <a:lnSpc>
-                <a:spcPct val="95000"/>
-              </a:lnSpc>
-              <a:buSzPct val="90000"/>
-            </a:pPr>
-            <a:r>
-              <a:rPr lang="en-US" sz="2400" spc="-200" dirty="0" smtClean="0">
-                <a:solidFill>
-                  <a:srgbClr val="235888"/>
-                </a:solidFill>
-                <a:latin typeface="Segoe UI Light" panose="020B0502040204020203" pitchFamily="34" charset="0"/>
-                <a:cs typeface="Segoe UI Light" panose="020B0502040204020203" pitchFamily="34" charset="0"/>
-              </a:rPr>
-              <a:t>Up to 112 GB RAM and 16 cores</a:t>
-            </a:r>
-          </a:p>
-          <a:p>
-            <a:pPr>
-              <a:lnSpc>
-                <a:spcPct val="95000"/>
-              </a:lnSpc>
-              <a:buSzPct val="90000"/>
-            </a:pPr>
-            <a:r>
-              <a:rPr lang="en-US" sz="2400" spc="-200" dirty="0" smtClean="0">
-                <a:solidFill>
-                  <a:srgbClr val="235888"/>
-                </a:solidFill>
-                <a:latin typeface="Segoe UI Light" panose="020B0502040204020203" pitchFamily="34" charset="0"/>
-                <a:cs typeface="Segoe UI Light" panose="020B0502040204020203" pitchFamily="34" charset="0"/>
-              </a:rPr>
-              <a:t>Up to 32 data disks (1 TB each)</a:t>
-            </a:r>
-          </a:p>
-          <a:p>
-            <a:pPr>
-              <a:lnSpc>
-                <a:spcPct val="95000"/>
-              </a:lnSpc>
-              <a:buSzPct val="90000"/>
-            </a:pPr>
-            <a:r>
-              <a:rPr lang="en-US" sz="2400" spc="-200" dirty="0" smtClean="0">
-                <a:solidFill>
-                  <a:srgbClr val="235888"/>
-                </a:solidFill>
-                <a:latin typeface="Segoe UI Light" panose="020B0502040204020203" pitchFamily="34" charset="0"/>
-                <a:cs typeface="Segoe UI Light" panose="020B0502040204020203" pitchFamily="34" charset="0"/>
-              </a:rPr>
-              <a:t>Solid-state drives</a:t>
-            </a:r>
-          </a:p>
-        </p:txBody>
-      </p:sp>
-      <p:sp>
-        <p:nvSpPr>
-          <p:cNvPr id="12" name="Rectangle 11"/>
+              <a:t>N-Series</a:t>
+            </a:r>
+            <a:endParaRPr lang="en-US" sz="4400" spc="-294" dirty="0">
+              <a:solidFill>
+                <a:schemeClr val="accent2"/>
+              </a:solidFill>
+              <a:latin typeface="Segoe UI Light" panose="020B0502040204020203" pitchFamily="34" charset="0"/>
+              <a:cs typeface="Segoe UI Light" panose="020B0502040204020203" pitchFamily="34" charset="0"/>
+            </a:endParaRPr>
+          </a:p>
+        </p:txBody>
+      </p:sp>
+      <p:cxnSp>
+        <p:nvCxnSpPr>
+          <p:cNvPr id="80" name="Straight Connector 79"/>
+          <p:cNvCxnSpPr/>
+          <p:nvPr/>
+        </p:nvCxnSpPr>
+        <p:spPr>
+          <a:xfrm flipH="1">
+            <a:off x="6135213" y="1587561"/>
+            <a:ext cx="11967" cy="5270439"/>
+          </a:xfrm>
+          <a:prstGeom prst="line">
+            <a:avLst/>
+          </a:prstGeom>
+          <a:ln>
+            <a:solidFill>
+              <a:srgbClr val="5095D1"/>
+            </a:solidFill>
+          </a:ln>
+        </p:spPr>
+        <p:style>
+          <a:lnRef idx="1">
+            <a:schemeClr val="accent1"/>
+          </a:lnRef>
+          <a:fillRef idx="0">
+            <a:schemeClr val="accent1"/>
+          </a:fillRef>
+          <a:effectRef idx="0">
+            <a:schemeClr val="accent1"/>
+          </a:effectRef>
+          <a:fontRef idx="minor">
+            <a:schemeClr val="tx1"/>
+          </a:fontRef>
+        </p:style>
+      </p:cxnSp>
+      <p:cxnSp>
+        <p:nvCxnSpPr>
+          <p:cNvPr id="81" name="Straight Connector 80"/>
+          <p:cNvCxnSpPr/>
+          <p:nvPr/>
+        </p:nvCxnSpPr>
+        <p:spPr>
+          <a:xfrm flipH="1">
+            <a:off x="9190440" y="1587561"/>
+            <a:ext cx="11967" cy="5270439"/>
+          </a:xfrm>
+          <a:prstGeom prst="line">
+            <a:avLst/>
+          </a:prstGeom>
+          <a:ln>
+            <a:solidFill>
+              <a:srgbClr val="5095D1"/>
+            </a:solidFill>
+          </a:ln>
+        </p:spPr>
+        <p:style>
+          <a:lnRef idx="1">
+            <a:schemeClr val="accent1"/>
+          </a:lnRef>
+          <a:fillRef idx="0">
+            <a:schemeClr val="accent1"/>
+          </a:fillRef>
+          <a:effectRef idx="0">
+            <a:schemeClr val="accent1"/>
+          </a:effectRef>
+          <a:fontRef idx="minor">
+            <a:schemeClr val="tx1"/>
+          </a:fontRef>
+        </p:style>
+      </p:cxnSp>
+    </p:spTree>
+    <p:extLst>
+      <p:ext uri="{BB962C8B-B14F-4D97-AF65-F5344CB8AC3E}">
+        <p14:creationId xmlns:p14="http://schemas.microsoft.com/office/powerpoint/2010/main" val="3897119135"/>
+      </p:ext>
+    </p:extLst>
+  </p:cSld>
+  <p:clrMapOvr>
+    <a:masterClrMapping/>
+  </p:clrMapOvr>
+</p:sld>
+</file>
+
+<file path=ppt/slides/slide4.xml><?xml version="1.0" encoding="utf-8"?>
+<p:sld xmlns:a="http://schemas.openxmlformats.org/drawingml/2006/main" xmlns:r="http://schemas.openxmlformats.org/officeDocument/2006/relationships" xmlns:p="http://schemas.openxmlformats.org/presentationml/2006/main">
+  <p:cSld>
+    <p:spTree>
+      <p:nvGrpSpPr>
+        <p:cNvPr id="1" name=""/>
+        <p:cNvGrpSpPr/>
+        <p:nvPr/>
+      </p:nvGrpSpPr>
+      <p:grpSpPr>
+        <a:xfrm>
+          <a:off x="0" y="0"/>
+          <a:ext cx="0" cy="0"/>
+          <a:chOff x="0" y="0"/>
+          <a:chExt cx="0" cy="0"/>
+        </a:xfrm>
+      </p:grpSpPr>
+      <p:sp>
+        <p:nvSpPr>
+          <p:cNvPr id="2" name="Title 1"/>
+          <p:cNvSpPr>
+            <a:spLocks noGrp="1"/>
+          </p:cNvSpPr>
+          <p:nvPr>
+            <p:ph type="title"/>
+          </p:nvPr>
+        </p:nvSpPr>
+        <p:spPr/>
+        <p:txBody>
+          <a:bodyPr/>
+          <a:lstStyle/>
+          <a:p>
+            <a:r>
+              <a:rPr lang="en-US" dirty="0" smtClean="0"/>
+              <a:t>Choosing a VM Size</a:t>
+            </a:r>
+            <a:endParaRPr lang="en-US" dirty="0"/>
+          </a:p>
+        </p:txBody>
+      </p:sp>
+      <p:sp>
+        <p:nvSpPr>
+          <p:cNvPr id="4" name="Rectangle 3"/>
           <p:cNvSpPr/>
           <p:nvPr/>
         </p:nvSpPr>
         <p:spPr bwMode="auto">
           <a:xfrm>
-            <a:off x="4374998" y="4201208"/>
-            <a:ext cx="710005" cy="430306"/>
+            <a:off x="519249" y="1842253"/>
+            <a:ext cx="3383328" cy="527156"/>
           </a:xfrm>
           <a:prstGeom prst="rect">
             <a:avLst/>
@@ -16982,7 +21295,7 @@
               </a:spcAft>
             </a:pPr>
             <a:r>
-              <a:rPr lang="en-US" sz="2000" dirty="0" smtClean="0">
+              <a:rPr lang="en-US" sz="2400" dirty="0" smtClean="0">
                 <a:gradFill>
                   <a:gsLst>
                     <a:gs pos="0">
@@ -16995,21 +21308,21 @@
                   <a:lin ang="5400000" scaled="0"/>
                 </a:gradFill>
               </a:rPr>
-              <a:t>D1</a:t>
-            </a:r>
-          </a:p>
-        </p:txBody>
-      </p:sp>
-      <p:sp>
-        <p:nvSpPr>
-          <p:cNvPr id="13" name="Rectangle 12"/>
+              <a:t>CPU core = Memory</a:t>
+            </a:r>
+          </a:p>
+        </p:txBody>
+      </p:sp>
+      <p:sp>
+        <p:nvSpPr>
+          <p:cNvPr id="5" name="Rectangle 4"/>
           <p:cNvSpPr/>
           <p:nvPr/>
         </p:nvSpPr>
         <p:spPr bwMode="auto">
           <a:xfrm>
-            <a:off x="5191806" y="4201208"/>
-            <a:ext cx="710005" cy="430306"/>
+            <a:off x="519249" y="2506135"/>
+            <a:ext cx="3383328" cy="527156"/>
           </a:xfrm>
           <a:prstGeom prst="rect">
             <a:avLst/>
@@ -17055,7 +21368,7 @@
               </a:spcAft>
             </a:pPr>
             <a:r>
-              <a:rPr lang="en-US" sz="2000" dirty="0" smtClean="0">
+              <a:rPr lang="en-US" sz="2400" dirty="0" smtClean="0">
                 <a:gradFill>
                   <a:gsLst>
                     <a:gs pos="0">
@@ -17068,21 +21381,21 @@
                   <a:lin ang="5400000" scaled="0"/>
                 </a:gradFill>
               </a:rPr>
-              <a:t>D2</a:t>
-            </a:r>
-          </a:p>
-        </p:txBody>
-      </p:sp>
-      <p:sp>
-        <p:nvSpPr>
-          <p:cNvPr id="14" name="Rectangle 13"/>
+              <a:t>CPU core &gt; Memory</a:t>
+            </a:r>
+          </a:p>
+        </p:txBody>
+      </p:sp>
+      <p:sp>
+        <p:nvSpPr>
+          <p:cNvPr id="6" name="Rectangle 5"/>
           <p:cNvSpPr/>
           <p:nvPr/>
         </p:nvSpPr>
         <p:spPr bwMode="auto">
           <a:xfrm>
-            <a:off x="6005445" y="4201208"/>
-            <a:ext cx="710005" cy="430306"/>
+            <a:off x="519249" y="3169476"/>
+            <a:ext cx="3383328" cy="527156"/>
           </a:xfrm>
           <a:prstGeom prst="rect">
             <a:avLst/>
@@ -17128,7 +21441,7 @@
               </a:spcAft>
             </a:pPr>
             <a:r>
-              <a:rPr lang="en-US" sz="2000" dirty="0" smtClean="0">
+              <a:rPr lang="en-US" sz="2400" dirty="0" smtClean="0">
                 <a:gradFill>
                   <a:gsLst>
                     <a:gs pos="0">
@@ -17141,21 +21454,21 @@
                   <a:lin ang="5400000" scaled="0"/>
                 </a:gradFill>
               </a:rPr>
-              <a:t>D3</a:t>
-            </a:r>
-          </a:p>
-        </p:txBody>
-      </p:sp>
-      <p:sp>
-        <p:nvSpPr>
-          <p:cNvPr id="15" name="Rectangle 14"/>
+              <a:t>CPU core &lt; Memory</a:t>
+            </a:r>
+          </a:p>
+        </p:txBody>
+      </p:sp>
+      <p:sp>
+        <p:nvSpPr>
+          <p:cNvPr id="7" name="Rectangle 6"/>
           <p:cNvSpPr/>
           <p:nvPr/>
         </p:nvSpPr>
         <p:spPr bwMode="auto">
           <a:xfrm>
-            <a:off x="6819084" y="4201208"/>
-            <a:ext cx="710005" cy="430306"/>
+            <a:off x="519249" y="3832817"/>
+            <a:ext cx="3383328" cy="527156"/>
           </a:xfrm>
           <a:prstGeom prst="rect">
             <a:avLst/>
@@ -17201,7 +21514,7 @@
               </a:spcAft>
             </a:pPr>
             <a:r>
-              <a:rPr lang="en-US" sz="2000" dirty="0" smtClean="0">
+              <a:rPr lang="en-US" sz="2400" dirty="0" smtClean="0">
                 <a:gradFill>
                   <a:gsLst>
                     <a:gs pos="0">
@@ -17214,21 +21527,21 @@
                   <a:lin ang="5400000" scaled="0"/>
                 </a:gradFill>
               </a:rPr>
-              <a:t>D4</a:t>
-            </a:r>
-          </a:p>
-        </p:txBody>
-      </p:sp>
-      <p:sp>
-        <p:nvSpPr>
-          <p:cNvPr id="16" name="Rectangle 15"/>
+              <a:t>GPU</a:t>
+            </a:r>
+          </a:p>
+        </p:txBody>
+      </p:sp>
+      <p:sp>
+        <p:nvSpPr>
+          <p:cNvPr id="8" name="Rectangle 7"/>
           <p:cNvSpPr/>
           <p:nvPr/>
         </p:nvSpPr>
         <p:spPr bwMode="auto">
           <a:xfrm>
-            <a:off x="4374998" y="4747746"/>
-            <a:ext cx="710005" cy="430306"/>
+            <a:off x="519249" y="4496158"/>
+            <a:ext cx="3383328" cy="527156"/>
           </a:xfrm>
           <a:prstGeom prst="rect">
             <a:avLst/>
@@ -17274,7 +21587,7 @@
               </a:spcAft>
             </a:pPr>
             <a:r>
-              <a:rPr lang="en-US" sz="2000" dirty="0" smtClean="0">
+              <a:rPr lang="en-US" sz="2400" dirty="0" smtClean="0">
                 <a:gradFill>
                   <a:gsLst>
                     <a:gs pos="0">
@@ -17287,21 +21600,21 @@
                   <a:lin ang="5400000" scaled="0"/>
                 </a:gradFill>
               </a:rPr>
-              <a:t>D11</a:t>
-            </a:r>
-          </a:p>
-        </p:txBody>
-      </p:sp>
-      <p:sp>
-        <p:nvSpPr>
-          <p:cNvPr id="17" name="Rectangle 16"/>
+              <a:t>CPU core++</a:t>
+            </a:r>
+          </a:p>
+        </p:txBody>
+      </p:sp>
+      <p:sp>
+        <p:nvSpPr>
+          <p:cNvPr id="9" name="Rectangle 8"/>
           <p:cNvSpPr/>
           <p:nvPr/>
         </p:nvSpPr>
         <p:spPr bwMode="auto">
           <a:xfrm>
-            <a:off x="5191806" y="4747746"/>
-            <a:ext cx="710005" cy="430306"/>
+            <a:off x="519249" y="5159499"/>
+            <a:ext cx="3383328" cy="527156"/>
           </a:xfrm>
           <a:prstGeom prst="rect">
             <a:avLst/>
@@ -17347,7 +21660,7 @@
               </a:spcAft>
             </a:pPr>
             <a:r>
-              <a:rPr lang="en-US" sz="2000" dirty="0" smtClean="0">
+              <a:rPr lang="en-US" sz="2400" dirty="0" smtClean="0">
                 <a:gradFill>
                   <a:gsLst>
                     <a:gs pos="0">
@@ -17360,21 +21673,21 @@
                   <a:lin ang="5400000" scaled="0"/>
                 </a:gradFill>
               </a:rPr>
-              <a:t>D12</a:t>
-            </a:r>
-          </a:p>
-        </p:txBody>
-      </p:sp>
-      <p:sp>
-        <p:nvSpPr>
-          <p:cNvPr id="18" name="Rectangle 17"/>
+              <a:t>Memory++</a:t>
+            </a:r>
+          </a:p>
+        </p:txBody>
+      </p:sp>
+      <p:sp>
+        <p:nvSpPr>
+          <p:cNvPr id="10" name="Rectangle 9"/>
           <p:cNvSpPr/>
           <p:nvPr/>
         </p:nvSpPr>
         <p:spPr bwMode="auto">
           <a:xfrm>
-            <a:off x="6005445" y="4747746"/>
-            <a:ext cx="710005" cy="430306"/>
+            <a:off x="519249" y="5822840"/>
+            <a:ext cx="3383328" cy="527156"/>
           </a:xfrm>
           <a:prstGeom prst="rect">
             <a:avLst/>
@@ -17420,7 +21733,7 @@
               </a:spcAft>
             </a:pPr>
             <a:r>
-              <a:rPr lang="en-US" sz="2000" dirty="0" smtClean="0">
+              <a:rPr lang="en-US" sz="2400" dirty="0" smtClean="0">
                 <a:gradFill>
                   <a:gsLst>
                     <a:gs pos="0">
@@ -17433,29 +21746,29 @@
                   <a:lin ang="5400000" scaled="0"/>
                 </a:gradFill>
               </a:rPr>
-              <a:t>D13</a:t>
-            </a:r>
-          </a:p>
-        </p:txBody>
-      </p:sp>
-      <p:sp>
-        <p:nvSpPr>
-          <p:cNvPr id="19" name="Rectangle 18"/>
+              <a:t>Networking++</a:t>
+            </a:r>
+          </a:p>
+        </p:txBody>
+      </p:sp>
+      <p:sp>
+        <p:nvSpPr>
+          <p:cNvPr id="11" name="Rectangle 10"/>
           <p:cNvSpPr/>
           <p:nvPr/>
         </p:nvSpPr>
         <p:spPr bwMode="auto">
           <a:xfrm>
-            <a:off x="6819084" y="4747746"/>
-            <a:ext cx="710005" cy="430306"/>
+            <a:off x="4239479" y="1842253"/>
+            <a:ext cx="2274055" cy="527156"/>
           </a:xfrm>
           <a:prstGeom prst="rect">
             <a:avLst/>
           </a:prstGeom>
           <a:solidFill>
-            <a:srgbClr val="235888"/>
+            <a:srgbClr val="7F7F7F"/>
           </a:solidFill>
-          <a:ln>
+          <a:ln w="19050">
             <a:noFill/>
             <a:headEnd type="none" w="med" len="med"/>
             <a:tailEnd type="none" w="med" len="med"/>
@@ -17493,7 +21806,7 @@
               </a:spcAft>
             </a:pPr>
             <a:r>
-              <a:rPr lang="en-US" sz="2000" dirty="0" smtClean="0">
+              <a:rPr lang="en-US" sz="2400" dirty="0">
                 <a:gradFill>
                   <a:gsLst>
                     <a:gs pos="0">
@@ -17506,29 +21819,29 @@
                   <a:lin ang="5400000" scaled="0"/>
                 </a:gradFill>
               </a:rPr>
-              <a:t>D14</a:t>
-            </a:r>
-          </a:p>
-        </p:txBody>
-      </p:sp>
-      <p:sp>
-        <p:nvSpPr>
-          <p:cNvPr id="20" name="Rectangle 19"/>
+              <a:t>A0 - A7</a:t>
+            </a:r>
+          </a:p>
+        </p:txBody>
+      </p:sp>
+      <p:sp>
+        <p:nvSpPr>
+          <p:cNvPr id="12" name="Rectangle 11"/>
           <p:cNvSpPr/>
           <p:nvPr/>
         </p:nvSpPr>
         <p:spPr bwMode="auto">
           <a:xfrm>
-            <a:off x="8438991" y="4201208"/>
-            <a:ext cx="710005" cy="430306"/>
+            <a:off x="4239479" y="2506135"/>
+            <a:ext cx="2274055" cy="527156"/>
           </a:xfrm>
           <a:prstGeom prst="rect">
             <a:avLst/>
           </a:prstGeom>
           <a:solidFill>
-            <a:srgbClr val="5095D1"/>
+            <a:srgbClr val="7F7F7F"/>
           </a:solidFill>
-          <a:ln>
+          <a:ln w="19050">
             <a:noFill/>
             <a:headEnd type="none" w="med" len="med"/>
             <a:tailEnd type="none" w="med" len="med"/>
@@ -17579,45 +21892,29 @@
                   <a:lin ang="5400000" scaled="0"/>
                 </a:gradFill>
               </a:rPr>
-              <a:t>G</a:t>
-            </a:r>
-            <a:r>
-              <a:rPr lang="en-US" sz="2000" dirty="0" smtClean="0">
-                <a:gradFill>
-                  <a:gsLst>
-                    <a:gs pos="0">
-                      <a:srgbClr val="FFFFFF"/>
-                    </a:gs>
-                    <a:gs pos="100000">
-                      <a:srgbClr val="FFFFFF"/>
-                    </a:gs>
-                  </a:gsLst>
-                  <a:lin ang="5400000" scaled="0"/>
-                </a:gradFill>
-              </a:rPr>
-              <a:t>1</a:t>
-            </a:r>
-          </a:p>
-        </p:txBody>
-      </p:sp>
-      <p:sp>
-        <p:nvSpPr>
-          <p:cNvPr id="21" name="Rectangle 20"/>
+              <a:t>F1, F2, F4, F8, F16</a:t>
+            </a:r>
+          </a:p>
+        </p:txBody>
+      </p:sp>
+      <p:sp>
+        <p:nvSpPr>
+          <p:cNvPr id="13" name="Rectangle 12"/>
           <p:cNvSpPr/>
           <p:nvPr/>
         </p:nvSpPr>
         <p:spPr bwMode="auto">
           <a:xfrm>
-            <a:off x="9255799" y="4201208"/>
-            <a:ext cx="710005" cy="430306"/>
+            <a:off x="4239479" y="3169476"/>
+            <a:ext cx="2274055" cy="527156"/>
           </a:xfrm>
           <a:prstGeom prst="rect">
             <a:avLst/>
           </a:prstGeom>
           <a:solidFill>
-            <a:srgbClr val="5095D1"/>
+            <a:srgbClr val="7F7F7F"/>
           </a:solidFill>
-          <a:ln>
+          <a:ln w="19050">
             <a:noFill/>
             <a:headEnd type="none" w="med" len="med"/>
             <a:tailEnd type="none" w="med" len="med"/>
@@ -17655,7 +21952,7 @@
               </a:spcAft>
             </a:pPr>
             <a:r>
-              <a:rPr lang="en-US" sz="2000" dirty="0">
+              <a:rPr lang="en-US" sz="2400" dirty="0" smtClean="0">
                 <a:gradFill>
                   <a:gsLst>
                     <a:gs pos="0">
@@ -17668,45 +21965,29 @@
                   <a:lin ang="5400000" scaled="0"/>
                 </a:gradFill>
               </a:rPr>
-              <a:t>G</a:t>
-            </a:r>
-            <a:r>
-              <a:rPr lang="en-US" sz="2000" dirty="0" smtClean="0">
-                <a:gradFill>
-                  <a:gsLst>
-                    <a:gs pos="0">
-                      <a:srgbClr val="FFFFFF"/>
-                    </a:gs>
-                    <a:gs pos="100000">
-                      <a:srgbClr val="FFFFFF"/>
-                    </a:gs>
-                  </a:gsLst>
-                  <a:lin ang="5400000" scaled="0"/>
-                </a:gradFill>
-              </a:rPr>
-              <a:t>2</a:t>
-            </a:r>
-          </a:p>
-        </p:txBody>
-      </p:sp>
-      <p:sp>
-        <p:nvSpPr>
-          <p:cNvPr id="22" name="Rectangle 21"/>
+              <a:t>D11v2 - D15v2</a:t>
+            </a:r>
+          </a:p>
+        </p:txBody>
+      </p:sp>
+      <p:sp>
+        <p:nvSpPr>
+          <p:cNvPr id="14" name="Rectangle 13"/>
           <p:cNvSpPr/>
           <p:nvPr/>
         </p:nvSpPr>
         <p:spPr bwMode="auto">
           <a:xfrm>
-            <a:off x="10069438" y="4201208"/>
-            <a:ext cx="710005" cy="430306"/>
+            <a:off x="4239479" y="3832817"/>
+            <a:ext cx="2274055" cy="527156"/>
           </a:xfrm>
           <a:prstGeom prst="rect">
             <a:avLst/>
           </a:prstGeom>
           <a:solidFill>
-            <a:srgbClr val="5095D1"/>
+            <a:srgbClr val="7F7F7F"/>
           </a:solidFill>
-          <a:ln>
+          <a:ln w="19050">
             <a:noFill/>
             <a:headEnd type="none" w="med" len="med"/>
             <a:tailEnd type="none" w="med" len="med"/>
@@ -17744,7 +22025,7 @@
               </a:spcAft>
             </a:pPr>
             <a:r>
-              <a:rPr lang="en-US" sz="2000" dirty="0">
+              <a:rPr lang="en-US" sz="2400" dirty="0" smtClean="0">
                 <a:gradFill>
                   <a:gsLst>
                     <a:gs pos="0">
@@ -17757,45 +22038,29 @@
                   <a:lin ang="5400000" scaled="0"/>
                 </a:gradFill>
               </a:rPr>
-              <a:t>G</a:t>
-            </a:r>
-            <a:r>
-              <a:rPr lang="en-US" sz="2000" dirty="0" smtClean="0">
-                <a:gradFill>
-                  <a:gsLst>
-                    <a:gs pos="0">
-                      <a:srgbClr val="FFFFFF"/>
-                    </a:gs>
-                    <a:gs pos="100000">
-                      <a:srgbClr val="FFFFFF"/>
-                    </a:gs>
-                  </a:gsLst>
-                  <a:lin ang="5400000" scaled="0"/>
-                </a:gradFill>
-              </a:rPr>
-              <a:t>3</a:t>
-            </a:r>
-          </a:p>
-        </p:txBody>
-      </p:sp>
-      <p:sp>
-        <p:nvSpPr>
-          <p:cNvPr id="23" name="Rectangle 22"/>
+              <a:t>N</a:t>
+            </a:r>
+          </a:p>
+        </p:txBody>
+      </p:sp>
+      <p:sp>
+        <p:nvSpPr>
+          <p:cNvPr id="15" name="Rectangle 14"/>
           <p:cNvSpPr/>
           <p:nvPr/>
         </p:nvSpPr>
         <p:spPr bwMode="auto">
           <a:xfrm>
-            <a:off x="10883077" y="4201208"/>
-            <a:ext cx="710005" cy="430306"/>
+            <a:off x="4239479" y="4496158"/>
+            <a:ext cx="2274055" cy="527156"/>
           </a:xfrm>
           <a:prstGeom prst="rect">
             <a:avLst/>
           </a:prstGeom>
           <a:solidFill>
-            <a:srgbClr val="5095D1"/>
+            <a:srgbClr val="7F7F7F"/>
           </a:solidFill>
-          <a:ln>
+          <a:ln w="19050">
             <a:noFill/>
             <a:headEnd type="none" w="med" len="med"/>
             <a:tailEnd type="none" w="med" len="med"/>
@@ -17833,7 +22098,7 @@
               </a:spcAft>
             </a:pPr>
             <a:r>
-              <a:rPr lang="en-US" sz="2000" dirty="0">
+              <a:rPr lang="en-US" sz="2400" dirty="0" smtClean="0">
                 <a:gradFill>
                   <a:gsLst>
                     <a:gs pos="0">
@@ -17846,45 +22111,29 @@
                   <a:lin ang="5400000" scaled="0"/>
                 </a:gradFill>
               </a:rPr>
-              <a:t>G</a:t>
-            </a:r>
-            <a:r>
-              <a:rPr lang="en-US" sz="2000" dirty="0" smtClean="0">
-                <a:gradFill>
-                  <a:gsLst>
-                    <a:gs pos="0">
-                      <a:srgbClr val="FFFFFF"/>
-                    </a:gs>
-                    <a:gs pos="100000">
-                      <a:srgbClr val="FFFFFF"/>
-                    </a:gs>
-                  </a:gsLst>
-                  <a:lin ang="5400000" scaled="0"/>
-                </a:gradFill>
-              </a:rPr>
-              <a:t>4</a:t>
-            </a:r>
-          </a:p>
-        </p:txBody>
-      </p:sp>
-      <p:sp>
-        <p:nvSpPr>
-          <p:cNvPr id="24" name="Rectangle 23"/>
+              <a:t>A8 - A11</a:t>
+            </a:r>
+          </a:p>
+        </p:txBody>
+      </p:sp>
+      <p:sp>
+        <p:nvSpPr>
+          <p:cNvPr id="16" name="Rectangle 15"/>
           <p:cNvSpPr/>
           <p:nvPr/>
         </p:nvSpPr>
         <p:spPr bwMode="auto">
           <a:xfrm>
-            <a:off x="8438991" y="4747746"/>
-            <a:ext cx="710005" cy="430306"/>
+            <a:off x="4239479" y="5159499"/>
+            <a:ext cx="2274055" cy="527156"/>
           </a:xfrm>
           <a:prstGeom prst="rect">
             <a:avLst/>
           </a:prstGeom>
           <a:solidFill>
-            <a:srgbClr val="5095D1"/>
+            <a:srgbClr val="7F7F7F"/>
           </a:solidFill>
-          <a:ln>
+          <a:ln w="19050">
             <a:noFill/>
             <a:headEnd type="none" w="med" len="med"/>
             <a:tailEnd type="none" w="med" len="med"/>
@@ -17922,7 +22171,7 @@
               </a:spcAft>
             </a:pPr>
             <a:r>
-              <a:rPr lang="en-US" sz="2000" dirty="0" smtClean="0">
+              <a:rPr lang="en-US" sz="2400" dirty="0" smtClean="0">
                 <a:gradFill>
                   <a:gsLst>
                     <a:gs pos="0">
@@ -17935,29 +22184,29 @@
                   <a:lin ang="5400000" scaled="0"/>
                 </a:gradFill>
               </a:rPr>
-              <a:t>G5</a:t>
-            </a:r>
-          </a:p>
-        </p:txBody>
-      </p:sp>
-      <p:sp>
-        <p:nvSpPr>
-          <p:cNvPr id="25" name="Rectangle 24"/>
+              <a:t>G(S)4, G(S)5</a:t>
+            </a:r>
+          </a:p>
+        </p:txBody>
+      </p:sp>
+      <p:sp>
+        <p:nvSpPr>
+          <p:cNvPr id="17" name="Rectangle 16"/>
           <p:cNvSpPr/>
           <p:nvPr/>
         </p:nvSpPr>
         <p:spPr bwMode="auto">
           <a:xfrm>
-            <a:off x="4374998" y="5294284"/>
-            <a:ext cx="710005" cy="430306"/>
+            <a:off x="4239479" y="5822840"/>
+            <a:ext cx="2274055" cy="527156"/>
           </a:xfrm>
           <a:prstGeom prst="rect">
             <a:avLst/>
           </a:prstGeom>
           <a:solidFill>
-            <a:srgbClr val="235888"/>
+            <a:srgbClr val="7F7F7F"/>
           </a:solidFill>
-          <a:ln>
+          <a:ln w="19050">
             <a:noFill/>
             <a:headEnd type="none" w="med" len="med"/>
             <a:tailEnd type="none" w="med" len="med"/>
@@ -17995,7 +22244,7 @@
               </a:spcAft>
             </a:pPr>
             <a:r>
-              <a:rPr lang="en-US" dirty="0" smtClean="0">
+              <a:rPr lang="en-US" sz="2400" dirty="0" smtClean="0">
                 <a:gradFill>
                   <a:gsLst>
                     <a:gs pos="0">
@@ -18008,29 +22257,108 @@
                   <a:lin ang="5400000" scaled="0"/>
                 </a:gradFill>
               </a:rPr>
-              <a:t>D5v2</a:t>
-            </a:r>
-          </a:p>
-        </p:txBody>
-      </p:sp>
-      <p:sp>
-        <p:nvSpPr>
-          <p:cNvPr id="26" name="Rectangle 25"/>
+              <a:t>A10 - A11</a:t>
+            </a:r>
+          </a:p>
+        </p:txBody>
+      </p:sp>
+      <p:sp>
+        <p:nvSpPr>
+          <p:cNvPr id="18" name="Rectangle 17"/>
           <p:cNvSpPr/>
           <p:nvPr/>
         </p:nvSpPr>
         <p:spPr bwMode="auto">
           <a:xfrm>
-            <a:off x="429540" y="4731744"/>
-            <a:ext cx="710005" cy="430306"/>
+            <a:off x="6850436" y="1842253"/>
+            <a:ext cx="2274055" cy="527156"/>
           </a:xfrm>
           <a:prstGeom prst="rect">
             <a:avLst/>
           </a:prstGeom>
-          <a:noFill/>
+          <a:solidFill>
+            <a:srgbClr val="5095D1"/>
+          </a:solidFill>
+          <a:ln w="19050">
+            <a:noFill/>
+            <a:headEnd type="none" w="med" len="med"/>
+            <a:tailEnd type="none" w="med" len="med"/>
+          </a:ln>
+          <a:effectLst/>
+        </p:spPr>
+        <p:style>
+          <a:lnRef idx="1">
+            <a:schemeClr val="accent2"/>
+          </a:lnRef>
+          <a:fillRef idx="3">
+            <a:schemeClr val="accent2"/>
+          </a:fillRef>
+          <a:effectRef idx="2">
+            <a:schemeClr val="accent2"/>
+          </a:effectRef>
+          <a:fontRef idx="minor">
+            <a:schemeClr val="lt1"/>
+          </a:fontRef>
+        </p:style>
+        <p:txBody>
+          <a:bodyPr vert="horz" wrap="square" lIns="91436" tIns="45718" rIns="91436" bIns="45718" numCol="1" rtlCol="0" anchor="ctr" anchorCtr="0" compatLnSpc="1">
+            <a:prstTxWarp prst="textNoShape">
+              <a:avLst/>
+            </a:prstTxWarp>
+          </a:bodyPr>
+          <a:lstStyle/>
+          <a:p>
+            <a:pPr algn="ctr" defTabSz="914099" fontAlgn="base">
+              <a:spcBef>
+                <a:spcPct val="0"/>
+              </a:spcBef>
+              <a:spcAft>
+                <a:spcPct val="0"/>
+              </a:spcAft>
+            </a:pPr>
+            <a:r>
+              <a:rPr lang="en-US" sz="2400" dirty="0" smtClean="0">
+                <a:gradFill>
+                  <a:gsLst>
+                    <a:gs pos="0">
+                      <a:srgbClr val="FFFFFF"/>
+                    </a:gs>
+                    <a:gs pos="100000">
+                      <a:srgbClr val="FFFFFF"/>
+                    </a:gs>
+                  </a:gsLst>
+                  <a:lin ang="5400000" scaled="0"/>
+                </a:gradFill>
+              </a:rPr>
+              <a:t>D1v2 - D5v2</a:t>
+            </a:r>
+          </a:p>
+        </p:txBody>
+      </p:sp>
+      <p:sp>
+        <p:nvSpPr>
+          <p:cNvPr id="19" name="Rectangle 18"/>
+          <p:cNvSpPr/>
+          <p:nvPr/>
+        </p:nvSpPr>
+        <p:spPr bwMode="auto">
+          <a:xfrm>
+            <a:off x="9461393" y="1842253"/>
+            <a:ext cx="2274055" cy="527156"/>
+          </a:xfrm>
+          <a:prstGeom prst="rect">
+            <a:avLst/>
+          </a:prstGeom>
+          <a:solidFill>
+            <a:schemeClr val="bg2">
+              <a:lumMod val="90000"/>
+            </a:schemeClr>
+          </a:solidFill>
           <a:ln w="19050">
             <a:solidFill>
-              <a:schemeClr val="accent2"/>
+              <a:schemeClr val="bg2">
+                <a:lumMod val="50000"/>
+              </a:schemeClr>
             </a:solidFill>
             <a:headEnd type="none" w="med" len="med"/>
             <a:tailEnd type="none" w="med" len="med"/>
@@ -18052,7 +22380,7 @@
           </a:fontRef>
         </p:style>
         <p:txBody>
-          <a:bodyPr vert="horz" wrap="square" lIns="91436" tIns="45718" rIns="91436" bIns="45718" numCol="1" rtlCol="0" anchor="ctr" anchorCtr="0" compatLnSpc="1">
+          <a:bodyPr vert="horz" wrap="none" lIns="91436" tIns="45718" rIns="91436" bIns="45718" numCol="1" rtlCol="0" anchor="ctr" anchorCtr="0" compatLnSpc="1">
             <a:prstTxWarp prst="textNoShape">
               <a:avLst/>
             </a:prstTxWarp>
@@ -18068,34 +22396,115 @@
               </a:spcAft>
             </a:pPr>
             <a:r>
-              <a:rPr lang="en-US" sz="2000" dirty="0">
-                <a:solidFill>
-                  <a:schemeClr val="accent2"/>
+              <a:rPr lang="en-US" sz="2400" dirty="0">
+                <a:solidFill>
+                  <a:schemeClr val="bg2">
+                    <a:lumMod val="50000"/>
+                  </a:schemeClr>
                 </a:solidFill>
               </a:rPr>
-              <a:t>A4</a:t>
-            </a:r>
-          </a:p>
-        </p:txBody>
-      </p:sp>
-      <p:sp>
-        <p:nvSpPr>
-          <p:cNvPr id="27" name="Rectangle 26"/>
+              <a:t>D1 - D4</a:t>
+            </a:r>
+          </a:p>
+        </p:txBody>
+      </p:sp>
+      <p:sp>
+        <p:nvSpPr>
+          <p:cNvPr id="20" name="Rectangle 19"/>
           <p:cNvSpPr/>
           <p:nvPr/>
         </p:nvSpPr>
         <p:spPr bwMode="auto">
           <a:xfrm>
-            <a:off x="1246348" y="4731744"/>
-            <a:ext cx="710005" cy="430306"/>
+            <a:off x="6850436" y="3169476"/>
+            <a:ext cx="2274055" cy="527156"/>
           </a:xfrm>
           <a:prstGeom prst="rect">
             <a:avLst/>
           </a:prstGeom>
-          <a:noFill/>
+          <a:solidFill>
+            <a:srgbClr val="5095D1"/>
+          </a:solidFill>
+          <a:ln w="19050">
+            <a:noFill/>
+            <a:headEnd type="none" w="med" len="med"/>
+            <a:tailEnd type="none" w="med" len="med"/>
+          </a:ln>
+          <a:effectLst/>
+        </p:spPr>
+        <p:style>
+          <a:lnRef idx="1">
+            <a:schemeClr val="accent2"/>
+          </a:lnRef>
+          <a:fillRef idx="3">
+            <a:schemeClr val="accent2"/>
+          </a:fillRef>
+          <a:effectRef idx="2">
+            <a:schemeClr val="accent2"/>
+          </a:effectRef>
+          <a:fontRef idx="minor">
+            <a:schemeClr val="lt1"/>
+          </a:fontRef>
+        </p:style>
+        <p:txBody>
+          <a:bodyPr vert="horz" wrap="square" lIns="91436" tIns="45718" rIns="91436" bIns="45718" numCol="1" rtlCol="0" anchor="ctr" anchorCtr="0" compatLnSpc="1">
+            <a:prstTxWarp prst="textNoShape">
+              <a:avLst/>
+            </a:prstTxWarp>
+          </a:bodyPr>
+          <a:lstStyle/>
+          <a:p>
+            <a:pPr algn="ctr" defTabSz="914099" fontAlgn="base">
+              <a:spcBef>
+                <a:spcPct val="0"/>
+              </a:spcBef>
+              <a:spcAft>
+                <a:spcPct val="0"/>
+              </a:spcAft>
+            </a:pPr>
+            <a:r>
+              <a:rPr lang="en-US" sz="2400" dirty="0" smtClean="0">
+                <a:gradFill>
+                  <a:gsLst>
+                    <a:gs pos="0">
+                      <a:srgbClr val="FFFFFF"/>
+                    </a:gs>
+                    <a:gs pos="100000">
+                      <a:srgbClr val="FFFFFF"/>
+                    </a:gs>
+                  </a:gsLst>
+                  <a:lin ang="5400000" scaled="0"/>
+                </a:gradFill>
+              </a:rPr>
+              <a:t>D11 - D14</a:t>
+            </a:r>
+          </a:p>
+        </p:txBody>
+      </p:sp>
+      <p:sp>
+        <p:nvSpPr>
+          <p:cNvPr id="21" name="Rectangle 20"/>
+          <p:cNvSpPr/>
+          <p:nvPr/>
+        </p:nvSpPr>
+        <p:spPr bwMode="auto">
+          <a:xfrm>
+            <a:off x="9461393" y="3169476"/>
+            <a:ext cx="2274055" cy="527156"/>
+          </a:xfrm>
+          <a:prstGeom prst="rect">
+            <a:avLst/>
+          </a:prstGeom>
+          <a:solidFill>
+            <a:schemeClr val="bg2">
+              <a:lumMod val="90000"/>
+            </a:schemeClr>
+          </a:solidFill>
           <a:ln w="19050">
             <a:solidFill>
-              <a:schemeClr val="accent2"/>
+              <a:schemeClr val="bg2">
+                <a:lumMod val="50000"/>
+              </a:schemeClr>
             </a:solidFill>
             <a:headEnd type="none" w="med" len="med"/>
             <a:tailEnd type="none" w="med" len="med"/>
@@ -18117,7 +22526,7 @@
           </a:fontRef>
         </p:style>
         <p:txBody>
-          <a:bodyPr vert="horz" wrap="square" lIns="91436" tIns="45718" rIns="91436" bIns="45718" numCol="1" rtlCol="0" anchor="ctr" anchorCtr="0" compatLnSpc="1">
+          <a:bodyPr vert="horz" wrap="none" lIns="91436" tIns="45718" rIns="91436" bIns="45718" numCol="1" rtlCol="0" anchor="ctr" anchorCtr="0" compatLnSpc="1">
             <a:prstTxWarp prst="textNoShape">
               <a:avLst/>
             </a:prstTxWarp>
@@ -18133,34 +22542,115 @@
               </a:spcAft>
             </a:pPr>
             <a:r>
-              <a:rPr lang="en-US" sz="2000" dirty="0">
-                <a:solidFill>
-                  <a:schemeClr val="accent2"/>
+              <a:rPr lang="en-US" sz="2400" dirty="0">
+                <a:solidFill>
+                  <a:schemeClr val="bg2">
+                    <a:lumMod val="50000"/>
+                  </a:schemeClr>
                 </a:solidFill>
               </a:rPr>
-              <a:t>A5</a:t>
-            </a:r>
-          </a:p>
-        </p:txBody>
-      </p:sp>
-      <p:sp>
-        <p:nvSpPr>
-          <p:cNvPr id="28" name="Rectangle 27"/>
+              <a:t>G</a:t>
+            </a:r>
+          </a:p>
+        </p:txBody>
+      </p:sp>
+      <p:sp>
+        <p:nvSpPr>
+          <p:cNvPr id="22" name="Rectangle 21"/>
           <p:cNvSpPr/>
           <p:nvPr/>
         </p:nvSpPr>
         <p:spPr bwMode="auto">
           <a:xfrm>
-            <a:off x="2059987" y="4731744"/>
-            <a:ext cx="710005" cy="430306"/>
+            <a:off x="6850436" y="4496158"/>
+            <a:ext cx="2274055" cy="527156"/>
           </a:xfrm>
           <a:prstGeom prst="rect">
             <a:avLst/>
           </a:prstGeom>
-          <a:noFill/>
+          <a:solidFill>
+            <a:srgbClr val="5095D1"/>
+          </a:solidFill>
+          <a:ln w="19050">
+            <a:noFill/>
+            <a:headEnd type="none" w="med" len="med"/>
+            <a:tailEnd type="none" w="med" len="med"/>
+          </a:ln>
+          <a:effectLst/>
+        </p:spPr>
+        <p:style>
+          <a:lnRef idx="1">
+            <a:schemeClr val="accent2"/>
+          </a:lnRef>
+          <a:fillRef idx="3">
+            <a:schemeClr val="accent2"/>
+          </a:fillRef>
+          <a:effectRef idx="2">
+            <a:schemeClr val="accent2"/>
+          </a:effectRef>
+          <a:fontRef idx="minor">
+            <a:schemeClr val="lt1"/>
+          </a:fontRef>
+        </p:style>
+        <p:txBody>
+          <a:bodyPr vert="horz" wrap="square" lIns="91436" tIns="45718" rIns="91436" bIns="45718" numCol="1" rtlCol="0" anchor="ctr" anchorCtr="0" compatLnSpc="1">
+            <a:prstTxWarp prst="textNoShape">
+              <a:avLst/>
+            </a:prstTxWarp>
+          </a:bodyPr>
+          <a:lstStyle/>
+          <a:p>
+            <a:pPr algn="ctr" defTabSz="914099" fontAlgn="base">
+              <a:spcBef>
+                <a:spcPct val="0"/>
+              </a:spcBef>
+              <a:spcAft>
+                <a:spcPct val="0"/>
+              </a:spcAft>
+            </a:pPr>
+            <a:r>
+              <a:rPr lang="en-US" sz="2400" dirty="0" smtClean="0">
+                <a:gradFill>
+                  <a:gsLst>
+                    <a:gs pos="0">
+                      <a:srgbClr val="FFFFFF"/>
+                    </a:gs>
+                    <a:gs pos="100000">
+                      <a:srgbClr val="FFFFFF"/>
+                    </a:gs>
+                  </a:gsLst>
+                  <a:lin ang="5400000" scaled="0"/>
+                </a:gradFill>
+              </a:rPr>
+              <a:t>G(S)5</a:t>
+            </a:r>
+          </a:p>
+        </p:txBody>
+      </p:sp>
+      <p:sp>
+        <p:nvSpPr>
+          <p:cNvPr id="23" name="Rectangle 22"/>
+          <p:cNvSpPr/>
+          <p:nvPr/>
+        </p:nvSpPr>
+        <p:spPr bwMode="auto">
+          <a:xfrm>
+            <a:off x="9461393" y="4496158"/>
+            <a:ext cx="2274055" cy="527156"/>
+          </a:xfrm>
+          <a:prstGeom prst="rect">
+            <a:avLst/>
+          </a:prstGeom>
+          <a:solidFill>
+            <a:schemeClr val="bg2">
+              <a:lumMod val="90000"/>
+            </a:schemeClr>
+          </a:solidFill>
           <a:ln w="19050">
             <a:solidFill>
-              <a:schemeClr val="accent2"/>
+              <a:schemeClr val="bg2">
+                <a:lumMod val="50000"/>
+              </a:schemeClr>
             </a:solidFill>
             <a:headEnd type="none" w="med" len="med"/>
             <a:tailEnd type="none" w="med" len="med"/>
@@ -18182,7 +22672,7 @@
           </a:fontRef>
         </p:style>
         <p:txBody>
-          <a:bodyPr vert="horz" wrap="square" lIns="91436" tIns="45718" rIns="91436" bIns="45718" numCol="1" rtlCol="0" anchor="ctr" anchorCtr="0" compatLnSpc="1">
+          <a:bodyPr vert="horz" wrap="none" lIns="91436" tIns="45718" rIns="91436" bIns="45718" numCol="1" rtlCol="0" anchor="ctr" anchorCtr="0" compatLnSpc="1">
             <a:prstTxWarp prst="textNoShape">
               <a:avLst/>
             </a:prstTxWarp>
@@ -18198,35 +22688,37 @@
               </a:spcAft>
             </a:pPr>
             <a:r>
-              <a:rPr lang="en-US" sz="2000" dirty="0">
-                <a:solidFill>
-                  <a:schemeClr val="accent2"/>
+              <a:rPr lang="en-US" sz="2400" dirty="0">
+                <a:solidFill>
+                  <a:schemeClr val="bg2">
+                    <a:lumMod val="50000"/>
+                  </a:schemeClr>
                 </a:solidFill>
               </a:rPr>
-              <a:t>A6</a:t>
-            </a:r>
-          </a:p>
-        </p:txBody>
-      </p:sp>
-      <p:sp>
-        <p:nvSpPr>
-          <p:cNvPr id="29" name="Rectangle 28"/>
+              <a:t>D(S)15v2</a:t>
+            </a:r>
+          </a:p>
+        </p:txBody>
+      </p:sp>
+      <p:sp>
+        <p:nvSpPr>
+          <p:cNvPr id="24" name="Rectangle 23"/>
           <p:cNvSpPr/>
           <p:nvPr/>
         </p:nvSpPr>
         <p:spPr bwMode="auto">
           <a:xfrm>
-            <a:off x="2873626" y="4731744"/>
-            <a:ext cx="710005" cy="430306"/>
+            <a:off x="6850436" y="5159499"/>
+            <a:ext cx="2274055" cy="527156"/>
           </a:xfrm>
           <a:prstGeom prst="rect">
             <a:avLst/>
           </a:prstGeom>
-          <a:noFill/>
+          <a:solidFill>
+            <a:srgbClr val="5095D1"/>
+          </a:solidFill>
           <a:ln w="19050">
-            <a:solidFill>
-              <a:schemeClr val="accent2"/>
-            </a:solidFill>
+            <a:noFill/>
             <a:headEnd type="none" w="med" len="med"/>
             <a:tailEnd type="none" w="med" len="med"/>
           </a:ln>
@@ -18263,552 +22755,28 @@
               </a:spcAft>
             </a:pPr>
             <a:r>
-              <a:rPr lang="en-US" sz="2000" dirty="0">
-                <a:solidFill>
-                  <a:schemeClr val="accent2"/>
-                </a:solidFill>
+              <a:rPr lang="en-US" sz="2400" dirty="0" smtClean="0">
+                <a:gradFill>
+                  <a:gsLst>
+                    <a:gs pos="0">
+                      <a:srgbClr val="FFFFFF"/>
+                    </a:gs>
+                    <a:gs pos="100000">
+                      <a:srgbClr val="FFFFFF"/>
+                    </a:gs>
+                  </a:gsLst>
+                  <a:lin ang="5400000" scaled="0"/>
+                </a:gradFill>
               </a:rPr>
-              <a:t>A7</a:t>
-            </a:r>
-          </a:p>
-        </p:txBody>
-      </p:sp>
-      <p:sp>
-        <p:nvSpPr>
-          <p:cNvPr id="30" name="Rectangle 29"/>
-          <p:cNvSpPr/>
-          <p:nvPr/>
-        </p:nvSpPr>
-        <p:spPr bwMode="auto">
-          <a:xfrm>
-            <a:off x="429540" y="4188224"/>
-            <a:ext cx="710005" cy="430306"/>
-          </a:xfrm>
-          <a:prstGeom prst="rect">
-            <a:avLst/>
-          </a:prstGeom>
-          <a:noFill/>
-          <a:ln w="19050">
-            <a:solidFill>
-              <a:schemeClr val="accent2"/>
-            </a:solidFill>
-            <a:headEnd type="none" w="med" len="med"/>
-            <a:tailEnd type="none" w="med" len="med"/>
-          </a:ln>
-          <a:effectLst/>
-        </p:spPr>
-        <p:style>
-          <a:lnRef idx="1">
-            <a:schemeClr val="accent2"/>
-          </a:lnRef>
-          <a:fillRef idx="3">
-            <a:schemeClr val="accent2"/>
-          </a:fillRef>
-          <a:effectRef idx="2">
-            <a:schemeClr val="accent2"/>
-          </a:effectRef>
-          <a:fontRef idx="minor">
-            <a:schemeClr val="lt1"/>
-          </a:fontRef>
-        </p:style>
-        <p:txBody>
-          <a:bodyPr vert="horz" wrap="square" lIns="91436" tIns="45718" rIns="91436" bIns="45718" numCol="1" rtlCol="0" anchor="ctr" anchorCtr="0" compatLnSpc="1">
-            <a:prstTxWarp prst="textNoShape">
-              <a:avLst/>
-            </a:prstTxWarp>
-          </a:bodyPr>
-          <a:lstStyle/>
-          <a:p>
-            <a:pPr algn="ctr" defTabSz="914099" fontAlgn="base">
-              <a:spcBef>
-                <a:spcPct val="0"/>
-              </a:spcBef>
-              <a:spcAft>
-                <a:spcPct val="0"/>
-              </a:spcAft>
-            </a:pPr>
-            <a:r>
-              <a:rPr lang="en-US" sz="2000" dirty="0" smtClean="0">
-                <a:solidFill>
-                  <a:schemeClr val="accent2"/>
-                </a:solidFill>
-              </a:rPr>
-              <a:t>A0</a:t>
-            </a:r>
-          </a:p>
-        </p:txBody>
-      </p:sp>
-      <p:sp>
-        <p:nvSpPr>
-          <p:cNvPr id="31" name="Rectangle 30"/>
-          <p:cNvSpPr/>
-          <p:nvPr/>
-        </p:nvSpPr>
-        <p:spPr bwMode="auto">
-          <a:xfrm>
-            <a:off x="1246348" y="4188224"/>
-            <a:ext cx="710005" cy="430306"/>
-          </a:xfrm>
-          <a:prstGeom prst="rect">
-            <a:avLst/>
-          </a:prstGeom>
-          <a:noFill/>
-          <a:ln w="19050">
-            <a:solidFill>
-              <a:schemeClr val="accent2"/>
-            </a:solidFill>
-            <a:headEnd type="none" w="med" len="med"/>
-            <a:tailEnd type="none" w="med" len="med"/>
-          </a:ln>
-          <a:effectLst/>
-        </p:spPr>
-        <p:style>
-          <a:lnRef idx="1">
-            <a:schemeClr val="accent2"/>
-          </a:lnRef>
-          <a:fillRef idx="3">
-            <a:schemeClr val="accent2"/>
-          </a:fillRef>
-          <a:effectRef idx="2">
-            <a:schemeClr val="accent2"/>
-          </a:effectRef>
-          <a:fontRef idx="minor">
-            <a:schemeClr val="lt1"/>
-          </a:fontRef>
-        </p:style>
-        <p:txBody>
-          <a:bodyPr vert="horz" wrap="square" lIns="91436" tIns="45718" rIns="91436" bIns="45718" numCol="1" rtlCol="0" anchor="ctr" anchorCtr="0" compatLnSpc="1">
-            <a:prstTxWarp prst="textNoShape">
-              <a:avLst/>
-            </a:prstTxWarp>
-          </a:bodyPr>
-          <a:lstStyle/>
-          <a:p>
-            <a:pPr algn="ctr" defTabSz="914099" fontAlgn="base">
-              <a:spcBef>
-                <a:spcPct val="0"/>
-              </a:spcBef>
-              <a:spcAft>
-                <a:spcPct val="0"/>
-              </a:spcAft>
-            </a:pPr>
-            <a:r>
-              <a:rPr lang="en-US" sz="2000" dirty="0">
-                <a:solidFill>
-                  <a:schemeClr val="accent2"/>
-                </a:solidFill>
-              </a:rPr>
-              <a:t>A1</a:t>
-            </a:r>
-          </a:p>
-        </p:txBody>
-      </p:sp>
-      <p:sp>
-        <p:nvSpPr>
-          <p:cNvPr id="32" name="Rectangle 31"/>
-          <p:cNvSpPr/>
-          <p:nvPr/>
-        </p:nvSpPr>
-        <p:spPr bwMode="auto">
-          <a:xfrm>
-            <a:off x="2059987" y="4188224"/>
-            <a:ext cx="710005" cy="430306"/>
-          </a:xfrm>
-          <a:prstGeom prst="rect">
-            <a:avLst/>
-          </a:prstGeom>
-          <a:noFill/>
-          <a:ln w="19050">
-            <a:solidFill>
-              <a:schemeClr val="accent2"/>
-            </a:solidFill>
-            <a:headEnd type="none" w="med" len="med"/>
-            <a:tailEnd type="none" w="med" len="med"/>
-          </a:ln>
-          <a:effectLst/>
-        </p:spPr>
-        <p:style>
-          <a:lnRef idx="1">
-            <a:schemeClr val="accent2"/>
-          </a:lnRef>
-          <a:fillRef idx="3">
-            <a:schemeClr val="accent2"/>
-          </a:fillRef>
-          <a:effectRef idx="2">
-            <a:schemeClr val="accent2"/>
-          </a:effectRef>
-          <a:fontRef idx="minor">
-            <a:schemeClr val="lt1"/>
-          </a:fontRef>
-        </p:style>
-        <p:txBody>
-          <a:bodyPr vert="horz" wrap="square" lIns="91436" tIns="45718" rIns="91436" bIns="45718" numCol="1" rtlCol="0" anchor="ctr" anchorCtr="0" compatLnSpc="1">
-            <a:prstTxWarp prst="textNoShape">
-              <a:avLst/>
-            </a:prstTxWarp>
-          </a:bodyPr>
-          <a:lstStyle/>
-          <a:p>
-            <a:pPr algn="ctr" defTabSz="914099" fontAlgn="base">
-              <a:spcBef>
-                <a:spcPct val="0"/>
-              </a:spcBef>
-              <a:spcAft>
-                <a:spcPct val="0"/>
-              </a:spcAft>
-            </a:pPr>
-            <a:r>
-              <a:rPr lang="en-US" sz="2000" dirty="0">
-                <a:solidFill>
-                  <a:schemeClr val="accent2"/>
-                </a:solidFill>
-              </a:rPr>
-              <a:t>A2</a:t>
-            </a:r>
-          </a:p>
-        </p:txBody>
-      </p:sp>
-      <p:sp>
-        <p:nvSpPr>
-          <p:cNvPr id="33" name="Rectangle 32"/>
-          <p:cNvSpPr/>
-          <p:nvPr/>
-        </p:nvSpPr>
-        <p:spPr bwMode="auto">
-          <a:xfrm>
-            <a:off x="2873626" y="4188224"/>
-            <a:ext cx="710005" cy="430306"/>
-          </a:xfrm>
-          <a:prstGeom prst="rect">
-            <a:avLst/>
-          </a:prstGeom>
-          <a:noFill/>
-          <a:ln w="19050">
-            <a:solidFill>
-              <a:schemeClr val="accent2"/>
-            </a:solidFill>
-            <a:headEnd type="none" w="med" len="med"/>
-            <a:tailEnd type="none" w="med" len="med"/>
-          </a:ln>
-          <a:effectLst/>
-        </p:spPr>
-        <p:style>
-          <a:lnRef idx="1">
-            <a:schemeClr val="accent2"/>
-          </a:lnRef>
-          <a:fillRef idx="3">
-            <a:schemeClr val="accent2"/>
-          </a:fillRef>
-          <a:effectRef idx="2">
-            <a:schemeClr val="accent2"/>
-          </a:effectRef>
-          <a:fontRef idx="minor">
-            <a:schemeClr val="lt1"/>
-          </a:fontRef>
-        </p:style>
-        <p:txBody>
-          <a:bodyPr vert="horz" wrap="square" lIns="91436" tIns="45718" rIns="91436" bIns="45718" numCol="1" rtlCol="0" anchor="ctr" anchorCtr="0" compatLnSpc="1">
-            <a:prstTxWarp prst="textNoShape">
-              <a:avLst/>
-            </a:prstTxWarp>
-          </a:bodyPr>
-          <a:lstStyle/>
-          <a:p>
-            <a:pPr algn="ctr" defTabSz="914099" fontAlgn="base">
-              <a:spcBef>
-                <a:spcPct val="0"/>
-              </a:spcBef>
-              <a:spcAft>
-                <a:spcPct val="0"/>
-              </a:spcAft>
-            </a:pPr>
-            <a:r>
-              <a:rPr lang="en-US" sz="2000" dirty="0">
-                <a:solidFill>
-                  <a:schemeClr val="accent2"/>
-                </a:solidFill>
-              </a:rPr>
-              <a:t>A3</a:t>
-            </a:r>
-          </a:p>
-        </p:txBody>
-      </p:sp>
-      <p:sp>
-        <p:nvSpPr>
-          <p:cNvPr id="34" name="Rectangle 33"/>
-          <p:cNvSpPr/>
-          <p:nvPr/>
-        </p:nvSpPr>
-        <p:spPr>
-          <a:xfrm>
-            <a:off x="8129783" y="1690688"/>
-            <a:ext cx="4062217" cy="676980"/>
-          </a:xfrm>
-          <a:prstGeom prst="rect">
-            <a:avLst/>
-          </a:prstGeom>
-        </p:spPr>
-        <p:txBody>
-          <a:bodyPr wrap="square" anchor="b">
-            <a:spAutoFit/>
-          </a:bodyPr>
-          <a:lstStyle/>
-          <a:p>
-            <a:pPr algn="ctr">
-              <a:lnSpc>
-                <a:spcPct val="95000"/>
-              </a:lnSpc>
-              <a:buSzPct val="90000"/>
-            </a:pPr>
-            <a:r>
-              <a:rPr lang="en-US" sz="3999" spc="-200" dirty="0" smtClean="0">
-                <a:solidFill>
-                  <a:srgbClr val="235888"/>
-                </a:solidFill>
-                <a:latin typeface="Segoe UI Light" panose="020B0502040204020203" pitchFamily="34" charset="0"/>
-                <a:cs typeface="Segoe UI Light" panose="020B0502040204020203" pitchFamily="34" charset="0"/>
-              </a:rPr>
-              <a:t>G/GS-Series</a:t>
-            </a:r>
-            <a:endParaRPr lang="en-US" sz="4799" spc="-294" dirty="0">
-              <a:solidFill>
-                <a:srgbClr val="235888"/>
-              </a:solidFill>
-              <a:latin typeface="Segoe UI Light" panose="020B0502040204020203" pitchFamily="34" charset="0"/>
-              <a:cs typeface="Segoe UI Light" panose="020B0502040204020203" pitchFamily="34" charset="0"/>
-            </a:endParaRPr>
-          </a:p>
-        </p:txBody>
-      </p:sp>
-      <p:sp>
-        <p:nvSpPr>
-          <p:cNvPr id="35" name="Rectangle 34"/>
-          <p:cNvSpPr/>
-          <p:nvPr/>
-        </p:nvSpPr>
-        <p:spPr>
-          <a:xfrm>
-            <a:off x="8321137" y="2473320"/>
-            <a:ext cx="3870863" cy="1495794"/>
-          </a:xfrm>
-          <a:prstGeom prst="rect">
-            <a:avLst/>
-          </a:prstGeom>
-        </p:spPr>
-        <p:txBody>
-          <a:bodyPr wrap="square" anchor="b">
-            <a:spAutoFit/>
-          </a:bodyPr>
-          <a:lstStyle/>
-          <a:p>
-            <a:pPr>
-              <a:lnSpc>
-                <a:spcPct val="95000"/>
-              </a:lnSpc>
-              <a:buSzPct val="90000"/>
-            </a:pPr>
-            <a:r>
-              <a:rPr lang="en-US" sz="2400" spc="-200" dirty="0" smtClean="0">
-                <a:solidFill>
-                  <a:srgbClr val="235888"/>
-                </a:solidFill>
-                <a:latin typeface="Segoe UI Light" panose="020B0502040204020203" pitchFamily="34" charset="0"/>
-                <a:cs typeface="Segoe UI Light" panose="020B0502040204020203" pitchFamily="34" charset="0"/>
-              </a:rPr>
-              <a:t>35% faster than D-series</a:t>
-            </a:r>
-          </a:p>
-          <a:p>
-            <a:pPr>
-              <a:lnSpc>
-                <a:spcPct val="95000"/>
-              </a:lnSpc>
-              <a:buSzPct val="90000"/>
-            </a:pPr>
-            <a:r>
-              <a:rPr lang="en-US" sz="2400" spc="-200" dirty="0" smtClean="0">
-                <a:solidFill>
-                  <a:srgbClr val="235888"/>
-                </a:solidFill>
-                <a:latin typeface="Segoe UI Light" panose="020B0502040204020203" pitchFamily="34" charset="0"/>
-                <a:cs typeface="Segoe UI Light" panose="020B0502040204020203" pitchFamily="34" charset="0"/>
-              </a:rPr>
-              <a:t>Up to 448 GB RAM and 32 cores</a:t>
-            </a:r>
-          </a:p>
-          <a:p>
-            <a:pPr>
-              <a:lnSpc>
-                <a:spcPct val="95000"/>
-              </a:lnSpc>
-              <a:buSzPct val="90000"/>
-            </a:pPr>
-            <a:r>
-              <a:rPr lang="en-US" sz="2400" spc="-200" dirty="0" smtClean="0">
-                <a:solidFill>
-                  <a:srgbClr val="235888"/>
-                </a:solidFill>
-                <a:latin typeface="Segoe UI Light" panose="020B0502040204020203" pitchFamily="34" charset="0"/>
-                <a:cs typeface="Segoe UI Light" panose="020B0502040204020203" pitchFamily="34" charset="0"/>
-              </a:rPr>
-              <a:t>Up to 64 data disks (1 TB each)</a:t>
-            </a:r>
-          </a:p>
-          <a:p>
-            <a:pPr>
-              <a:lnSpc>
-                <a:spcPct val="95000"/>
-              </a:lnSpc>
-              <a:buSzPct val="90000"/>
-            </a:pPr>
-            <a:r>
-              <a:rPr lang="en-US" sz="2400" spc="-200" dirty="0" smtClean="0">
-                <a:solidFill>
-                  <a:srgbClr val="235888"/>
-                </a:solidFill>
-                <a:latin typeface="Segoe UI Light" panose="020B0502040204020203" pitchFamily="34" charset="0"/>
-                <a:cs typeface="Segoe UI Light" panose="020B0502040204020203" pitchFamily="34" charset="0"/>
-              </a:rPr>
-              <a:t>Solid-state drives</a:t>
-            </a:r>
-          </a:p>
-        </p:txBody>
-      </p:sp>
-      <p:cxnSp>
-        <p:nvCxnSpPr>
-          <p:cNvPr id="37" name="Straight Connector 36"/>
-          <p:cNvCxnSpPr/>
-          <p:nvPr/>
-        </p:nvCxnSpPr>
-        <p:spPr>
-          <a:xfrm flipH="1">
-            <a:off x="8018307" y="1690688"/>
-            <a:ext cx="4673" cy="4033902"/>
-          </a:xfrm>
-          <a:prstGeom prst="line">
-            <a:avLst/>
-          </a:prstGeom>
-          <a:ln>
-            <a:solidFill>
-              <a:srgbClr val="5095D1"/>
-            </a:solidFill>
-          </a:ln>
-        </p:spPr>
-        <p:style>
-          <a:lnRef idx="1">
-            <a:schemeClr val="accent1"/>
-          </a:lnRef>
-          <a:fillRef idx="0">
-            <a:schemeClr val="accent1"/>
-          </a:fillRef>
-          <a:effectRef idx="0">
-            <a:schemeClr val="accent1"/>
-          </a:effectRef>
-          <a:fontRef idx="minor">
-            <a:schemeClr val="tx1"/>
-          </a:fontRef>
-        </p:style>
-      </p:cxnSp>
-      <p:sp>
-        <p:nvSpPr>
-          <p:cNvPr id="42" name="TextBox 41"/>
-          <p:cNvSpPr txBox="1"/>
-          <p:nvPr/>
-        </p:nvSpPr>
-        <p:spPr>
-          <a:xfrm>
-            <a:off x="1437625" y="6242324"/>
-            <a:ext cx="9845644" cy="443198"/>
-          </a:xfrm>
-          <a:prstGeom prst="rect">
-            <a:avLst/>
-          </a:prstGeom>
-          <a:noFill/>
-        </p:spPr>
-        <p:txBody>
-          <a:bodyPr wrap="none" lIns="0" tIns="0" rIns="0" bIns="0" rtlCol="0">
-            <a:spAutoFit/>
-          </a:bodyPr>
-          <a:lstStyle/>
-          <a:p>
-            <a:pPr>
-              <a:lnSpc>
-                <a:spcPct val="90000"/>
-              </a:lnSpc>
-              <a:spcBef>
-                <a:spcPct val="20000"/>
-              </a:spcBef>
-              <a:buSzPct val="80000"/>
-            </a:pPr>
-            <a:r>
-              <a:rPr lang="en-US" sz="3200" dirty="0">
-                <a:solidFill>
-                  <a:srgbClr val="5095D1"/>
-                </a:solidFill>
-                <a:latin typeface="Segoe UI Light" panose="020B0502040204020203" pitchFamily="34" charset="0"/>
-                <a:cs typeface="Segoe UI Light" panose="020B0502040204020203" pitchFamily="34" charset="0"/>
-              </a:rPr>
-              <a:t>See http://bit.ly/a4r-vm-pricing for </a:t>
-            </a:r>
-            <a:r>
-              <a:rPr lang="en-US" sz="3200" dirty="0" smtClean="0">
-                <a:solidFill>
-                  <a:srgbClr val="5095D1"/>
-                </a:solidFill>
-                <a:latin typeface="Segoe UI Light" panose="020B0502040204020203" pitchFamily="34" charset="0"/>
-                <a:cs typeface="Segoe UI Light" panose="020B0502040204020203" pitchFamily="34" charset="0"/>
-              </a:rPr>
-              <a:t>pricing and availability</a:t>
-            </a:r>
-            <a:endParaRPr lang="en-US" sz="3200" dirty="0">
-              <a:solidFill>
-                <a:srgbClr val="5095D1"/>
-              </a:solidFill>
-              <a:latin typeface="Segoe UI Light" panose="020B0502040204020203" pitchFamily="34" charset="0"/>
-              <a:cs typeface="Segoe UI Light" panose="020B0502040204020203" pitchFamily="34" charset="0"/>
-            </a:endParaRPr>
-          </a:p>
-        </p:txBody>
-      </p:sp>
-      <p:cxnSp>
-        <p:nvCxnSpPr>
-          <p:cNvPr id="50" name="Straight Connector 49"/>
-          <p:cNvCxnSpPr/>
-          <p:nvPr/>
-        </p:nvCxnSpPr>
-        <p:spPr>
-          <a:xfrm flipH="1">
-            <a:off x="4014756" y="1690688"/>
-            <a:ext cx="4673" cy="4033902"/>
-          </a:xfrm>
-          <a:prstGeom prst="line">
-            <a:avLst/>
-          </a:prstGeom>
-          <a:ln>
-            <a:solidFill>
-              <a:srgbClr val="5095D1"/>
-            </a:solidFill>
-          </a:ln>
-        </p:spPr>
-        <p:style>
-          <a:lnRef idx="1">
-            <a:schemeClr val="accent1"/>
-          </a:lnRef>
-          <a:fillRef idx="0">
-            <a:schemeClr val="accent1"/>
-          </a:fillRef>
-          <a:effectRef idx="0">
-            <a:schemeClr val="accent1"/>
-          </a:effectRef>
-          <a:fontRef idx="minor">
-            <a:schemeClr val="tx1"/>
-          </a:fontRef>
-        </p:style>
-      </p:cxnSp>
+              <a:t>D(s)15v2</a:t>
+            </a:r>
+          </a:p>
+        </p:txBody>
+      </p:sp>
     </p:spTree>
     <p:extLst>
       <p:ext uri="{BB962C8B-B14F-4D97-AF65-F5344CB8AC3E}">
-        <p14:creationId xmlns:p14="http://schemas.microsoft.com/office/powerpoint/2010/main" val="3070396282"/>
+        <p14:creationId xmlns:p14="http://schemas.microsoft.com/office/powerpoint/2010/main" val="1249765604"/>
       </p:ext>
     </p:extLst>
   </p:cSld>
@@ -18818,7 +22786,7 @@
 </p:sld>
 </file>
 
-<file path=ppt/slides/slide4.xml><?xml version="1.0" encoding="utf-8"?>
+<file path=ppt/slides/slide5.xml><?xml version="1.0" encoding="utf-8"?>
 <p:sld xmlns:a="http://schemas.openxmlformats.org/drawingml/2006/main" xmlns:r="http://schemas.openxmlformats.org/officeDocument/2006/relationships" xmlns:p="http://schemas.openxmlformats.org/presentationml/2006/main">
   <p:cSld>
     <p:spTree>
@@ -18866,7 +22834,7 @@
         </p:nvSpPr>
         <p:spPr bwMode="auto">
           <a:xfrm>
-            <a:off x="4384713" y="1864094"/>
+            <a:off x="4384713" y="1782243"/>
             <a:ext cx="3383327" cy="790489"/>
           </a:xfrm>
           <a:prstGeom prst="rect">
@@ -18939,7 +22907,7 @@
         </p:nvSpPr>
         <p:spPr bwMode="auto">
           <a:xfrm>
-            <a:off x="8491529" y="1864095"/>
+            <a:off x="8491529" y="1782244"/>
             <a:ext cx="3348856" cy="790489"/>
           </a:xfrm>
           <a:prstGeom prst="rect">
@@ -19012,7 +22980,7 @@
         </p:nvSpPr>
         <p:spPr>
           <a:xfrm>
-            <a:off x="4384713" y="2801124"/>
+            <a:off x="4384713" y="2719273"/>
             <a:ext cx="3710600" cy="1378839"/>
           </a:xfrm>
           <a:prstGeom prst="rect">
@@ -19096,7 +23064,7 @@
         </p:blipFill>
         <p:spPr>
           <a:xfrm>
-            <a:off x="4384713" y="4835010"/>
+            <a:off x="4384713" y="4753159"/>
             <a:ext cx="370967" cy="406475"/>
           </a:xfrm>
           <a:prstGeom prst="rect">
@@ -19112,7 +23080,7 @@
         </p:nvSpPr>
         <p:spPr>
           <a:xfrm>
-            <a:off x="4790152" y="4816648"/>
+            <a:off x="4790152" y="4734797"/>
             <a:ext cx="3270686" cy="443198"/>
           </a:xfrm>
           <a:prstGeom prst="rect">
@@ -19197,7 +23165,7 @@
         </p:blipFill>
         <p:spPr>
           <a:xfrm>
-            <a:off x="4326584" y="5402607"/>
+            <a:off x="4326584" y="5320756"/>
             <a:ext cx="463568" cy="537739"/>
           </a:xfrm>
           <a:prstGeom prst="rect">
@@ -19213,7 +23181,7 @@
         </p:nvSpPr>
         <p:spPr>
           <a:xfrm>
-            <a:off x="4790152" y="5449877"/>
+            <a:off x="4790152" y="5368026"/>
             <a:ext cx="3270686" cy="443198"/>
           </a:xfrm>
           <a:prstGeom prst="rect">
@@ -19302,7 +23270,7 @@
         </p:blipFill>
         <p:spPr>
           <a:xfrm>
-            <a:off x="8457055" y="4835010"/>
+            <a:off x="8457055" y="4753159"/>
             <a:ext cx="370967" cy="406475"/>
           </a:xfrm>
           <a:prstGeom prst="rect">
@@ -19332,7 +23300,7 @@
         </p:blipFill>
         <p:spPr>
           <a:xfrm>
-            <a:off x="8398926" y="5402607"/>
+            <a:off x="8398926" y="5320756"/>
             <a:ext cx="463568" cy="537739"/>
           </a:xfrm>
           <a:prstGeom prst="rect">
@@ -19450,7 +23418,7 @@
         </p:blipFill>
         <p:spPr>
           <a:xfrm>
-            <a:off x="8457055" y="4835010"/>
+            <a:off x="8457055" y="4753159"/>
             <a:ext cx="370967" cy="406475"/>
           </a:xfrm>
           <a:prstGeom prst="rect">
@@ -19561,7 +23529,7 @@
         </p:blipFill>
         <p:spPr>
           <a:xfrm>
-            <a:off x="8398926" y="5402607"/>
+            <a:off x="8398926" y="5320756"/>
             <a:ext cx="463568" cy="537739"/>
           </a:xfrm>
           <a:prstGeom prst="rect">
@@ -19658,7 +23626,7 @@
         </p:nvSpPr>
         <p:spPr bwMode="auto">
           <a:xfrm>
-            <a:off x="346841" y="1864096"/>
+            <a:off x="346841" y="1782245"/>
             <a:ext cx="3383328" cy="790489"/>
           </a:xfrm>
           <a:prstGeom prst="rect">
@@ -19731,7 +23699,7 @@
         </p:nvSpPr>
         <p:spPr>
           <a:xfrm>
-            <a:off x="346840" y="2807021"/>
+            <a:off x="346840" y="2725170"/>
             <a:ext cx="3710600" cy="1729704"/>
           </a:xfrm>
           <a:prstGeom prst="rect">
@@ -19870,7 +23838,7 @@
         </p:blipFill>
         <p:spPr>
           <a:xfrm>
-            <a:off x="346839" y="4835010"/>
+            <a:off x="346839" y="4753159"/>
             <a:ext cx="370967" cy="406475"/>
           </a:xfrm>
           <a:prstGeom prst="rect">
@@ -19886,7 +23854,7 @@
         </p:nvSpPr>
         <p:spPr>
           <a:xfrm>
-            <a:off x="752278" y="4816648"/>
+            <a:off x="752278" y="4734797"/>
             <a:ext cx="3270686" cy="443198"/>
           </a:xfrm>
           <a:prstGeom prst="rect">
@@ -20001,7 +23969,7 @@
         </p:blipFill>
         <p:spPr>
           <a:xfrm>
-            <a:off x="288710" y="5402607"/>
+            <a:off x="288710" y="5320756"/>
             <a:ext cx="463568" cy="537739"/>
           </a:xfrm>
           <a:prstGeom prst="rect">
@@ -20017,7 +23985,7 @@
         </p:nvSpPr>
         <p:spPr>
           <a:xfrm>
-            <a:off x="752278" y="5449877"/>
+            <a:off x="752278" y="5368026"/>
             <a:ext cx="3270686" cy="443198"/>
           </a:xfrm>
           <a:prstGeom prst="rect">
@@ -20098,7 +24066,7 @@
         </p:nvCxnSpPr>
         <p:spPr>
           <a:xfrm flipH="1">
-            <a:off x="4047620" y="1802200"/>
+            <a:off x="4047620" y="1720349"/>
             <a:ext cx="4673" cy="4033902"/>
           </a:xfrm>
           <a:prstGeom prst="line">
@@ -20133,7 +24101,7 @@
         </p:nvCxnSpPr>
         <p:spPr>
           <a:xfrm flipH="1">
-            <a:off x="8127448" y="1802200"/>
+            <a:off x="8127448" y="1720349"/>
             <a:ext cx="4673" cy="4033902"/>
           </a:xfrm>
           <a:prstGeom prst="line">
@@ -20160,6 +24128,57 @@
           </a:fontRef>
         </p:style>
       </p:cxnSp>
+      <p:sp>
+        <p:nvSpPr>
+          <p:cNvPr id="28" name="TextBox 27"/>
+          <p:cNvSpPr txBox="1"/>
+          <p:nvPr/>
+        </p:nvSpPr>
+        <p:spPr>
+          <a:xfrm>
+            <a:off x="2266073" y="6281224"/>
+            <a:ext cx="7659854" cy="332399"/>
+          </a:xfrm>
+          <a:prstGeom prst="rect">
+            <a:avLst/>
+          </a:prstGeom>
+          <a:noFill/>
+        </p:spPr>
+        <p:txBody>
+          <a:bodyPr wrap="none" lIns="0" tIns="0" rIns="0" bIns="0" rtlCol="0">
+            <a:spAutoFit/>
+          </a:bodyPr>
+          <a:lstStyle/>
+          <a:p>
+            <a:pPr>
+              <a:lnSpc>
+                <a:spcPct val="90000"/>
+              </a:lnSpc>
+              <a:spcBef>
+                <a:spcPct val="20000"/>
+              </a:spcBef>
+              <a:buSzPct val="80000"/>
+            </a:pPr>
+            <a:r>
+              <a:rPr lang="en-US" sz="2400" dirty="0" smtClean="0">
+                <a:solidFill>
+                  <a:schemeClr val="accent3"/>
+                </a:solidFill>
+                <a:latin typeface="Segoe UI Light" panose="020B0502040204020203" pitchFamily="34" charset="0"/>
+                <a:cs typeface="Segoe UI Light" panose="020B0502040204020203" pitchFamily="34" charset="0"/>
+              </a:rPr>
+              <a:t>See bit.ly/a4r-vm-pricing for up-to-date pricing information</a:t>
+            </a:r>
+            <a:endParaRPr lang="en-US" sz="2400" dirty="0">
+              <a:solidFill>
+                <a:schemeClr val="accent3"/>
+              </a:solidFill>
+              <a:latin typeface="Segoe UI Light" panose="020B0502040204020203" pitchFamily="34" charset="0"/>
+              <a:cs typeface="Segoe UI Light" panose="020B0502040204020203" pitchFamily="34" charset="0"/>
+            </a:endParaRPr>
+          </a:p>
+        </p:txBody>
+      </p:sp>
     </p:spTree>
     <p:extLst>
       <p:ext uri="{BB962C8B-B14F-4D97-AF65-F5344CB8AC3E}">
@@ -20173,7 +24192,7 @@
 </p:sld>
 </file>
 
-<file path=ppt/slides/slide5.xml><?xml version="1.0" encoding="utf-8"?>
+<file path=ppt/slides/slide6.xml><?xml version="1.0" encoding="utf-8"?>
 <p:sld xmlns:a="http://schemas.openxmlformats.org/drawingml/2006/main" xmlns:r="http://schemas.openxmlformats.org/officeDocument/2006/relationships" xmlns:p="http://schemas.openxmlformats.org/presentationml/2006/main">
   <p:cSld>
     <p:spTree>
@@ -20303,7 +24322,7 @@
 </p:sld>
 </file>
 
-<file path=ppt/slides/slide6.xml><?xml version="1.0" encoding="utf-8"?>
+<file path=ppt/slides/slide7.xml><?xml version="1.0" encoding="utf-8"?>
 <p:sld xmlns:a="http://schemas.openxmlformats.org/drawingml/2006/main" xmlns:r="http://schemas.openxmlformats.org/officeDocument/2006/relationships" xmlns:p="http://schemas.openxmlformats.org/presentationml/2006/main">
   <p:cSld>
     <p:spTree>
@@ -20532,7 +24551,7 @@
 </p:sld>
 </file>
 
-<file path=ppt/slides/slide7.xml><?xml version="1.0" encoding="utf-8"?>
+<file path=ppt/slides/slide8.xml><?xml version="1.0" encoding="utf-8"?>
 <p:sld xmlns:a="http://schemas.openxmlformats.org/drawingml/2006/main" xmlns:r="http://schemas.openxmlformats.org/officeDocument/2006/relationships" xmlns:p="http://schemas.openxmlformats.org/presentationml/2006/main">
   <p:cSld>
     <p:spTree>
@@ -20664,7 +24683,7 @@
 </p:sld>
 </file>
 
-<file path=ppt/slides/slide8.xml><?xml version="1.0" encoding="utf-8"?>
+<file path=ppt/slides/slide9.xml><?xml version="1.0" encoding="utf-8"?>
 <p:sld xmlns:a="http://schemas.openxmlformats.org/drawingml/2006/main" xmlns:r="http://schemas.openxmlformats.org/officeDocument/2006/relationships" xmlns:p="http://schemas.openxmlformats.org/presentationml/2006/main">
   <p:cSld>
     <p:spTree>
